--- a/ObjectDetection.pptx
+++ b/ObjectDetection.pptx
@@ -5,28 +5,41 @@
     <p:sldMasterId id="2147483657" r:id="rId1"/>
   </p:sldMasterIdLst>
   <p:notesMasterIdLst>
-    <p:notesMasterId r:id="rId9"/>
+    <p:notesMasterId r:id="rId22"/>
   </p:notesMasterIdLst>
   <p:sldIdLst>
     <p:sldId id="256" r:id="rId2"/>
     <p:sldId id="283" r:id="rId3"/>
-    <p:sldId id="284" r:id="rId4"/>
-    <p:sldId id="285" r:id="rId5"/>
-    <p:sldId id="286" r:id="rId6"/>
-    <p:sldId id="287" r:id="rId7"/>
-    <p:sldId id="279" r:id="rId8"/>
+    <p:sldId id="288" r:id="rId4"/>
+    <p:sldId id="284" r:id="rId5"/>
+    <p:sldId id="289" r:id="rId6"/>
+    <p:sldId id="285" r:id="rId7"/>
+    <p:sldId id="286" r:id="rId8"/>
+    <p:sldId id="293" r:id="rId9"/>
+    <p:sldId id="291" r:id="rId10"/>
+    <p:sldId id="292" r:id="rId11"/>
+    <p:sldId id="294" r:id="rId12"/>
+    <p:sldId id="295" r:id="rId13"/>
+    <p:sldId id="296" r:id="rId14"/>
+    <p:sldId id="297" r:id="rId15"/>
+    <p:sldId id="300" r:id="rId16"/>
+    <p:sldId id="302" r:id="rId17"/>
+    <p:sldId id="298" r:id="rId18"/>
+    <p:sldId id="299" r:id="rId19"/>
+    <p:sldId id="303" r:id="rId20"/>
+    <p:sldId id="279" r:id="rId21"/>
   </p:sldIdLst>
   <p:sldSz cx="9144000" cy="5143500" type="screen16x9"/>
   <p:notesSz cx="6858000" cy="9144000"/>
   <p:embeddedFontLst>
     <p:embeddedFont>
-      <p:font typeface="Didact Gothic" panose="020B0604020202020204" charset="0"/>
-      <p:regular r:id="rId10"/>
+      <p:font typeface="Montserrat" panose="020B0604020202020204" charset="0"/>
+      <p:regular r:id="rId23"/>
+      <p:bold r:id="rId24"/>
     </p:embeddedFont>
     <p:embeddedFont>
-      <p:font typeface="Montserrat" panose="020B0604020202020204" charset="0"/>
-      <p:regular r:id="rId11"/>
-      <p:bold r:id="rId12"/>
+      <p:font typeface="Didact Gothic" panose="020B0604020202020204" charset="0"/>
+      <p:regular r:id="rId25"/>
     </p:embeddedFont>
   </p:embeddedFontLst>
   <p:defaultTextStyle>
@@ -247,14 +260,24 @@
           <p14:sldIdLst>
             <p14:sldId id="256"/>
             <p14:sldId id="283"/>
+            <p14:sldId id="288"/>
             <p14:sldId id="284"/>
+            <p14:sldId id="289"/>
             <p14:sldId id="285"/>
             <p14:sldId id="286"/>
-            <p14:sldId id="287"/>
+            <p14:sldId id="293"/>
+            <p14:sldId id="291"/>
+            <p14:sldId id="292"/>
+            <p14:sldId id="294"/>
+            <p14:sldId id="295"/>
+            <p14:sldId id="296"/>
+            <p14:sldId id="297"/>
+            <p14:sldId id="300"/>
+            <p14:sldId id="302"/>
+            <p14:sldId id="298"/>
+            <p14:sldId id="299"/>
+            <p14:sldId id="303"/>
           </p14:sldIdLst>
-        </p14:section>
-        <p14:section name="无标题节" id="{66628E96-7F69-481C-B147-25F47EAB97CA}">
-          <p14:sldIdLst/>
         </p14:section>
         <p14:section name="App" id="{D9BB2FD9-5967-4DBE-86C6-86527990E792}">
           <p14:sldIdLst>
@@ -648,6 +671,1166 @@
 </p:notes>
 </file>
 
+<file path=ppt/notesSlides/notesSlide10.xml><?xml version="1.0" encoding="utf-8"?>
+<p:notes xmlns:a="http://schemas.openxmlformats.org/drawingml/2006/main" xmlns:r="http://schemas.openxmlformats.org/officeDocument/2006/relationships" xmlns:p="http://schemas.openxmlformats.org/presentationml/2006/main" showMasterSp="0" showMasterPhAnim="0">
+  <p:cSld>
+    <p:spTree>
+      <p:nvGrpSpPr>
+        <p:cNvPr id="1" name="Shape 297"/>
+        <p:cNvGrpSpPr/>
+        <p:nvPr/>
+      </p:nvGrpSpPr>
+      <p:grpSpPr>
+        <a:xfrm>
+          <a:off x="0" y="0"/>
+          <a:ext cx="0" cy="0"/>
+          <a:chOff x="0" y="0"/>
+          <a:chExt cx="0" cy="0"/>
+        </a:xfrm>
+      </p:grpSpPr>
+      <p:sp>
+        <p:nvSpPr>
+          <p:cNvPr id="298" name="Shape 298"/>
+          <p:cNvSpPr>
+            <a:spLocks noGrp="1" noRot="1" noChangeAspect="1"/>
+          </p:cNvSpPr>
+          <p:nvPr>
+            <p:ph type="sldImg" idx="2"/>
+          </p:nvPr>
+        </p:nvSpPr>
+        <p:spPr>
+          <a:xfrm>
+            <a:off x="381000" y="685800"/>
+            <a:ext cx="6096000" cy="3429000"/>
+          </a:xfrm>
+          <a:custGeom>
+            <a:avLst/>
+            <a:gdLst/>
+            <a:ahLst/>
+            <a:cxnLst/>
+            <a:rect l="0" t="0" r="0" b="0"/>
+            <a:pathLst>
+              <a:path w="120000" h="120000" extrusionOk="0">
+                <a:moveTo>
+                  <a:pt x="0" y="0"/>
+                </a:moveTo>
+                <a:lnTo>
+                  <a:pt x="120000" y="0"/>
+                </a:lnTo>
+                <a:lnTo>
+                  <a:pt x="120000" y="120000"/>
+                </a:lnTo>
+                <a:lnTo>
+                  <a:pt x="0" y="120000"/>
+                </a:lnTo>
+                <a:close/>
+              </a:path>
+            </a:pathLst>
+          </a:custGeom>
+          <a:noFill/>
+          <a:ln w="9525" cap="flat" cmpd="sng">
+            <a:solidFill>
+              <a:srgbClr val="000000"/>
+            </a:solidFill>
+            <a:prstDash val="solid"/>
+            <a:round/>
+            <a:headEnd type="none" w="med" len="med"/>
+            <a:tailEnd type="none" w="med" len="med"/>
+          </a:ln>
+        </p:spPr>
+      </p:sp>
+      <p:sp>
+        <p:nvSpPr>
+          <p:cNvPr id="299" name="Shape 299"/>
+          <p:cNvSpPr txBox="1">
+            <a:spLocks noGrp="1"/>
+          </p:cNvSpPr>
+          <p:nvPr>
+            <p:ph type="body" idx="1"/>
+          </p:nvPr>
+        </p:nvSpPr>
+        <p:spPr>
+          <a:xfrm>
+            <a:off x="685800" y="4343400"/>
+            <a:ext cx="5486399" cy="4114800"/>
+          </a:xfrm>
+          <a:prstGeom prst="rect">
+            <a:avLst/>
+          </a:prstGeom>
+        </p:spPr>
+        <p:txBody>
+          <a:bodyPr lIns="91425" tIns="91425" rIns="91425" bIns="91425" anchor="t" anchorCtr="0">
+            <a:noAutofit/>
+          </a:bodyPr>
+          <a:lstStyle/>
+          <a:p>
+            <a:pPr lvl="0">
+              <a:spcBef>
+                <a:spcPts val="0"/>
+              </a:spcBef>
+              <a:buNone/>
+            </a:pPr>
+            <a:endParaRPr/>
+          </a:p>
+        </p:txBody>
+      </p:sp>
+    </p:spTree>
+    <p:extLst>
+      <p:ext uri="{BB962C8B-B14F-4D97-AF65-F5344CB8AC3E}">
+        <p14:creationId xmlns:p14="http://schemas.microsoft.com/office/powerpoint/2010/main" val="102974593"/>
+      </p:ext>
+    </p:extLst>
+  </p:cSld>
+  <p:clrMapOvr>
+    <a:masterClrMapping/>
+  </p:clrMapOvr>
+</p:notes>
+</file>
+
+<file path=ppt/notesSlides/notesSlide11.xml><?xml version="1.0" encoding="utf-8"?>
+<p:notes xmlns:a="http://schemas.openxmlformats.org/drawingml/2006/main" xmlns:r="http://schemas.openxmlformats.org/officeDocument/2006/relationships" xmlns:p="http://schemas.openxmlformats.org/presentationml/2006/main" showMasterSp="0" showMasterPhAnim="0">
+  <p:cSld>
+    <p:spTree>
+      <p:nvGrpSpPr>
+        <p:cNvPr id="1" name="Shape 297"/>
+        <p:cNvGrpSpPr/>
+        <p:nvPr/>
+      </p:nvGrpSpPr>
+      <p:grpSpPr>
+        <a:xfrm>
+          <a:off x="0" y="0"/>
+          <a:ext cx="0" cy="0"/>
+          <a:chOff x="0" y="0"/>
+          <a:chExt cx="0" cy="0"/>
+        </a:xfrm>
+      </p:grpSpPr>
+      <p:sp>
+        <p:nvSpPr>
+          <p:cNvPr id="298" name="Shape 298"/>
+          <p:cNvSpPr>
+            <a:spLocks noGrp="1" noRot="1" noChangeAspect="1"/>
+          </p:cNvSpPr>
+          <p:nvPr>
+            <p:ph type="sldImg" idx="2"/>
+          </p:nvPr>
+        </p:nvSpPr>
+        <p:spPr>
+          <a:xfrm>
+            <a:off x="381000" y="685800"/>
+            <a:ext cx="6096000" cy="3429000"/>
+          </a:xfrm>
+          <a:custGeom>
+            <a:avLst/>
+            <a:gdLst/>
+            <a:ahLst/>
+            <a:cxnLst/>
+            <a:rect l="0" t="0" r="0" b="0"/>
+            <a:pathLst>
+              <a:path w="120000" h="120000" extrusionOk="0">
+                <a:moveTo>
+                  <a:pt x="0" y="0"/>
+                </a:moveTo>
+                <a:lnTo>
+                  <a:pt x="120000" y="0"/>
+                </a:lnTo>
+                <a:lnTo>
+                  <a:pt x="120000" y="120000"/>
+                </a:lnTo>
+                <a:lnTo>
+                  <a:pt x="0" y="120000"/>
+                </a:lnTo>
+                <a:close/>
+              </a:path>
+            </a:pathLst>
+          </a:custGeom>
+          <a:noFill/>
+          <a:ln w="9525" cap="flat" cmpd="sng">
+            <a:solidFill>
+              <a:srgbClr val="000000"/>
+            </a:solidFill>
+            <a:prstDash val="solid"/>
+            <a:round/>
+            <a:headEnd type="none" w="med" len="med"/>
+            <a:tailEnd type="none" w="med" len="med"/>
+          </a:ln>
+        </p:spPr>
+      </p:sp>
+      <p:sp>
+        <p:nvSpPr>
+          <p:cNvPr id="299" name="Shape 299"/>
+          <p:cNvSpPr txBox="1">
+            <a:spLocks noGrp="1"/>
+          </p:cNvSpPr>
+          <p:nvPr>
+            <p:ph type="body" idx="1"/>
+          </p:nvPr>
+        </p:nvSpPr>
+        <p:spPr>
+          <a:xfrm>
+            <a:off x="685800" y="4343400"/>
+            <a:ext cx="5486399" cy="4114800"/>
+          </a:xfrm>
+          <a:prstGeom prst="rect">
+            <a:avLst/>
+          </a:prstGeom>
+        </p:spPr>
+        <p:txBody>
+          <a:bodyPr lIns="91425" tIns="91425" rIns="91425" bIns="91425" anchor="t" anchorCtr="0">
+            <a:noAutofit/>
+          </a:bodyPr>
+          <a:lstStyle/>
+          <a:p>
+            <a:pPr lvl="0">
+              <a:spcBef>
+                <a:spcPts val="0"/>
+              </a:spcBef>
+              <a:buNone/>
+            </a:pPr>
+            <a:endParaRPr/>
+          </a:p>
+        </p:txBody>
+      </p:sp>
+    </p:spTree>
+    <p:extLst>
+      <p:ext uri="{BB962C8B-B14F-4D97-AF65-F5344CB8AC3E}">
+        <p14:creationId xmlns:p14="http://schemas.microsoft.com/office/powerpoint/2010/main" val="2487496535"/>
+      </p:ext>
+    </p:extLst>
+  </p:cSld>
+  <p:clrMapOvr>
+    <a:masterClrMapping/>
+  </p:clrMapOvr>
+</p:notes>
+</file>
+
+<file path=ppt/notesSlides/notesSlide12.xml><?xml version="1.0" encoding="utf-8"?>
+<p:notes xmlns:a="http://schemas.openxmlformats.org/drawingml/2006/main" xmlns:r="http://schemas.openxmlformats.org/officeDocument/2006/relationships" xmlns:p="http://schemas.openxmlformats.org/presentationml/2006/main" showMasterSp="0" showMasterPhAnim="0">
+  <p:cSld>
+    <p:spTree>
+      <p:nvGrpSpPr>
+        <p:cNvPr id="1" name="Shape 297"/>
+        <p:cNvGrpSpPr/>
+        <p:nvPr/>
+      </p:nvGrpSpPr>
+      <p:grpSpPr>
+        <a:xfrm>
+          <a:off x="0" y="0"/>
+          <a:ext cx="0" cy="0"/>
+          <a:chOff x="0" y="0"/>
+          <a:chExt cx="0" cy="0"/>
+        </a:xfrm>
+      </p:grpSpPr>
+      <p:sp>
+        <p:nvSpPr>
+          <p:cNvPr id="298" name="Shape 298"/>
+          <p:cNvSpPr>
+            <a:spLocks noGrp="1" noRot="1" noChangeAspect="1"/>
+          </p:cNvSpPr>
+          <p:nvPr>
+            <p:ph type="sldImg" idx="2"/>
+          </p:nvPr>
+        </p:nvSpPr>
+        <p:spPr>
+          <a:xfrm>
+            <a:off x="381000" y="685800"/>
+            <a:ext cx="6096000" cy="3429000"/>
+          </a:xfrm>
+          <a:custGeom>
+            <a:avLst/>
+            <a:gdLst/>
+            <a:ahLst/>
+            <a:cxnLst/>
+            <a:rect l="0" t="0" r="0" b="0"/>
+            <a:pathLst>
+              <a:path w="120000" h="120000" extrusionOk="0">
+                <a:moveTo>
+                  <a:pt x="0" y="0"/>
+                </a:moveTo>
+                <a:lnTo>
+                  <a:pt x="120000" y="0"/>
+                </a:lnTo>
+                <a:lnTo>
+                  <a:pt x="120000" y="120000"/>
+                </a:lnTo>
+                <a:lnTo>
+                  <a:pt x="0" y="120000"/>
+                </a:lnTo>
+                <a:close/>
+              </a:path>
+            </a:pathLst>
+          </a:custGeom>
+          <a:noFill/>
+          <a:ln w="9525" cap="flat" cmpd="sng">
+            <a:solidFill>
+              <a:srgbClr val="000000"/>
+            </a:solidFill>
+            <a:prstDash val="solid"/>
+            <a:round/>
+            <a:headEnd type="none" w="med" len="med"/>
+            <a:tailEnd type="none" w="med" len="med"/>
+          </a:ln>
+        </p:spPr>
+      </p:sp>
+      <p:sp>
+        <p:nvSpPr>
+          <p:cNvPr id="299" name="Shape 299"/>
+          <p:cNvSpPr txBox="1">
+            <a:spLocks noGrp="1"/>
+          </p:cNvSpPr>
+          <p:nvPr>
+            <p:ph type="body" idx="1"/>
+          </p:nvPr>
+        </p:nvSpPr>
+        <p:spPr>
+          <a:xfrm>
+            <a:off x="685800" y="4343400"/>
+            <a:ext cx="5486399" cy="4114800"/>
+          </a:xfrm>
+          <a:prstGeom prst="rect">
+            <a:avLst/>
+          </a:prstGeom>
+        </p:spPr>
+        <p:txBody>
+          <a:bodyPr lIns="91425" tIns="91425" rIns="91425" bIns="91425" anchor="t" anchorCtr="0">
+            <a:noAutofit/>
+          </a:bodyPr>
+          <a:lstStyle/>
+          <a:p>
+            <a:pPr lvl="0">
+              <a:spcBef>
+                <a:spcPts val="0"/>
+              </a:spcBef>
+              <a:buNone/>
+            </a:pPr>
+            <a:endParaRPr/>
+          </a:p>
+        </p:txBody>
+      </p:sp>
+    </p:spTree>
+    <p:extLst>
+      <p:ext uri="{BB962C8B-B14F-4D97-AF65-F5344CB8AC3E}">
+        <p14:creationId xmlns:p14="http://schemas.microsoft.com/office/powerpoint/2010/main" val="382403759"/>
+      </p:ext>
+    </p:extLst>
+  </p:cSld>
+  <p:clrMapOvr>
+    <a:masterClrMapping/>
+  </p:clrMapOvr>
+</p:notes>
+</file>
+
+<file path=ppt/notesSlides/notesSlide13.xml><?xml version="1.0" encoding="utf-8"?>
+<p:notes xmlns:a="http://schemas.openxmlformats.org/drawingml/2006/main" xmlns:r="http://schemas.openxmlformats.org/officeDocument/2006/relationships" xmlns:p="http://schemas.openxmlformats.org/presentationml/2006/main" showMasterSp="0" showMasterPhAnim="0">
+  <p:cSld>
+    <p:spTree>
+      <p:nvGrpSpPr>
+        <p:cNvPr id="1" name="Shape 297"/>
+        <p:cNvGrpSpPr/>
+        <p:nvPr/>
+      </p:nvGrpSpPr>
+      <p:grpSpPr>
+        <a:xfrm>
+          <a:off x="0" y="0"/>
+          <a:ext cx="0" cy="0"/>
+          <a:chOff x="0" y="0"/>
+          <a:chExt cx="0" cy="0"/>
+        </a:xfrm>
+      </p:grpSpPr>
+      <p:sp>
+        <p:nvSpPr>
+          <p:cNvPr id="298" name="Shape 298"/>
+          <p:cNvSpPr>
+            <a:spLocks noGrp="1" noRot="1" noChangeAspect="1"/>
+          </p:cNvSpPr>
+          <p:nvPr>
+            <p:ph type="sldImg" idx="2"/>
+          </p:nvPr>
+        </p:nvSpPr>
+        <p:spPr>
+          <a:xfrm>
+            <a:off x="381000" y="685800"/>
+            <a:ext cx="6096000" cy="3429000"/>
+          </a:xfrm>
+          <a:custGeom>
+            <a:avLst/>
+            <a:gdLst/>
+            <a:ahLst/>
+            <a:cxnLst/>
+            <a:rect l="0" t="0" r="0" b="0"/>
+            <a:pathLst>
+              <a:path w="120000" h="120000" extrusionOk="0">
+                <a:moveTo>
+                  <a:pt x="0" y="0"/>
+                </a:moveTo>
+                <a:lnTo>
+                  <a:pt x="120000" y="0"/>
+                </a:lnTo>
+                <a:lnTo>
+                  <a:pt x="120000" y="120000"/>
+                </a:lnTo>
+                <a:lnTo>
+                  <a:pt x="0" y="120000"/>
+                </a:lnTo>
+                <a:close/>
+              </a:path>
+            </a:pathLst>
+          </a:custGeom>
+          <a:noFill/>
+          <a:ln w="9525" cap="flat" cmpd="sng">
+            <a:solidFill>
+              <a:srgbClr val="000000"/>
+            </a:solidFill>
+            <a:prstDash val="solid"/>
+            <a:round/>
+            <a:headEnd type="none" w="med" len="med"/>
+            <a:tailEnd type="none" w="med" len="med"/>
+          </a:ln>
+        </p:spPr>
+      </p:sp>
+      <p:sp>
+        <p:nvSpPr>
+          <p:cNvPr id="299" name="Shape 299"/>
+          <p:cNvSpPr txBox="1">
+            <a:spLocks noGrp="1"/>
+          </p:cNvSpPr>
+          <p:nvPr>
+            <p:ph type="body" idx="1"/>
+          </p:nvPr>
+        </p:nvSpPr>
+        <p:spPr>
+          <a:xfrm>
+            <a:off x="685800" y="4343400"/>
+            <a:ext cx="5486399" cy="4114800"/>
+          </a:xfrm>
+          <a:prstGeom prst="rect">
+            <a:avLst/>
+          </a:prstGeom>
+        </p:spPr>
+        <p:txBody>
+          <a:bodyPr lIns="91425" tIns="91425" rIns="91425" bIns="91425" anchor="t" anchorCtr="0">
+            <a:noAutofit/>
+          </a:bodyPr>
+          <a:lstStyle/>
+          <a:p>
+            <a:pPr lvl="0">
+              <a:spcBef>
+                <a:spcPts val="0"/>
+              </a:spcBef>
+              <a:buNone/>
+            </a:pPr>
+            <a:endParaRPr/>
+          </a:p>
+        </p:txBody>
+      </p:sp>
+    </p:spTree>
+    <p:extLst>
+      <p:ext uri="{BB962C8B-B14F-4D97-AF65-F5344CB8AC3E}">
+        <p14:creationId xmlns:p14="http://schemas.microsoft.com/office/powerpoint/2010/main" val="788852105"/>
+      </p:ext>
+    </p:extLst>
+  </p:cSld>
+  <p:clrMapOvr>
+    <a:masterClrMapping/>
+  </p:clrMapOvr>
+</p:notes>
+</file>
+
+<file path=ppt/notesSlides/notesSlide14.xml><?xml version="1.0" encoding="utf-8"?>
+<p:notes xmlns:a="http://schemas.openxmlformats.org/drawingml/2006/main" xmlns:r="http://schemas.openxmlformats.org/officeDocument/2006/relationships" xmlns:p="http://schemas.openxmlformats.org/presentationml/2006/main" showMasterSp="0" showMasterPhAnim="0">
+  <p:cSld>
+    <p:spTree>
+      <p:nvGrpSpPr>
+        <p:cNvPr id="1" name="Shape 297"/>
+        <p:cNvGrpSpPr/>
+        <p:nvPr/>
+      </p:nvGrpSpPr>
+      <p:grpSpPr>
+        <a:xfrm>
+          <a:off x="0" y="0"/>
+          <a:ext cx="0" cy="0"/>
+          <a:chOff x="0" y="0"/>
+          <a:chExt cx="0" cy="0"/>
+        </a:xfrm>
+      </p:grpSpPr>
+      <p:sp>
+        <p:nvSpPr>
+          <p:cNvPr id="298" name="Shape 298"/>
+          <p:cNvSpPr>
+            <a:spLocks noGrp="1" noRot="1" noChangeAspect="1"/>
+          </p:cNvSpPr>
+          <p:nvPr>
+            <p:ph type="sldImg" idx="2"/>
+          </p:nvPr>
+        </p:nvSpPr>
+        <p:spPr>
+          <a:xfrm>
+            <a:off x="381000" y="685800"/>
+            <a:ext cx="6096000" cy="3429000"/>
+          </a:xfrm>
+          <a:custGeom>
+            <a:avLst/>
+            <a:gdLst/>
+            <a:ahLst/>
+            <a:cxnLst/>
+            <a:rect l="0" t="0" r="0" b="0"/>
+            <a:pathLst>
+              <a:path w="120000" h="120000" extrusionOk="0">
+                <a:moveTo>
+                  <a:pt x="0" y="0"/>
+                </a:moveTo>
+                <a:lnTo>
+                  <a:pt x="120000" y="0"/>
+                </a:lnTo>
+                <a:lnTo>
+                  <a:pt x="120000" y="120000"/>
+                </a:lnTo>
+                <a:lnTo>
+                  <a:pt x="0" y="120000"/>
+                </a:lnTo>
+                <a:close/>
+              </a:path>
+            </a:pathLst>
+          </a:custGeom>
+          <a:noFill/>
+          <a:ln w="9525" cap="flat" cmpd="sng">
+            <a:solidFill>
+              <a:srgbClr val="000000"/>
+            </a:solidFill>
+            <a:prstDash val="solid"/>
+            <a:round/>
+            <a:headEnd type="none" w="med" len="med"/>
+            <a:tailEnd type="none" w="med" len="med"/>
+          </a:ln>
+        </p:spPr>
+      </p:sp>
+      <p:sp>
+        <p:nvSpPr>
+          <p:cNvPr id="299" name="Shape 299"/>
+          <p:cNvSpPr txBox="1">
+            <a:spLocks noGrp="1"/>
+          </p:cNvSpPr>
+          <p:nvPr>
+            <p:ph type="body" idx="1"/>
+          </p:nvPr>
+        </p:nvSpPr>
+        <p:spPr>
+          <a:xfrm>
+            <a:off x="685800" y="4343400"/>
+            <a:ext cx="5486399" cy="4114800"/>
+          </a:xfrm>
+          <a:prstGeom prst="rect">
+            <a:avLst/>
+          </a:prstGeom>
+        </p:spPr>
+        <p:txBody>
+          <a:bodyPr lIns="91425" tIns="91425" rIns="91425" bIns="91425" anchor="t" anchorCtr="0">
+            <a:noAutofit/>
+          </a:bodyPr>
+          <a:lstStyle/>
+          <a:p>
+            <a:pPr lvl="0">
+              <a:spcBef>
+                <a:spcPts val="0"/>
+              </a:spcBef>
+              <a:buNone/>
+            </a:pPr>
+            <a:endParaRPr/>
+          </a:p>
+        </p:txBody>
+      </p:sp>
+    </p:spTree>
+    <p:extLst>
+      <p:ext uri="{BB962C8B-B14F-4D97-AF65-F5344CB8AC3E}">
+        <p14:creationId xmlns:p14="http://schemas.microsoft.com/office/powerpoint/2010/main" val="4018237521"/>
+      </p:ext>
+    </p:extLst>
+  </p:cSld>
+  <p:clrMapOvr>
+    <a:masterClrMapping/>
+  </p:clrMapOvr>
+</p:notes>
+</file>
+
+<file path=ppt/notesSlides/notesSlide15.xml><?xml version="1.0" encoding="utf-8"?>
+<p:notes xmlns:a="http://schemas.openxmlformats.org/drawingml/2006/main" xmlns:r="http://schemas.openxmlformats.org/officeDocument/2006/relationships" xmlns:p="http://schemas.openxmlformats.org/presentationml/2006/main" showMasterSp="0" showMasterPhAnim="0">
+  <p:cSld>
+    <p:spTree>
+      <p:nvGrpSpPr>
+        <p:cNvPr id="1" name="Shape 297"/>
+        <p:cNvGrpSpPr/>
+        <p:nvPr/>
+      </p:nvGrpSpPr>
+      <p:grpSpPr>
+        <a:xfrm>
+          <a:off x="0" y="0"/>
+          <a:ext cx="0" cy="0"/>
+          <a:chOff x="0" y="0"/>
+          <a:chExt cx="0" cy="0"/>
+        </a:xfrm>
+      </p:grpSpPr>
+      <p:sp>
+        <p:nvSpPr>
+          <p:cNvPr id="298" name="Shape 298"/>
+          <p:cNvSpPr>
+            <a:spLocks noGrp="1" noRot="1" noChangeAspect="1"/>
+          </p:cNvSpPr>
+          <p:nvPr>
+            <p:ph type="sldImg" idx="2"/>
+          </p:nvPr>
+        </p:nvSpPr>
+        <p:spPr>
+          <a:xfrm>
+            <a:off x="381000" y="685800"/>
+            <a:ext cx="6096000" cy="3429000"/>
+          </a:xfrm>
+          <a:custGeom>
+            <a:avLst/>
+            <a:gdLst/>
+            <a:ahLst/>
+            <a:cxnLst/>
+            <a:rect l="0" t="0" r="0" b="0"/>
+            <a:pathLst>
+              <a:path w="120000" h="120000" extrusionOk="0">
+                <a:moveTo>
+                  <a:pt x="0" y="0"/>
+                </a:moveTo>
+                <a:lnTo>
+                  <a:pt x="120000" y="0"/>
+                </a:lnTo>
+                <a:lnTo>
+                  <a:pt x="120000" y="120000"/>
+                </a:lnTo>
+                <a:lnTo>
+                  <a:pt x="0" y="120000"/>
+                </a:lnTo>
+                <a:close/>
+              </a:path>
+            </a:pathLst>
+          </a:custGeom>
+          <a:noFill/>
+          <a:ln w="9525" cap="flat" cmpd="sng">
+            <a:solidFill>
+              <a:srgbClr val="000000"/>
+            </a:solidFill>
+            <a:prstDash val="solid"/>
+            <a:round/>
+            <a:headEnd type="none" w="med" len="med"/>
+            <a:tailEnd type="none" w="med" len="med"/>
+          </a:ln>
+        </p:spPr>
+      </p:sp>
+      <p:sp>
+        <p:nvSpPr>
+          <p:cNvPr id="299" name="Shape 299"/>
+          <p:cNvSpPr txBox="1">
+            <a:spLocks noGrp="1"/>
+          </p:cNvSpPr>
+          <p:nvPr>
+            <p:ph type="body" idx="1"/>
+          </p:nvPr>
+        </p:nvSpPr>
+        <p:spPr>
+          <a:xfrm>
+            <a:off x="685800" y="4343400"/>
+            <a:ext cx="5486399" cy="4114800"/>
+          </a:xfrm>
+          <a:prstGeom prst="rect">
+            <a:avLst/>
+          </a:prstGeom>
+        </p:spPr>
+        <p:txBody>
+          <a:bodyPr lIns="91425" tIns="91425" rIns="91425" bIns="91425" anchor="t" anchorCtr="0">
+            <a:noAutofit/>
+          </a:bodyPr>
+          <a:lstStyle/>
+          <a:p>
+            <a:pPr lvl="0">
+              <a:spcBef>
+                <a:spcPts val="0"/>
+              </a:spcBef>
+              <a:buNone/>
+            </a:pPr>
+            <a:endParaRPr/>
+          </a:p>
+        </p:txBody>
+      </p:sp>
+    </p:spTree>
+    <p:extLst>
+      <p:ext uri="{BB962C8B-B14F-4D97-AF65-F5344CB8AC3E}">
+        <p14:creationId xmlns:p14="http://schemas.microsoft.com/office/powerpoint/2010/main" val="4021795222"/>
+      </p:ext>
+    </p:extLst>
+  </p:cSld>
+  <p:clrMapOvr>
+    <a:masterClrMapping/>
+  </p:clrMapOvr>
+</p:notes>
+</file>
+
+<file path=ppt/notesSlides/notesSlide16.xml><?xml version="1.0" encoding="utf-8"?>
+<p:notes xmlns:a="http://schemas.openxmlformats.org/drawingml/2006/main" xmlns:r="http://schemas.openxmlformats.org/officeDocument/2006/relationships" xmlns:p="http://schemas.openxmlformats.org/presentationml/2006/main" showMasterSp="0" showMasterPhAnim="0">
+  <p:cSld>
+    <p:spTree>
+      <p:nvGrpSpPr>
+        <p:cNvPr id="1" name="Shape 297"/>
+        <p:cNvGrpSpPr/>
+        <p:nvPr/>
+      </p:nvGrpSpPr>
+      <p:grpSpPr>
+        <a:xfrm>
+          <a:off x="0" y="0"/>
+          <a:ext cx="0" cy="0"/>
+          <a:chOff x="0" y="0"/>
+          <a:chExt cx="0" cy="0"/>
+        </a:xfrm>
+      </p:grpSpPr>
+      <p:sp>
+        <p:nvSpPr>
+          <p:cNvPr id="298" name="Shape 298"/>
+          <p:cNvSpPr>
+            <a:spLocks noGrp="1" noRot="1" noChangeAspect="1"/>
+          </p:cNvSpPr>
+          <p:nvPr>
+            <p:ph type="sldImg" idx="2"/>
+          </p:nvPr>
+        </p:nvSpPr>
+        <p:spPr>
+          <a:xfrm>
+            <a:off x="381000" y="685800"/>
+            <a:ext cx="6096000" cy="3429000"/>
+          </a:xfrm>
+          <a:custGeom>
+            <a:avLst/>
+            <a:gdLst/>
+            <a:ahLst/>
+            <a:cxnLst/>
+            <a:rect l="0" t="0" r="0" b="0"/>
+            <a:pathLst>
+              <a:path w="120000" h="120000" extrusionOk="0">
+                <a:moveTo>
+                  <a:pt x="0" y="0"/>
+                </a:moveTo>
+                <a:lnTo>
+                  <a:pt x="120000" y="0"/>
+                </a:lnTo>
+                <a:lnTo>
+                  <a:pt x="120000" y="120000"/>
+                </a:lnTo>
+                <a:lnTo>
+                  <a:pt x="0" y="120000"/>
+                </a:lnTo>
+                <a:close/>
+              </a:path>
+            </a:pathLst>
+          </a:custGeom>
+          <a:noFill/>
+          <a:ln w="9525" cap="flat" cmpd="sng">
+            <a:solidFill>
+              <a:srgbClr val="000000"/>
+            </a:solidFill>
+            <a:prstDash val="solid"/>
+            <a:round/>
+            <a:headEnd type="none" w="med" len="med"/>
+            <a:tailEnd type="none" w="med" len="med"/>
+          </a:ln>
+        </p:spPr>
+      </p:sp>
+      <p:sp>
+        <p:nvSpPr>
+          <p:cNvPr id="299" name="Shape 299"/>
+          <p:cNvSpPr txBox="1">
+            <a:spLocks noGrp="1"/>
+          </p:cNvSpPr>
+          <p:nvPr>
+            <p:ph type="body" idx="1"/>
+          </p:nvPr>
+        </p:nvSpPr>
+        <p:spPr>
+          <a:xfrm>
+            <a:off x="685800" y="4343400"/>
+            <a:ext cx="5486399" cy="4114800"/>
+          </a:xfrm>
+          <a:prstGeom prst="rect">
+            <a:avLst/>
+          </a:prstGeom>
+        </p:spPr>
+        <p:txBody>
+          <a:bodyPr lIns="91425" tIns="91425" rIns="91425" bIns="91425" anchor="t" anchorCtr="0">
+            <a:noAutofit/>
+          </a:bodyPr>
+          <a:lstStyle/>
+          <a:p>
+            <a:pPr lvl="0">
+              <a:spcBef>
+                <a:spcPts val="0"/>
+              </a:spcBef>
+              <a:buNone/>
+            </a:pPr>
+            <a:endParaRPr/>
+          </a:p>
+        </p:txBody>
+      </p:sp>
+    </p:spTree>
+    <p:extLst>
+      <p:ext uri="{BB962C8B-B14F-4D97-AF65-F5344CB8AC3E}">
+        <p14:creationId xmlns:p14="http://schemas.microsoft.com/office/powerpoint/2010/main" val="669246570"/>
+      </p:ext>
+    </p:extLst>
+  </p:cSld>
+  <p:clrMapOvr>
+    <a:masterClrMapping/>
+  </p:clrMapOvr>
+</p:notes>
+</file>
+
+<file path=ppt/notesSlides/notesSlide17.xml><?xml version="1.0" encoding="utf-8"?>
+<p:notes xmlns:a="http://schemas.openxmlformats.org/drawingml/2006/main" xmlns:r="http://schemas.openxmlformats.org/officeDocument/2006/relationships" xmlns:p="http://schemas.openxmlformats.org/presentationml/2006/main" showMasterSp="0" showMasterPhAnim="0">
+  <p:cSld>
+    <p:spTree>
+      <p:nvGrpSpPr>
+        <p:cNvPr id="1" name="Shape 297"/>
+        <p:cNvGrpSpPr/>
+        <p:nvPr/>
+      </p:nvGrpSpPr>
+      <p:grpSpPr>
+        <a:xfrm>
+          <a:off x="0" y="0"/>
+          <a:ext cx="0" cy="0"/>
+          <a:chOff x="0" y="0"/>
+          <a:chExt cx="0" cy="0"/>
+        </a:xfrm>
+      </p:grpSpPr>
+      <p:sp>
+        <p:nvSpPr>
+          <p:cNvPr id="298" name="Shape 298"/>
+          <p:cNvSpPr>
+            <a:spLocks noGrp="1" noRot="1" noChangeAspect="1"/>
+          </p:cNvSpPr>
+          <p:nvPr>
+            <p:ph type="sldImg" idx="2"/>
+          </p:nvPr>
+        </p:nvSpPr>
+        <p:spPr>
+          <a:xfrm>
+            <a:off x="381000" y="685800"/>
+            <a:ext cx="6096000" cy="3429000"/>
+          </a:xfrm>
+          <a:custGeom>
+            <a:avLst/>
+            <a:gdLst/>
+            <a:ahLst/>
+            <a:cxnLst/>
+            <a:rect l="0" t="0" r="0" b="0"/>
+            <a:pathLst>
+              <a:path w="120000" h="120000" extrusionOk="0">
+                <a:moveTo>
+                  <a:pt x="0" y="0"/>
+                </a:moveTo>
+                <a:lnTo>
+                  <a:pt x="120000" y="0"/>
+                </a:lnTo>
+                <a:lnTo>
+                  <a:pt x="120000" y="120000"/>
+                </a:lnTo>
+                <a:lnTo>
+                  <a:pt x="0" y="120000"/>
+                </a:lnTo>
+                <a:close/>
+              </a:path>
+            </a:pathLst>
+          </a:custGeom>
+          <a:noFill/>
+          <a:ln w="9525" cap="flat" cmpd="sng">
+            <a:solidFill>
+              <a:srgbClr val="000000"/>
+            </a:solidFill>
+            <a:prstDash val="solid"/>
+            <a:round/>
+            <a:headEnd type="none" w="med" len="med"/>
+            <a:tailEnd type="none" w="med" len="med"/>
+          </a:ln>
+        </p:spPr>
+      </p:sp>
+      <p:sp>
+        <p:nvSpPr>
+          <p:cNvPr id="299" name="Shape 299"/>
+          <p:cNvSpPr txBox="1">
+            <a:spLocks noGrp="1"/>
+          </p:cNvSpPr>
+          <p:nvPr>
+            <p:ph type="body" idx="1"/>
+          </p:nvPr>
+        </p:nvSpPr>
+        <p:spPr>
+          <a:xfrm>
+            <a:off x="685800" y="4343400"/>
+            <a:ext cx="5486399" cy="4114800"/>
+          </a:xfrm>
+          <a:prstGeom prst="rect">
+            <a:avLst/>
+          </a:prstGeom>
+        </p:spPr>
+        <p:txBody>
+          <a:bodyPr lIns="91425" tIns="91425" rIns="91425" bIns="91425" anchor="t" anchorCtr="0">
+            <a:noAutofit/>
+          </a:bodyPr>
+          <a:lstStyle/>
+          <a:p>
+            <a:pPr lvl="0">
+              <a:spcBef>
+                <a:spcPts val="0"/>
+              </a:spcBef>
+              <a:buNone/>
+            </a:pPr>
+            <a:endParaRPr/>
+          </a:p>
+        </p:txBody>
+      </p:sp>
+    </p:spTree>
+    <p:extLst>
+      <p:ext uri="{BB962C8B-B14F-4D97-AF65-F5344CB8AC3E}">
+        <p14:creationId xmlns:p14="http://schemas.microsoft.com/office/powerpoint/2010/main" val="2701201980"/>
+      </p:ext>
+    </p:extLst>
+  </p:cSld>
+  <p:clrMapOvr>
+    <a:masterClrMapping/>
+  </p:clrMapOvr>
+</p:notes>
+</file>
+
+<file path=ppt/notesSlides/notesSlide18.xml><?xml version="1.0" encoding="utf-8"?>
+<p:notes xmlns:a="http://schemas.openxmlformats.org/drawingml/2006/main" xmlns:r="http://schemas.openxmlformats.org/officeDocument/2006/relationships" xmlns:p="http://schemas.openxmlformats.org/presentationml/2006/main" showMasterSp="0" showMasterPhAnim="0">
+  <p:cSld>
+    <p:spTree>
+      <p:nvGrpSpPr>
+        <p:cNvPr id="1" name="Shape 297"/>
+        <p:cNvGrpSpPr/>
+        <p:nvPr/>
+      </p:nvGrpSpPr>
+      <p:grpSpPr>
+        <a:xfrm>
+          <a:off x="0" y="0"/>
+          <a:ext cx="0" cy="0"/>
+          <a:chOff x="0" y="0"/>
+          <a:chExt cx="0" cy="0"/>
+        </a:xfrm>
+      </p:grpSpPr>
+      <p:sp>
+        <p:nvSpPr>
+          <p:cNvPr id="298" name="Shape 298"/>
+          <p:cNvSpPr>
+            <a:spLocks noGrp="1" noRot="1" noChangeAspect="1"/>
+          </p:cNvSpPr>
+          <p:nvPr>
+            <p:ph type="sldImg" idx="2"/>
+          </p:nvPr>
+        </p:nvSpPr>
+        <p:spPr>
+          <a:xfrm>
+            <a:off x="381000" y="685800"/>
+            <a:ext cx="6096000" cy="3429000"/>
+          </a:xfrm>
+          <a:custGeom>
+            <a:avLst/>
+            <a:gdLst/>
+            <a:ahLst/>
+            <a:cxnLst/>
+            <a:rect l="0" t="0" r="0" b="0"/>
+            <a:pathLst>
+              <a:path w="120000" h="120000" extrusionOk="0">
+                <a:moveTo>
+                  <a:pt x="0" y="0"/>
+                </a:moveTo>
+                <a:lnTo>
+                  <a:pt x="120000" y="0"/>
+                </a:lnTo>
+                <a:lnTo>
+                  <a:pt x="120000" y="120000"/>
+                </a:lnTo>
+                <a:lnTo>
+                  <a:pt x="0" y="120000"/>
+                </a:lnTo>
+                <a:close/>
+              </a:path>
+            </a:pathLst>
+          </a:custGeom>
+          <a:noFill/>
+          <a:ln w="9525" cap="flat" cmpd="sng">
+            <a:solidFill>
+              <a:srgbClr val="000000"/>
+            </a:solidFill>
+            <a:prstDash val="solid"/>
+            <a:round/>
+            <a:headEnd type="none" w="med" len="med"/>
+            <a:tailEnd type="none" w="med" len="med"/>
+          </a:ln>
+        </p:spPr>
+      </p:sp>
+      <p:sp>
+        <p:nvSpPr>
+          <p:cNvPr id="299" name="Shape 299"/>
+          <p:cNvSpPr txBox="1">
+            <a:spLocks noGrp="1"/>
+          </p:cNvSpPr>
+          <p:nvPr>
+            <p:ph type="body" idx="1"/>
+          </p:nvPr>
+        </p:nvSpPr>
+        <p:spPr>
+          <a:xfrm>
+            <a:off x="685800" y="4343400"/>
+            <a:ext cx="5486399" cy="4114800"/>
+          </a:xfrm>
+          <a:prstGeom prst="rect">
+            <a:avLst/>
+          </a:prstGeom>
+        </p:spPr>
+        <p:txBody>
+          <a:bodyPr lIns="91425" tIns="91425" rIns="91425" bIns="91425" anchor="t" anchorCtr="0">
+            <a:noAutofit/>
+          </a:bodyPr>
+          <a:lstStyle/>
+          <a:p>
+            <a:pPr lvl="0">
+              <a:spcBef>
+                <a:spcPts val="0"/>
+              </a:spcBef>
+              <a:buNone/>
+            </a:pPr>
+            <a:endParaRPr/>
+          </a:p>
+        </p:txBody>
+      </p:sp>
+    </p:spTree>
+    <p:extLst>
+      <p:ext uri="{BB962C8B-B14F-4D97-AF65-F5344CB8AC3E}">
+        <p14:creationId xmlns:p14="http://schemas.microsoft.com/office/powerpoint/2010/main" val="2048514895"/>
+      </p:ext>
+    </p:extLst>
+  </p:cSld>
+  <p:clrMapOvr>
+    <a:masterClrMapping/>
+  </p:clrMapOvr>
+</p:notes>
+</file>
+
+<file path=ppt/notesSlides/notesSlide19.xml><?xml version="1.0" encoding="utf-8"?>
+<p:notes xmlns:a="http://schemas.openxmlformats.org/drawingml/2006/main" xmlns:r="http://schemas.openxmlformats.org/officeDocument/2006/relationships" xmlns:p="http://schemas.openxmlformats.org/presentationml/2006/main" showMasterSp="0" showMasterPhAnim="0">
+  <p:cSld>
+    <p:spTree>
+      <p:nvGrpSpPr>
+        <p:cNvPr id="1" name="Shape 297"/>
+        <p:cNvGrpSpPr/>
+        <p:nvPr/>
+      </p:nvGrpSpPr>
+      <p:grpSpPr>
+        <a:xfrm>
+          <a:off x="0" y="0"/>
+          <a:ext cx="0" cy="0"/>
+          <a:chOff x="0" y="0"/>
+          <a:chExt cx="0" cy="0"/>
+        </a:xfrm>
+      </p:grpSpPr>
+      <p:sp>
+        <p:nvSpPr>
+          <p:cNvPr id="298" name="Shape 298"/>
+          <p:cNvSpPr>
+            <a:spLocks noGrp="1" noRot="1" noChangeAspect="1"/>
+          </p:cNvSpPr>
+          <p:nvPr>
+            <p:ph type="sldImg" idx="2"/>
+          </p:nvPr>
+        </p:nvSpPr>
+        <p:spPr>
+          <a:xfrm>
+            <a:off x="381000" y="685800"/>
+            <a:ext cx="6096000" cy="3429000"/>
+          </a:xfrm>
+          <a:custGeom>
+            <a:avLst/>
+            <a:gdLst/>
+            <a:ahLst/>
+            <a:cxnLst/>
+            <a:rect l="0" t="0" r="0" b="0"/>
+            <a:pathLst>
+              <a:path w="120000" h="120000" extrusionOk="0">
+                <a:moveTo>
+                  <a:pt x="0" y="0"/>
+                </a:moveTo>
+                <a:lnTo>
+                  <a:pt x="120000" y="0"/>
+                </a:lnTo>
+                <a:lnTo>
+                  <a:pt x="120000" y="120000"/>
+                </a:lnTo>
+                <a:lnTo>
+                  <a:pt x="0" y="120000"/>
+                </a:lnTo>
+                <a:close/>
+              </a:path>
+            </a:pathLst>
+          </a:custGeom>
+          <a:noFill/>
+          <a:ln w="9525" cap="flat" cmpd="sng">
+            <a:solidFill>
+              <a:srgbClr val="000000"/>
+            </a:solidFill>
+            <a:prstDash val="solid"/>
+            <a:round/>
+            <a:headEnd type="none" w="med" len="med"/>
+            <a:tailEnd type="none" w="med" len="med"/>
+          </a:ln>
+        </p:spPr>
+      </p:sp>
+      <p:sp>
+        <p:nvSpPr>
+          <p:cNvPr id="299" name="Shape 299"/>
+          <p:cNvSpPr txBox="1">
+            <a:spLocks noGrp="1"/>
+          </p:cNvSpPr>
+          <p:nvPr>
+            <p:ph type="body" idx="1"/>
+          </p:nvPr>
+        </p:nvSpPr>
+        <p:spPr>
+          <a:xfrm>
+            <a:off x="685800" y="4343400"/>
+            <a:ext cx="5486399" cy="4114800"/>
+          </a:xfrm>
+          <a:prstGeom prst="rect">
+            <a:avLst/>
+          </a:prstGeom>
+        </p:spPr>
+        <p:txBody>
+          <a:bodyPr lIns="91425" tIns="91425" rIns="91425" bIns="91425" anchor="t" anchorCtr="0">
+            <a:noAutofit/>
+          </a:bodyPr>
+          <a:lstStyle/>
+          <a:p>
+            <a:pPr lvl="0">
+              <a:spcBef>
+                <a:spcPts val="0"/>
+              </a:spcBef>
+              <a:buNone/>
+            </a:pPr>
+            <a:endParaRPr/>
+          </a:p>
+        </p:txBody>
+      </p:sp>
+    </p:spTree>
+    <p:extLst>
+      <p:ext uri="{BB962C8B-B14F-4D97-AF65-F5344CB8AC3E}">
+        <p14:creationId xmlns:p14="http://schemas.microsoft.com/office/powerpoint/2010/main" val="3364511961"/>
+      </p:ext>
+    </p:extLst>
+  </p:cSld>
+  <p:clrMapOvr>
+    <a:masterClrMapping/>
+  </p:clrMapOvr>
+</p:notes>
+</file>
+
 <file path=ppt/notesSlides/notesSlide2.xml><?xml version="1.0" encoding="utf-8"?>
 <p:notes xmlns:a="http://schemas.openxmlformats.org/drawingml/2006/main" xmlns:r="http://schemas.openxmlformats.org/officeDocument/2006/relationships" xmlns:p="http://schemas.openxmlformats.org/presentationml/2006/main" showMasterSp="0" showMasterPhAnim="0">
   <p:cSld>
@@ -755,6 +1938,122 @@
     <p:extLst>
       <p:ext uri="{BB962C8B-B14F-4D97-AF65-F5344CB8AC3E}">
         <p14:creationId xmlns:p14="http://schemas.microsoft.com/office/powerpoint/2010/main" val="3427219027"/>
+      </p:ext>
+    </p:extLst>
+  </p:cSld>
+  <p:clrMapOvr>
+    <a:masterClrMapping/>
+  </p:clrMapOvr>
+</p:notes>
+</file>
+
+<file path=ppt/notesSlides/notesSlide20.xml><?xml version="1.0" encoding="utf-8"?>
+<p:notes xmlns:a="http://schemas.openxmlformats.org/drawingml/2006/main" xmlns:r="http://schemas.openxmlformats.org/officeDocument/2006/relationships" xmlns:p="http://schemas.openxmlformats.org/presentationml/2006/main" showMasterSp="0" showMasterPhAnim="0">
+  <p:cSld>
+    <p:spTree>
+      <p:nvGrpSpPr>
+        <p:cNvPr id="1" name="Shape 297"/>
+        <p:cNvGrpSpPr/>
+        <p:nvPr/>
+      </p:nvGrpSpPr>
+      <p:grpSpPr>
+        <a:xfrm>
+          <a:off x="0" y="0"/>
+          <a:ext cx="0" cy="0"/>
+          <a:chOff x="0" y="0"/>
+          <a:chExt cx="0" cy="0"/>
+        </a:xfrm>
+      </p:grpSpPr>
+      <p:sp>
+        <p:nvSpPr>
+          <p:cNvPr id="298" name="Shape 298"/>
+          <p:cNvSpPr>
+            <a:spLocks noGrp="1" noRot="1" noChangeAspect="1"/>
+          </p:cNvSpPr>
+          <p:nvPr>
+            <p:ph type="sldImg" idx="2"/>
+          </p:nvPr>
+        </p:nvSpPr>
+        <p:spPr>
+          <a:xfrm>
+            <a:off x="381000" y="685800"/>
+            <a:ext cx="6096000" cy="3429000"/>
+          </a:xfrm>
+          <a:custGeom>
+            <a:avLst/>
+            <a:gdLst/>
+            <a:ahLst/>
+            <a:cxnLst/>
+            <a:rect l="0" t="0" r="0" b="0"/>
+            <a:pathLst>
+              <a:path w="120000" h="120000" extrusionOk="0">
+                <a:moveTo>
+                  <a:pt x="0" y="0"/>
+                </a:moveTo>
+                <a:lnTo>
+                  <a:pt x="120000" y="0"/>
+                </a:lnTo>
+                <a:lnTo>
+                  <a:pt x="120000" y="120000"/>
+                </a:lnTo>
+                <a:lnTo>
+                  <a:pt x="0" y="120000"/>
+                </a:lnTo>
+                <a:close/>
+              </a:path>
+            </a:pathLst>
+          </a:custGeom>
+          <a:noFill/>
+          <a:ln w="9525" cap="flat" cmpd="sng">
+            <a:solidFill>
+              <a:srgbClr val="000000"/>
+            </a:solidFill>
+            <a:prstDash val="solid"/>
+            <a:round/>
+            <a:headEnd type="none" w="med" len="med"/>
+            <a:tailEnd type="none" w="med" len="med"/>
+          </a:ln>
+        </p:spPr>
+      </p:sp>
+      <p:sp>
+        <p:nvSpPr>
+          <p:cNvPr id="299" name="Shape 299"/>
+          <p:cNvSpPr txBox="1">
+            <a:spLocks noGrp="1"/>
+          </p:cNvSpPr>
+          <p:nvPr>
+            <p:ph type="body" idx="1"/>
+          </p:nvPr>
+        </p:nvSpPr>
+        <p:spPr>
+          <a:xfrm>
+            <a:off x="685800" y="4343400"/>
+            <a:ext cx="5486399" cy="4114800"/>
+          </a:xfrm>
+          <a:prstGeom prst="rect">
+            <a:avLst/>
+          </a:prstGeom>
+        </p:spPr>
+        <p:txBody>
+          <a:bodyPr lIns="91425" tIns="91425" rIns="91425" bIns="91425" anchor="t" anchorCtr="0">
+            <a:noAutofit/>
+          </a:bodyPr>
+          <a:lstStyle/>
+          <a:p>
+            <a:pPr lvl="0">
+              <a:spcBef>
+                <a:spcPts val="0"/>
+              </a:spcBef>
+              <a:buNone/>
+            </a:pPr>
+            <a:endParaRPr/>
+          </a:p>
+        </p:txBody>
+      </p:sp>
+    </p:spTree>
+    <p:extLst>
+      <p:ext uri="{BB962C8B-B14F-4D97-AF65-F5344CB8AC3E}">
+        <p14:creationId xmlns:p14="http://schemas.microsoft.com/office/powerpoint/2010/main" val="1141653022"/>
       </p:ext>
     </p:extLst>
   </p:cSld>
@@ -870,7 +2169,7 @@
     </p:spTree>
     <p:extLst>
       <p:ext uri="{BB962C8B-B14F-4D97-AF65-F5344CB8AC3E}">
-        <p14:creationId xmlns:p14="http://schemas.microsoft.com/office/powerpoint/2010/main" val="1754399850"/>
+        <p14:creationId xmlns:p14="http://schemas.microsoft.com/office/powerpoint/2010/main" val="918081997"/>
       </p:ext>
     </p:extLst>
   </p:cSld>
@@ -986,7 +2285,7 @@
     </p:spTree>
     <p:extLst>
       <p:ext uri="{BB962C8B-B14F-4D97-AF65-F5344CB8AC3E}">
-        <p14:creationId xmlns:p14="http://schemas.microsoft.com/office/powerpoint/2010/main" val="2021319981"/>
+        <p14:creationId xmlns:p14="http://schemas.microsoft.com/office/powerpoint/2010/main" val="1754399850"/>
       </p:ext>
     </p:extLst>
   </p:cSld>
@@ -1102,7 +2401,7 @@
     </p:spTree>
     <p:extLst>
       <p:ext uri="{BB962C8B-B14F-4D97-AF65-F5344CB8AC3E}">
-        <p14:creationId xmlns:p14="http://schemas.microsoft.com/office/powerpoint/2010/main" val="14142712"/>
+        <p14:creationId xmlns:p14="http://schemas.microsoft.com/office/powerpoint/2010/main" val="3101110905"/>
       </p:ext>
     </p:extLst>
   </p:cSld>
@@ -1218,7 +2517,7 @@
     </p:spTree>
     <p:extLst>
       <p:ext uri="{BB962C8B-B14F-4D97-AF65-F5344CB8AC3E}">
-        <p14:creationId xmlns:p14="http://schemas.microsoft.com/office/powerpoint/2010/main" val="2325654113"/>
+        <p14:creationId xmlns:p14="http://schemas.microsoft.com/office/powerpoint/2010/main" val="2021319981"/>
       </p:ext>
     </p:extLst>
   </p:cSld>
@@ -1334,7 +2633,239 @@
     </p:spTree>
     <p:extLst>
       <p:ext uri="{BB962C8B-B14F-4D97-AF65-F5344CB8AC3E}">
-        <p14:creationId xmlns:p14="http://schemas.microsoft.com/office/powerpoint/2010/main" val="1141653022"/>
+        <p14:creationId xmlns:p14="http://schemas.microsoft.com/office/powerpoint/2010/main" val="14142712"/>
+      </p:ext>
+    </p:extLst>
+  </p:cSld>
+  <p:clrMapOvr>
+    <a:masterClrMapping/>
+  </p:clrMapOvr>
+</p:notes>
+</file>
+
+<file path=ppt/notesSlides/notesSlide8.xml><?xml version="1.0" encoding="utf-8"?>
+<p:notes xmlns:a="http://schemas.openxmlformats.org/drawingml/2006/main" xmlns:r="http://schemas.openxmlformats.org/officeDocument/2006/relationships" xmlns:p="http://schemas.openxmlformats.org/presentationml/2006/main" showMasterSp="0" showMasterPhAnim="0">
+  <p:cSld>
+    <p:spTree>
+      <p:nvGrpSpPr>
+        <p:cNvPr id="1" name="Shape 297"/>
+        <p:cNvGrpSpPr/>
+        <p:nvPr/>
+      </p:nvGrpSpPr>
+      <p:grpSpPr>
+        <a:xfrm>
+          <a:off x="0" y="0"/>
+          <a:ext cx="0" cy="0"/>
+          <a:chOff x="0" y="0"/>
+          <a:chExt cx="0" cy="0"/>
+        </a:xfrm>
+      </p:grpSpPr>
+      <p:sp>
+        <p:nvSpPr>
+          <p:cNvPr id="298" name="Shape 298"/>
+          <p:cNvSpPr>
+            <a:spLocks noGrp="1" noRot="1" noChangeAspect="1"/>
+          </p:cNvSpPr>
+          <p:nvPr>
+            <p:ph type="sldImg" idx="2"/>
+          </p:nvPr>
+        </p:nvSpPr>
+        <p:spPr>
+          <a:xfrm>
+            <a:off x="381000" y="685800"/>
+            <a:ext cx="6096000" cy="3429000"/>
+          </a:xfrm>
+          <a:custGeom>
+            <a:avLst/>
+            <a:gdLst/>
+            <a:ahLst/>
+            <a:cxnLst/>
+            <a:rect l="0" t="0" r="0" b="0"/>
+            <a:pathLst>
+              <a:path w="120000" h="120000" extrusionOk="0">
+                <a:moveTo>
+                  <a:pt x="0" y="0"/>
+                </a:moveTo>
+                <a:lnTo>
+                  <a:pt x="120000" y="0"/>
+                </a:lnTo>
+                <a:lnTo>
+                  <a:pt x="120000" y="120000"/>
+                </a:lnTo>
+                <a:lnTo>
+                  <a:pt x="0" y="120000"/>
+                </a:lnTo>
+                <a:close/>
+              </a:path>
+            </a:pathLst>
+          </a:custGeom>
+          <a:noFill/>
+          <a:ln w="9525" cap="flat" cmpd="sng">
+            <a:solidFill>
+              <a:srgbClr val="000000"/>
+            </a:solidFill>
+            <a:prstDash val="solid"/>
+            <a:round/>
+            <a:headEnd type="none" w="med" len="med"/>
+            <a:tailEnd type="none" w="med" len="med"/>
+          </a:ln>
+        </p:spPr>
+      </p:sp>
+      <p:sp>
+        <p:nvSpPr>
+          <p:cNvPr id="299" name="Shape 299"/>
+          <p:cNvSpPr txBox="1">
+            <a:spLocks noGrp="1"/>
+          </p:cNvSpPr>
+          <p:nvPr>
+            <p:ph type="body" idx="1"/>
+          </p:nvPr>
+        </p:nvSpPr>
+        <p:spPr>
+          <a:xfrm>
+            <a:off x="685800" y="4343400"/>
+            <a:ext cx="5486399" cy="4114800"/>
+          </a:xfrm>
+          <a:prstGeom prst="rect">
+            <a:avLst/>
+          </a:prstGeom>
+        </p:spPr>
+        <p:txBody>
+          <a:bodyPr lIns="91425" tIns="91425" rIns="91425" bIns="91425" anchor="t" anchorCtr="0">
+            <a:noAutofit/>
+          </a:bodyPr>
+          <a:lstStyle/>
+          <a:p>
+            <a:pPr lvl="0">
+              <a:spcBef>
+                <a:spcPts val="0"/>
+              </a:spcBef>
+              <a:buNone/>
+            </a:pPr>
+            <a:endParaRPr/>
+          </a:p>
+        </p:txBody>
+      </p:sp>
+    </p:spTree>
+    <p:extLst>
+      <p:ext uri="{BB962C8B-B14F-4D97-AF65-F5344CB8AC3E}">
+        <p14:creationId xmlns:p14="http://schemas.microsoft.com/office/powerpoint/2010/main" val="2114719047"/>
+      </p:ext>
+    </p:extLst>
+  </p:cSld>
+  <p:clrMapOvr>
+    <a:masterClrMapping/>
+  </p:clrMapOvr>
+</p:notes>
+</file>
+
+<file path=ppt/notesSlides/notesSlide9.xml><?xml version="1.0" encoding="utf-8"?>
+<p:notes xmlns:a="http://schemas.openxmlformats.org/drawingml/2006/main" xmlns:r="http://schemas.openxmlformats.org/officeDocument/2006/relationships" xmlns:p="http://schemas.openxmlformats.org/presentationml/2006/main" showMasterSp="0" showMasterPhAnim="0">
+  <p:cSld>
+    <p:spTree>
+      <p:nvGrpSpPr>
+        <p:cNvPr id="1" name="Shape 297"/>
+        <p:cNvGrpSpPr/>
+        <p:nvPr/>
+      </p:nvGrpSpPr>
+      <p:grpSpPr>
+        <a:xfrm>
+          <a:off x="0" y="0"/>
+          <a:ext cx="0" cy="0"/>
+          <a:chOff x="0" y="0"/>
+          <a:chExt cx="0" cy="0"/>
+        </a:xfrm>
+      </p:grpSpPr>
+      <p:sp>
+        <p:nvSpPr>
+          <p:cNvPr id="298" name="Shape 298"/>
+          <p:cNvSpPr>
+            <a:spLocks noGrp="1" noRot="1" noChangeAspect="1"/>
+          </p:cNvSpPr>
+          <p:nvPr>
+            <p:ph type="sldImg" idx="2"/>
+          </p:nvPr>
+        </p:nvSpPr>
+        <p:spPr>
+          <a:xfrm>
+            <a:off x="381000" y="685800"/>
+            <a:ext cx="6096000" cy="3429000"/>
+          </a:xfrm>
+          <a:custGeom>
+            <a:avLst/>
+            <a:gdLst/>
+            <a:ahLst/>
+            <a:cxnLst/>
+            <a:rect l="0" t="0" r="0" b="0"/>
+            <a:pathLst>
+              <a:path w="120000" h="120000" extrusionOk="0">
+                <a:moveTo>
+                  <a:pt x="0" y="0"/>
+                </a:moveTo>
+                <a:lnTo>
+                  <a:pt x="120000" y="0"/>
+                </a:lnTo>
+                <a:lnTo>
+                  <a:pt x="120000" y="120000"/>
+                </a:lnTo>
+                <a:lnTo>
+                  <a:pt x="0" y="120000"/>
+                </a:lnTo>
+                <a:close/>
+              </a:path>
+            </a:pathLst>
+          </a:custGeom>
+          <a:noFill/>
+          <a:ln w="9525" cap="flat" cmpd="sng">
+            <a:solidFill>
+              <a:srgbClr val="000000"/>
+            </a:solidFill>
+            <a:prstDash val="solid"/>
+            <a:round/>
+            <a:headEnd type="none" w="med" len="med"/>
+            <a:tailEnd type="none" w="med" len="med"/>
+          </a:ln>
+        </p:spPr>
+      </p:sp>
+      <p:sp>
+        <p:nvSpPr>
+          <p:cNvPr id="299" name="Shape 299"/>
+          <p:cNvSpPr txBox="1">
+            <a:spLocks noGrp="1"/>
+          </p:cNvSpPr>
+          <p:nvPr>
+            <p:ph type="body" idx="1"/>
+          </p:nvPr>
+        </p:nvSpPr>
+        <p:spPr>
+          <a:xfrm>
+            <a:off x="685800" y="4343400"/>
+            <a:ext cx="5486399" cy="4114800"/>
+          </a:xfrm>
+          <a:prstGeom prst="rect">
+            <a:avLst/>
+          </a:prstGeom>
+        </p:spPr>
+        <p:txBody>
+          <a:bodyPr lIns="91425" tIns="91425" rIns="91425" bIns="91425" anchor="t" anchorCtr="0">
+            <a:noAutofit/>
+          </a:bodyPr>
+          <a:lstStyle/>
+          <a:p>
+            <a:pPr lvl="0">
+              <a:spcBef>
+                <a:spcPts val="0"/>
+              </a:spcBef>
+              <a:buNone/>
+            </a:pPr>
+            <a:endParaRPr/>
+          </a:p>
+        </p:txBody>
+      </p:sp>
+    </p:spTree>
+    <p:extLst>
+      <p:ext uri="{BB962C8B-B14F-4D97-AF65-F5344CB8AC3E}">
+        <p14:creationId xmlns:p14="http://schemas.microsoft.com/office/powerpoint/2010/main" val="3962737901"/>
       </p:ext>
     </p:extLst>
   </p:cSld>
@@ -4405,15 +5936,7 @@
                   <a:srgbClr val="182A2E"/>
                 </a:solidFill>
               </a:rPr>
-              <a:t>        Date: </a:t>
-            </a:r>
-            <a:r>
-              <a:rPr lang="en-US" sz="1800" dirty="0" smtClean="0">
-                <a:solidFill>
-                  <a:srgbClr val="182A2E"/>
-                </a:solidFill>
-              </a:rPr>
-              <a:t>May 9</a:t>
+              <a:t>        Date: May 9</a:t>
             </a:r>
             <a:r>
               <a:rPr lang="en-US" sz="1800" baseline="30000" dirty="0" smtClean="0">
@@ -4440,6 +5963,3598 @@
         </p:txBody>
       </p:sp>
     </p:spTree>
+  </p:cSld>
+  <p:clrMapOvr>
+    <a:masterClrMapping/>
+  </p:clrMapOvr>
+  <p:transition spd="slow">
+    <p:cut/>
+  </p:transition>
+  <p:timing>
+    <p:tnLst>
+      <p:par>
+        <p:cTn id="1" dur="indefinite" restart="never" nodeType="tmRoot"/>
+      </p:par>
+    </p:tnLst>
+  </p:timing>
+</p:sld>
+</file>
+
+<file path=ppt/slides/slide10.xml><?xml version="1.0" encoding="utf-8"?>
+<p:sld xmlns:a="http://schemas.openxmlformats.org/drawingml/2006/main" xmlns:r="http://schemas.openxmlformats.org/officeDocument/2006/relationships" xmlns:p="http://schemas.openxmlformats.org/presentationml/2006/main">
+  <p:cSld>
+    <p:spTree>
+      <p:nvGrpSpPr>
+        <p:cNvPr id="1" name="Shape 300"/>
+        <p:cNvGrpSpPr/>
+        <p:nvPr/>
+      </p:nvGrpSpPr>
+      <p:grpSpPr>
+        <a:xfrm>
+          <a:off x="0" y="0"/>
+          <a:ext cx="0" cy="0"/>
+          <a:chOff x="0" y="0"/>
+          <a:chExt cx="0" cy="0"/>
+        </a:xfrm>
+      </p:grpSpPr>
+      <p:pic>
+        <p:nvPicPr>
+          <p:cNvPr id="301" name="Shape 301"/>
+          <p:cNvPicPr preferRelativeResize="0"/>
+          <p:nvPr/>
+        </p:nvPicPr>
+        <p:blipFill rotWithShape="1">
+          <a:blip r:embed="rId3">
+            <a:alphaModFix amt="11000"/>
+          </a:blip>
+          <a:srcRect t="28895" b="14855"/>
+          <a:stretch/>
+        </p:blipFill>
+        <p:spPr>
+          <a:xfrm>
+            <a:off x="0" y="0"/>
+            <a:ext cx="9144000" cy="5143500"/>
+          </a:xfrm>
+          <a:prstGeom prst="rect">
+            <a:avLst/>
+          </a:prstGeom>
+          <a:gradFill>
+            <a:gsLst>
+              <a:gs pos="0">
+                <a:schemeClr val="accent1">
+                  <a:lumMod val="5000"/>
+                  <a:lumOff val="95000"/>
+                </a:schemeClr>
+              </a:gs>
+              <a:gs pos="74000">
+                <a:schemeClr val="accent1">
+                  <a:lumMod val="45000"/>
+                  <a:lumOff val="55000"/>
+                </a:schemeClr>
+              </a:gs>
+              <a:gs pos="83000">
+                <a:schemeClr val="accent1">
+                  <a:lumMod val="45000"/>
+                  <a:lumOff val="55000"/>
+                </a:schemeClr>
+              </a:gs>
+              <a:gs pos="100000">
+                <a:schemeClr val="accent1">
+                  <a:lumMod val="30000"/>
+                  <a:lumOff val="70000"/>
+                </a:schemeClr>
+              </a:gs>
+            </a:gsLst>
+            <a:lin ang="5400000" scaled="1"/>
+          </a:gradFill>
+          <a:ln>
+            <a:noFill/>
+          </a:ln>
+        </p:spPr>
+      </p:pic>
+      <p:sp>
+        <p:nvSpPr>
+          <p:cNvPr id="302" name="Shape 302"/>
+          <p:cNvSpPr txBox="1">
+            <a:spLocks noGrp="1"/>
+          </p:cNvSpPr>
+          <p:nvPr>
+            <p:ph type="ctrTitle" idx="4294967295"/>
+          </p:nvPr>
+        </p:nvSpPr>
+        <p:spPr>
+          <a:xfrm>
+            <a:off x="0" y="0"/>
+            <a:ext cx="8620050" cy="1159799"/>
+          </a:xfrm>
+          <a:prstGeom prst="rect">
+            <a:avLst/>
+          </a:prstGeom>
+          <a:noFill/>
+          <a:ln>
+            <a:noFill/>
+          </a:ln>
+        </p:spPr>
+        <p:txBody>
+          <a:bodyPr lIns="91425" tIns="91425" rIns="91425" bIns="91425" anchor="t" anchorCtr="0">
+            <a:noAutofit/>
+          </a:bodyPr>
+          <a:lstStyle/>
+          <a:p>
+            <a:pPr lvl="0" rtl="0">
+              <a:spcBef>
+                <a:spcPts val="0"/>
+              </a:spcBef>
+              <a:buNone/>
+            </a:pPr>
+            <a:r>
+              <a:rPr lang="en" sz="5400" dirty="0" smtClean="0"/>
+              <a:t>YOLO</a:t>
+            </a:r>
+            <a:endParaRPr lang="en" sz="5400" dirty="0"/>
+          </a:p>
+        </p:txBody>
+      </p:sp>
+      <p:sp>
+        <p:nvSpPr>
+          <p:cNvPr id="303" name="Shape 303"/>
+          <p:cNvSpPr txBox="1">
+            <a:spLocks noGrp="1"/>
+          </p:cNvSpPr>
+          <p:nvPr>
+            <p:ph type="subTitle" idx="4294967295"/>
+          </p:nvPr>
+        </p:nvSpPr>
+        <p:spPr>
+          <a:xfrm>
+            <a:off x="0" y="872836"/>
+            <a:ext cx="2943225" cy="4270663"/>
+          </a:xfrm>
+          <a:prstGeom prst="rect">
+            <a:avLst/>
+          </a:prstGeom>
+          <a:noFill/>
+          <a:ln>
+            <a:noFill/>
+          </a:ln>
+        </p:spPr>
+        <p:txBody>
+          <a:bodyPr lIns="91425" tIns="91425" rIns="91425" bIns="91425" anchor="t" anchorCtr="0">
+            <a:noAutofit/>
+          </a:bodyPr>
+          <a:lstStyle/>
+          <a:p>
+            <a:pPr marL="457200" indent="-457200">
+              <a:spcBef>
+                <a:spcPts val="0"/>
+              </a:spcBef>
+            </a:pPr>
+            <a:r>
+              <a:rPr lang="en-US" altLang="zh-CN" sz="1600" dirty="0" smtClean="0">
+                <a:latin typeface="Montserrat" panose="020B0604020202020204" charset="0"/>
+              </a:rPr>
+              <a:t>      remedies for task balancing,        remedies for class unbalance</a:t>
+            </a:r>
+          </a:p>
+          <a:p>
+            <a:pPr marL="457200" indent="-457200">
+              <a:spcBef>
+                <a:spcPts val="0"/>
+              </a:spcBef>
+            </a:pPr>
+            <a:endParaRPr lang="en-US" altLang="zh-CN" sz="1600" dirty="0" smtClean="0">
+              <a:latin typeface="Montserrat" panose="020B0604020202020204" charset="0"/>
+            </a:endParaRPr>
+          </a:p>
+          <a:p>
+            <a:pPr marL="457200" indent="-457200">
+              <a:spcBef>
+                <a:spcPts val="0"/>
+              </a:spcBef>
+            </a:pPr>
+            <a:r>
+              <a:rPr lang="en-US" sz="1600" dirty="0" smtClean="0">
+                <a:latin typeface="Montserrat" panose="020B0604020202020204" charset="0"/>
+              </a:rPr>
+              <a:t>     denotes </a:t>
+            </a:r>
+            <a:r>
+              <a:rPr lang="en-US" sz="1600" dirty="0">
+                <a:latin typeface="Montserrat" panose="020B0604020202020204" charset="0"/>
+              </a:rPr>
+              <a:t>if object appears in cell </a:t>
+            </a:r>
+            <a:r>
+              <a:rPr lang="en-US" sz="1600" i="1" dirty="0" err="1">
+                <a:latin typeface="Montserrat" panose="020B0604020202020204" charset="0"/>
+              </a:rPr>
+              <a:t>i</a:t>
+            </a:r>
+            <a:r>
+              <a:rPr lang="en-US" sz="1600" dirty="0">
+                <a:latin typeface="Montserrat" panose="020B0604020202020204" charset="0"/>
+              </a:rPr>
+              <a:t> and </a:t>
+            </a:r>
+            <a:r>
+              <a:rPr lang="en-US" sz="1600" dirty="0" smtClean="0">
+                <a:latin typeface="Montserrat" panose="020B0604020202020204" charset="0"/>
+              </a:rPr>
+              <a:t>             	denotes that </a:t>
+            </a:r>
+            <a:r>
+              <a:rPr lang="en-US" sz="1600" dirty="0">
+                <a:latin typeface="Montserrat" panose="020B0604020202020204" charset="0"/>
+              </a:rPr>
+              <a:t>the </a:t>
+            </a:r>
+            <a:r>
+              <a:rPr lang="en-US" sz="1600" i="1" dirty="0" err="1">
+                <a:latin typeface="Montserrat" panose="020B0604020202020204" charset="0"/>
+              </a:rPr>
+              <a:t>j</a:t>
+            </a:r>
+            <a:r>
+              <a:rPr lang="en-US" sz="1100" i="1" dirty="0" err="1">
+                <a:latin typeface="Montserrat" panose="020B0604020202020204" charset="0"/>
+              </a:rPr>
+              <a:t>th</a:t>
+            </a:r>
+            <a:r>
+              <a:rPr lang="en-US" sz="1600" dirty="0">
+                <a:latin typeface="Montserrat" panose="020B0604020202020204" charset="0"/>
+              </a:rPr>
+              <a:t> </a:t>
+            </a:r>
+            <a:r>
+              <a:rPr lang="en-US" sz="1600" dirty="0" smtClean="0">
+                <a:latin typeface="Montserrat" panose="020B0604020202020204" charset="0"/>
+              </a:rPr>
+              <a:t>bounding </a:t>
+            </a:r>
+            <a:r>
+              <a:rPr lang="en-US" sz="1600" dirty="0">
+                <a:latin typeface="Montserrat" panose="020B0604020202020204" charset="0"/>
+              </a:rPr>
+              <a:t>box predictor in cell </a:t>
+            </a:r>
+            <a:r>
+              <a:rPr lang="en-US" sz="1600" i="1" dirty="0" err="1">
+                <a:latin typeface="Montserrat" panose="020B0604020202020204" charset="0"/>
+              </a:rPr>
+              <a:t>i</a:t>
+            </a:r>
+            <a:r>
+              <a:rPr lang="en-US" sz="1600" dirty="0">
+                <a:latin typeface="Montserrat" panose="020B0604020202020204" charset="0"/>
+              </a:rPr>
+              <a:t> is “</a:t>
+            </a:r>
+            <a:r>
+              <a:rPr lang="en-US" sz="1600" dirty="0" smtClean="0">
+                <a:latin typeface="Montserrat" panose="020B0604020202020204" charset="0"/>
+              </a:rPr>
+              <a:t>responsible” for </a:t>
+            </a:r>
+            <a:r>
+              <a:rPr lang="en-US" sz="1600" dirty="0">
+                <a:latin typeface="Montserrat" panose="020B0604020202020204" charset="0"/>
+              </a:rPr>
+              <a:t>that </a:t>
+            </a:r>
+            <a:r>
+              <a:rPr lang="en-US" sz="1600" dirty="0" smtClean="0">
+                <a:latin typeface="Montserrat" panose="020B0604020202020204" charset="0"/>
+              </a:rPr>
+              <a:t>prediction</a:t>
+            </a:r>
+          </a:p>
+          <a:p>
+            <a:pPr marL="457200" indent="-457200">
+              <a:spcBef>
+                <a:spcPts val="0"/>
+              </a:spcBef>
+            </a:pPr>
+            <a:endParaRPr lang="en-US" sz="1600" dirty="0" smtClean="0">
+              <a:latin typeface="Montserrat" panose="020B0604020202020204" charset="0"/>
+            </a:endParaRPr>
+          </a:p>
+          <a:p>
+            <a:pPr marL="457200" indent="-457200">
+              <a:spcBef>
+                <a:spcPts val="0"/>
+              </a:spcBef>
+            </a:pPr>
+            <a:r>
+              <a:rPr lang="en-US" sz="1600" dirty="0" smtClean="0">
+                <a:latin typeface="Montserrat" panose="020B0604020202020204" charset="0"/>
+              </a:rPr>
+              <a:t>Why predict B boxes?</a:t>
+            </a:r>
+          </a:p>
+          <a:p>
+            <a:pPr marL="457200" lvl="1" indent="-457200">
+              <a:spcBef>
+                <a:spcPts val="0"/>
+              </a:spcBef>
+            </a:pPr>
+            <a:r>
+              <a:rPr lang="en-US" sz="1200" dirty="0">
+                <a:latin typeface="Montserrat" panose="020B0604020202020204" charset="0"/>
+              </a:rPr>
+              <a:t>Each predictor gets better at predicting </a:t>
+            </a:r>
+            <a:r>
+              <a:rPr lang="en-US" sz="1200" dirty="0" smtClean="0">
+                <a:latin typeface="Montserrat" panose="020B0604020202020204" charset="0"/>
+              </a:rPr>
+              <a:t>certain sizes</a:t>
+            </a:r>
+            <a:r>
+              <a:rPr lang="en-US" sz="1200" dirty="0">
+                <a:latin typeface="Montserrat" panose="020B0604020202020204" charset="0"/>
+              </a:rPr>
+              <a:t>, aspect ratios, or classes of object</a:t>
+            </a:r>
+            <a:endParaRPr lang="en-US" sz="1600" dirty="0">
+              <a:latin typeface="Montserrat" panose="020B0604020202020204" charset="0"/>
+            </a:endParaRPr>
+          </a:p>
+          <a:p>
+            <a:pPr marL="457200" indent="-457200">
+              <a:spcBef>
+                <a:spcPts val="0"/>
+              </a:spcBef>
+            </a:pPr>
+            <a:endParaRPr lang="en-US" sz="2000" dirty="0" smtClean="0">
+              <a:latin typeface="Montserrat" panose="020B0604020202020204" charset="0"/>
+            </a:endParaRPr>
+          </a:p>
+          <a:p>
+            <a:pPr marL="457200" indent="-457200">
+              <a:spcBef>
+                <a:spcPts val="0"/>
+              </a:spcBef>
+            </a:pPr>
+            <a:endParaRPr lang="en-US" sz="2000" dirty="0" smtClean="0">
+              <a:latin typeface="Montserrat" panose="020B0604020202020204" charset="0"/>
+            </a:endParaRPr>
+          </a:p>
+        </p:txBody>
+      </p:sp>
+      <p:pic>
+        <p:nvPicPr>
+          <p:cNvPr id="3" name="图片 2"/>
+          <p:cNvPicPr>
+            <a:picLocks noChangeAspect="1"/>
+          </p:cNvPicPr>
+          <p:nvPr/>
+        </p:nvPicPr>
+        <p:blipFill>
+          <a:blip r:embed="rId4"/>
+          <a:stretch>
+            <a:fillRect/>
+          </a:stretch>
+        </p:blipFill>
+        <p:spPr>
+          <a:xfrm>
+            <a:off x="2810967" y="872836"/>
+            <a:ext cx="6333033" cy="4270663"/>
+          </a:xfrm>
+          <a:prstGeom prst="rect">
+            <a:avLst/>
+          </a:prstGeom>
+        </p:spPr>
+      </p:pic>
+      <p:pic>
+        <p:nvPicPr>
+          <p:cNvPr id="5" name="图片 4"/>
+          <p:cNvPicPr>
+            <a:picLocks noChangeAspect="1"/>
+          </p:cNvPicPr>
+          <p:nvPr/>
+        </p:nvPicPr>
+        <p:blipFill>
+          <a:blip r:embed="rId5"/>
+          <a:stretch>
+            <a:fillRect/>
+          </a:stretch>
+        </p:blipFill>
+        <p:spPr>
+          <a:xfrm>
+            <a:off x="432679" y="926313"/>
+            <a:ext cx="447659" cy="315175"/>
+          </a:xfrm>
+          <a:prstGeom prst="rect">
+            <a:avLst/>
+          </a:prstGeom>
+        </p:spPr>
+      </p:pic>
+      <p:pic>
+        <p:nvPicPr>
+          <p:cNvPr id="7" name="图片 6"/>
+          <p:cNvPicPr>
+            <a:picLocks noChangeAspect="1"/>
+          </p:cNvPicPr>
+          <p:nvPr/>
+        </p:nvPicPr>
+        <p:blipFill>
+          <a:blip r:embed="rId6"/>
+          <a:stretch>
+            <a:fillRect/>
+          </a:stretch>
+        </p:blipFill>
+        <p:spPr>
+          <a:xfrm>
+            <a:off x="532522" y="2143005"/>
+            <a:ext cx="247971" cy="291874"/>
+          </a:xfrm>
+          <a:prstGeom prst="rect">
+            <a:avLst/>
+          </a:prstGeom>
+        </p:spPr>
+      </p:pic>
+      <p:pic>
+        <p:nvPicPr>
+          <p:cNvPr id="9" name="图片 8"/>
+          <p:cNvPicPr>
+            <a:picLocks noChangeAspect="1"/>
+          </p:cNvPicPr>
+          <p:nvPr/>
+        </p:nvPicPr>
+        <p:blipFill>
+          <a:blip r:embed="rId7"/>
+          <a:stretch>
+            <a:fillRect/>
+          </a:stretch>
+        </p:blipFill>
+        <p:spPr>
+          <a:xfrm>
+            <a:off x="614546" y="2649186"/>
+            <a:ext cx="265779" cy="328477"/>
+          </a:xfrm>
+          <a:prstGeom prst="rect">
+            <a:avLst/>
+          </a:prstGeom>
+        </p:spPr>
+      </p:pic>
+      <p:pic>
+        <p:nvPicPr>
+          <p:cNvPr id="11" name="图片 10"/>
+          <p:cNvPicPr>
+            <a:picLocks noChangeAspect="1"/>
+          </p:cNvPicPr>
+          <p:nvPr/>
+        </p:nvPicPr>
+        <p:blipFill>
+          <a:blip r:embed="rId8"/>
+          <a:stretch>
+            <a:fillRect/>
+          </a:stretch>
+        </p:blipFill>
+        <p:spPr>
+          <a:xfrm>
+            <a:off x="1609468" y="1188195"/>
+            <a:ext cx="414769" cy="307388"/>
+          </a:xfrm>
+          <a:prstGeom prst="rect">
+            <a:avLst/>
+          </a:prstGeom>
+        </p:spPr>
+      </p:pic>
+    </p:spTree>
+    <p:extLst>
+      <p:ext uri="{BB962C8B-B14F-4D97-AF65-F5344CB8AC3E}">
+        <p14:creationId xmlns:p14="http://schemas.microsoft.com/office/powerpoint/2010/main" val="3701802811"/>
+      </p:ext>
+    </p:extLst>
+  </p:cSld>
+  <p:clrMapOvr>
+    <a:masterClrMapping/>
+  </p:clrMapOvr>
+  <p:transition spd="slow">
+    <p:cut/>
+  </p:transition>
+  <p:timing>
+    <p:tnLst>
+      <p:par>
+        <p:cTn id="1" dur="indefinite" restart="never" nodeType="tmRoot"/>
+      </p:par>
+    </p:tnLst>
+  </p:timing>
+</p:sld>
+</file>
+
+<file path=ppt/slides/slide11.xml><?xml version="1.0" encoding="utf-8"?>
+<p:sld xmlns:a="http://schemas.openxmlformats.org/drawingml/2006/main" xmlns:r="http://schemas.openxmlformats.org/officeDocument/2006/relationships" xmlns:p="http://schemas.openxmlformats.org/presentationml/2006/main">
+  <p:cSld>
+    <p:spTree>
+      <p:nvGrpSpPr>
+        <p:cNvPr id="1" name="Shape 300"/>
+        <p:cNvGrpSpPr/>
+        <p:nvPr/>
+      </p:nvGrpSpPr>
+      <p:grpSpPr>
+        <a:xfrm>
+          <a:off x="0" y="0"/>
+          <a:ext cx="0" cy="0"/>
+          <a:chOff x="0" y="0"/>
+          <a:chExt cx="0" cy="0"/>
+        </a:xfrm>
+      </p:grpSpPr>
+      <p:pic>
+        <p:nvPicPr>
+          <p:cNvPr id="301" name="Shape 301"/>
+          <p:cNvPicPr preferRelativeResize="0"/>
+          <p:nvPr/>
+        </p:nvPicPr>
+        <p:blipFill rotWithShape="1">
+          <a:blip r:embed="rId3">
+            <a:alphaModFix amt="11000"/>
+          </a:blip>
+          <a:srcRect t="28895" b="14855"/>
+          <a:stretch/>
+        </p:blipFill>
+        <p:spPr>
+          <a:xfrm>
+            <a:off x="0" y="0"/>
+            <a:ext cx="9144000" cy="5143500"/>
+          </a:xfrm>
+          <a:prstGeom prst="rect">
+            <a:avLst/>
+          </a:prstGeom>
+          <a:gradFill>
+            <a:gsLst>
+              <a:gs pos="0">
+                <a:schemeClr val="accent1">
+                  <a:lumMod val="5000"/>
+                  <a:lumOff val="95000"/>
+                </a:schemeClr>
+              </a:gs>
+              <a:gs pos="74000">
+                <a:schemeClr val="accent1">
+                  <a:lumMod val="45000"/>
+                  <a:lumOff val="55000"/>
+                </a:schemeClr>
+              </a:gs>
+              <a:gs pos="83000">
+                <a:schemeClr val="accent1">
+                  <a:lumMod val="45000"/>
+                  <a:lumOff val="55000"/>
+                </a:schemeClr>
+              </a:gs>
+              <a:gs pos="100000">
+                <a:schemeClr val="accent1">
+                  <a:lumMod val="30000"/>
+                  <a:lumOff val="70000"/>
+                </a:schemeClr>
+              </a:gs>
+            </a:gsLst>
+            <a:lin ang="5400000" scaled="1"/>
+          </a:gradFill>
+          <a:ln>
+            <a:noFill/>
+          </a:ln>
+        </p:spPr>
+      </p:pic>
+      <p:sp>
+        <p:nvSpPr>
+          <p:cNvPr id="302" name="Shape 302"/>
+          <p:cNvSpPr txBox="1">
+            <a:spLocks noGrp="1"/>
+          </p:cNvSpPr>
+          <p:nvPr>
+            <p:ph type="ctrTitle" idx="4294967295"/>
+          </p:nvPr>
+        </p:nvSpPr>
+        <p:spPr>
+          <a:xfrm>
+            <a:off x="0" y="0"/>
+            <a:ext cx="8620050" cy="1159799"/>
+          </a:xfrm>
+          <a:prstGeom prst="rect">
+            <a:avLst/>
+          </a:prstGeom>
+          <a:noFill/>
+          <a:ln>
+            <a:noFill/>
+          </a:ln>
+        </p:spPr>
+        <p:txBody>
+          <a:bodyPr lIns="91425" tIns="91425" rIns="91425" bIns="91425" anchor="t" anchorCtr="0">
+            <a:noAutofit/>
+          </a:bodyPr>
+          <a:lstStyle/>
+          <a:p>
+            <a:pPr lvl="0" rtl="0">
+              <a:spcBef>
+                <a:spcPts val="0"/>
+              </a:spcBef>
+              <a:buNone/>
+            </a:pPr>
+            <a:r>
+              <a:rPr lang="en" sz="5400" dirty="0" smtClean="0"/>
+              <a:t>YOLO</a:t>
+            </a:r>
+            <a:endParaRPr lang="en" sz="5400" dirty="0"/>
+          </a:p>
+        </p:txBody>
+      </p:sp>
+      <p:sp>
+        <p:nvSpPr>
+          <p:cNvPr id="303" name="Shape 303"/>
+          <p:cNvSpPr txBox="1">
+            <a:spLocks noGrp="1"/>
+          </p:cNvSpPr>
+          <p:nvPr>
+            <p:ph type="subTitle" idx="4294967295"/>
+          </p:nvPr>
+        </p:nvSpPr>
+        <p:spPr>
+          <a:xfrm>
+            <a:off x="0" y="872836"/>
+            <a:ext cx="9144000" cy="4270663"/>
+          </a:xfrm>
+          <a:prstGeom prst="rect">
+            <a:avLst/>
+          </a:prstGeom>
+          <a:noFill/>
+          <a:ln>
+            <a:noFill/>
+          </a:ln>
+        </p:spPr>
+        <p:txBody>
+          <a:bodyPr lIns="91425" tIns="91425" rIns="91425" bIns="91425" anchor="t" anchorCtr="0">
+            <a:noAutofit/>
+          </a:bodyPr>
+          <a:lstStyle/>
+          <a:p>
+            <a:pPr marL="457200" indent="-457200">
+              <a:spcBef>
+                <a:spcPts val="0"/>
+              </a:spcBef>
+            </a:pPr>
+            <a:r>
+              <a:rPr lang="en-US" altLang="zh-CN" sz="2000" dirty="0" smtClean="0">
+                <a:latin typeface="Montserrat" panose="020B0604020202020204" charset="0"/>
+              </a:rPr>
+              <a:t>Limitations</a:t>
+            </a:r>
+            <a:endParaRPr lang="en-US" altLang="zh-CN" sz="1600" dirty="0" smtClean="0">
+              <a:latin typeface="Montserrat" panose="020B0604020202020204" charset="0"/>
+            </a:endParaRPr>
+          </a:p>
+          <a:p>
+            <a:pPr marL="457200" lvl="1" indent="-457200">
+              <a:spcBef>
+                <a:spcPts val="0"/>
+              </a:spcBef>
+            </a:pPr>
+            <a:r>
+              <a:rPr lang="en-US" sz="1600" dirty="0" smtClean="0">
+                <a:latin typeface="Montserrat" panose="020B0604020202020204" charset="0"/>
+              </a:rPr>
+              <a:t>It struggles </a:t>
+            </a:r>
+            <a:r>
+              <a:rPr lang="en-US" sz="1600" dirty="0">
+                <a:latin typeface="Montserrat" panose="020B0604020202020204" charset="0"/>
+              </a:rPr>
+              <a:t>with small objects that appear </a:t>
+            </a:r>
+            <a:r>
+              <a:rPr lang="en-US" sz="1600" dirty="0" smtClean="0">
+                <a:latin typeface="Montserrat" panose="020B0604020202020204" charset="0"/>
+              </a:rPr>
+              <a:t>in groups </a:t>
+            </a:r>
+            <a:r>
+              <a:rPr lang="en-US" sz="1600" dirty="0" smtClean="0">
+                <a:solidFill>
+                  <a:srgbClr val="FF0000"/>
+                </a:solidFill>
+                <a:latin typeface="Montserrat" panose="020B0604020202020204" charset="0"/>
+              </a:rPr>
+              <a:t>(like text)</a:t>
+            </a:r>
+          </a:p>
+          <a:p>
+            <a:pPr marL="457200" lvl="1" indent="-457200">
+              <a:spcBef>
+                <a:spcPts val="0"/>
+              </a:spcBef>
+            </a:pPr>
+            <a:endParaRPr lang="en-US" sz="1600" dirty="0">
+              <a:solidFill>
+                <a:srgbClr val="FF0000"/>
+              </a:solidFill>
+              <a:latin typeface="Montserrat" panose="020B0604020202020204" charset="0"/>
+            </a:endParaRPr>
+          </a:p>
+          <a:p>
+            <a:pPr marL="457200" lvl="1" indent="-457200">
+              <a:spcBef>
+                <a:spcPts val="0"/>
+              </a:spcBef>
+            </a:pPr>
+            <a:r>
+              <a:rPr lang="en-US" sz="1600" dirty="0" smtClean="0">
+                <a:latin typeface="Montserrat" panose="020B0604020202020204" charset="0"/>
+              </a:rPr>
+              <a:t>It </a:t>
+            </a:r>
+            <a:r>
+              <a:rPr lang="en-US" sz="1600" dirty="0">
+                <a:latin typeface="Montserrat" panose="020B0604020202020204" charset="0"/>
+              </a:rPr>
+              <a:t>struggles to generalize to objects in new or </a:t>
+            </a:r>
+            <a:r>
+              <a:rPr lang="en-US" sz="1600" dirty="0" smtClean="0">
+                <a:latin typeface="Montserrat" panose="020B0604020202020204" charset="0"/>
+              </a:rPr>
+              <a:t>unusual aspect </a:t>
+            </a:r>
+            <a:r>
+              <a:rPr lang="en-US" sz="1600" dirty="0">
+                <a:latin typeface="Montserrat" panose="020B0604020202020204" charset="0"/>
+              </a:rPr>
+              <a:t>ratios or </a:t>
+            </a:r>
+            <a:r>
+              <a:rPr lang="en-US" sz="1600" dirty="0" smtClean="0">
+                <a:latin typeface="Montserrat" panose="020B0604020202020204" charset="0"/>
+              </a:rPr>
+              <a:t>configurations</a:t>
+            </a:r>
+            <a:r>
+              <a:rPr lang="en-US" sz="2000" dirty="0">
+                <a:latin typeface="Montserrat" panose="020B0604020202020204" charset="0"/>
+              </a:rPr>
+              <a:t> </a:t>
+            </a:r>
+            <a:r>
+              <a:rPr lang="en-US" sz="1600" dirty="0" smtClean="0">
+                <a:solidFill>
+                  <a:srgbClr val="FF0000"/>
+                </a:solidFill>
+                <a:latin typeface="Montserrat" panose="020B0604020202020204" charset="0"/>
+              </a:rPr>
+              <a:t>(like text)</a:t>
+            </a:r>
+          </a:p>
+          <a:p>
+            <a:pPr marL="457200" lvl="1" indent="-457200">
+              <a:spcBef>
+                <a:spcPts val="0"/>
+              </a:spcBef>
+            </a:pPr>
+            <a:endParaRPr lang="en-US" sz="1600" dirty="0" smtClean="0">
+              <a:solidFill>
+                <a:srgbClr val="FF0000"/>
+              </a:solidFill>
+              <a:latin typeface="Montserrat" panose="020B0604020202020204" charset="0"/>
+            </a:endParaRPr>
+          </a:p>
+          <a:p>
+            <a:pPr marL="457200" lvl="1" indent="-457200">
+              <a:spcBef>
+                <a:spcPts val="0"/>
+              </a:spcBef>
+            </a:pPr>
+            <a:r>
+              <a:rPr lang="en-US" sz="1600" dirty="0">
+                <a:latin typeface="Montserrat" panose="020B0604020202020204" charset="0"/>
+              </a:rPr>
+              <a:t>A small error in a large box is generally benign but </a:t>
+            </a:r>
+            <a:r>
+              <a:rPr lang="en-US" sz="1600" dirty="0">
+                <a:latin typeface="Montserrat" panose="020B0604020202020204" charset="0"/>
+              </a:rPr>
+              <a:t>a small </a:t>
+            </a:r>
+            <a:r>
+              <a:rPr lang="en-US" sz="1600" dirty="0">
+                <a:latin typeface="Montserrat" panose="020B0604020202020204" charset="0"/>
+              </a:rPr>
+              <a:t>error in a small box has a much greater effect on </a:t>
+            </a:r>
+            <a:r>
+              <a:rPr lang="en-US" sz="1600" dirty="0">
+                <a:latin typeface="Montserrat" panose="020B0604020202020204" charset="0"/>
+              </a:rPr>
+              <a:t>IOU. Our </a:t>
+            </a:r>
+            <a:r>
+              <a:rPr lang="en-US" sz="1600" dirty="0">
+                <a:latin typeface="Montserrat" panose="020B0604020202020204" charset="0"/>
+              </a:rPr>
+              <a:t>main source of error is incorrect localizations.</a:t>
+            </a:r>
+            <a:endParaRPr lang="en-US" sz="1600" dirty="0">
+              <a:latin typeface="Montserrat" panose="020B0604020202020204" charset="0"/>
+            </a:endParaRPr>
+          </a:p>
+        </p:txBody>
+      </p:sp>
+    </p:spTree>
+    <p:extLst>
+      <p:ext uri="{BB962C8B-B14F-4D97-AF65-F5344CB8AC3E}">
+        <p14:creationId xmlns:p14="http://schemas.microsoft.com/office/powerpoint/2010/main" val="3942948989"/>
+      </p:ext>
+    </p:extLst>
+  </p:cSld>
+  <p:clrMapOvr>
+    <a:masterClrMapping/>
+  </p:clrMapOvr>
+  <p:transition spd="slow">
+    <p:cut/>
+  </p:transition>
+  <p:timing>
+    <p:tnLst>
+      <p:par>
+        <p:cTn id="1" dur="indefinite" restart="never" nodeType="tmRoot"/>
+      </p:par>
+    </p:tnLst>
+  </p:timing>
+</p:sld>
+</file>
+
+<file path=ppt/slides/slide12.xml><?xml version="1.0" encoding="utf-8"?>
+<p:sld xmlns:a="http://schemas.openxmlformats.org/drawingml/2006/main" xmlns:r="http://schemas.openxmlformats.org/officeDocument/2006/relationships" xmlns:p="http://schemas.openxmlformats.org/presentationml/2006/main">
+  <p:cSld>
+    <p:spTree>
+      <p:nvGrpSpPr>
+        <p:cNvPr id="1" name="Shape 300"/>
+        <p:cNvGrpSpPr/>
+        <p:nvPr/>
+      </p:nvGrpSpPr>
+      <p:grpSpPr>
+        <a:xfrm>
+          <a:off x="0" y="0"/>
+          <a:ext cx="0" cy="0"/>
+          <a:chOff x="0" y="0"/>
+          <a:chExt cx="0" cy="0"/>
+        </a:xfrm>
+      </p:grpSpPr>
+      <p:pic>
+        <p:nvPicPr>
+          <p:cNvPr id="301" name="Shape 301"/>
+          <p:cNvPicPr preferRelativeResize="0"/>
+          <p:nvPr/>
+        </p:nvPicPr>
+        <p:blipFill rotWithShape="1">
+          <a:blip r:embed="rId3">
+            <a:alphaModFix amt="11000"/>
+          </a:blip>
+          <a:srcRect t="28895" b="14855"/>
+          <a:stretch/>
+        </p:blipFill>
+        <p:spPr>
+          <a:xfrm>
+            <a:off x="0" y="0"/>
+            <a:ext cx="9144000" cy="5143500"/>
+          </a:xfrm>
+          <a:prstGeom prst="rect">
+            <a:avLst/>
+          </a:prstGeom>
+          <a:gradFill>
+            <a:gsLst>
+              <a:gs pos="0">
+                <a:schemeClr val="accent1">
+                  <a:lumMod val="5000"/>
+                  <a:lumOff val="95000"/>
+                </a:schemeClr>
+              </a:gs>
+              <a:gs pos="74000">
+                <a:schemeClr val="accent1">
+                  <a:lumMod val="45000"/>
+                  <a:lumOff val="55000"/>
+                </a:schemeClr>
+              </a:gs>
+              <a:gs pos="83000">
+                <a:schemeClr val="accent1">
+                  <a:lumMod val="45000"/>
+                  <a:lumOff val="55000"/>
+                </a:schemeClr>
+              </a:gs>
+              <a:gs pos="100000">
+                <a:schemeClr val="accent1">
+                  <a:lumMod val="30000"/>
+                  <a:lumOff val="70000"/>
+                </a:schemeClr>
+              </a:gs>
+            </a:gsLst>
+            <a:lin ang="5400000" scaled="1"/>
+          </a:gradFill>
+          <a:ln>
+            <a:noFill/>
+          </a:ln>
+        </p:spPr>
+      </p:pic>
+      <p:sp>
+        <p:nvSpPr>
+          <p:cNvPr id="302" name="Shape 302"/>
+          <p:cNvSpPr txBox="1">
+            <a:spLocks noGrp="1"/>
+          </p:cNvSpPr>
+          <p:nvPr>
+            <p:ph type="ctrTitle" idx="4294967295"/>
+          </p:nvPr>
+        </p:nvSpPr>
+        <p:spPr>
+          <a:xfrm>
+            <a:off x="0" y="0"/>
+            <a:ext cx="8620050" cy="1159799"/>
+          </a:xfrm>
+          <a:prstGeom prst="rect">
+            <a:avLst/>
+          </a:prstGeom>
+          <a:noFill/>
+          <a:ln>
+            <a:noFill/>
+          </a:ln>
+        </p:spPr>
+        <p:txBody>
+          <a:bodyPr lIns="91425" tIns="91425" rIns="91425" bIns="91425" anchor="t" anchorCtr="0">
+            <a:noAutofit/>
+          </a:bodyPr>
+          <a:lstStyle/>
+          <a:p>
+            <a:pPr lvl="0" rtl="0">
+              <a:spcBef>
+                <a:spcPts val="0"/>
+              </a:spcBef>
+              <a:buNone/>
+            </a:pPr>
+            <a:r>
+              <a:rPr lang="en" sz="5400" dirty="0" smtClean="0"/>
+              <a:t>YOLO</a:t>
+            </a:r>
+            <a:endParaRPr lang="en" sz="5400" dirty="0"/>
+          </a:p>
+        </p:txBody>
+      </p:sp>
+      <p:sp>
+        <p:nvSpPr>
+          <p:cNvPr id="303" name="Shape 303"/>
+          <p:cNvSpPr txBox="1">
+            <a:spLocks noGrp="1"/>
+          </p:cNvSpPr>
+          <p:nvPr>
+            <p:ph type="subTitle" idx="4294967295"/>
+          </p:nvPr>
+        </p:nvSpPr>
+        <p:spPr>
+          <a:xfrm>
+            <a:off x="0" y="872836"/>
+            <a:ext cx="5430740" cy="4270663"/>
+          </a:xfrm>
+          <a:prstGeom prst="rect">
+            <a:avLst/>
+          </a:prstGeom>
+          <a:noFill/>
+          <a:ln>
+            <a:noFill/>
+          </a:ln>
+        </p:spPr>
+        <p:txBody>
+          <a:bodyPr lIns="91425" tIns="91425" rIns="91425" bIns="91425" anchor="t" anchorCtr="0">
+            <a:noAutofit/>
+          </a:bodyPr>
+          <a:lstStyle/>
+          <a:p>
+            <a:pPr marL="457200" indent="-457200">
+              <a:spcBef>
+                <a:spcPts val="0"/>
+              </a:spcBef>
+            </a:pPr>
+            <a:r>
+              <a:rPr lang="en-US" altLang="zh-CN" sz="2000" dirty="0" smtClean="0">
+                <a:latin typeface="Montserrat" panose="020B0604020202020204" charset="0"/>
+              </a:rPr>
+              <a:t>Compared with </a:t>
+            </a:r>
+            <a:r>
+              <a:rPr lang="en-US" altLang="zh-CN" sz="2000" dirty="0" err="1" smtClean="0">
+                <a:latin typeface="Montserrat" panose="020B0604020202020204" charset="0"/>
+              </a:rPr>
+              <a:t>Densebox</a:t>
+            </a:r>
+            <a:endParaRPr lang="en-US" altLang="zh-CN" sz="2000" dirty="0" smtClean="0">
+              <a:latin typeface="Montserrat" panose="020B0604020202020204" charset="0"/>
+            </a:endParaRPr>
+          </a:p>
+          <a:p>
+            <a:pPr marL="457200" lvl="1" indent="-457200">
+              <a:spcBef>
+                <a:spcPts val="0"/>
+              </a:spcBef>
+            </a:pPr>
+            <a:r>
+              <a:rPr lang="en-US" sz="1600" dirty="0" smtClean="0">
+                <a:latin typeface="Montserrat" panose="020B0604020202020204" charset="0"/>
+              </a:rPr>
+              <a:t>Remove </a:t>
+            </a:r>
+            <a:r>
+              <a:rPr lang="en-US" sz="1600" dirty="0" err="1" smtClean="0">
+                <a:latin typeface="Montserrat" panose="020B0604020202020204" charset="0"/>
+              </a:rPr>
+              <a:t>RoI</a:t>
+            </a:r>
+            <a:r>
+              <a:rPr lang="en-US" sz="1600" dirty="0">
+                <a:latin typeface="Montserrat" panose="020B0604020202020204" charset="0"/>
+              </a:rPr>
+              <a:t> </a:t>
+            </a:r>
+            <a:r>
+              <a:rPr lang="en-US" sz="1600" dirty="0" smtClean="0">
+                <a:latin typeface="Montserrat" panose="020B0604020202020204" charset="0"/>
+              </a:rPr>
+              <a:t>sampling</a:t>
+            </a:r>
+          </a:p>
+          <a:p>
+            <a:pPr marL="457200" lvl="1" indent="-457200">
+              <a:spcBef>
+                <a:spcPts val="0"/>
+              </a:spcBef>
+            </a:pPr>
+            <a:endParaRPr lang="en-US" sz="1600" dirty="0">
+              <a:latin typeface="Montserrat" panose="020B0604020202020204" charset="0"/>
+            </a:endParaRPr>
+          </a:p>
+          <a:p>
+            <a:pPr marL="457200" lvl="1" indent="-457200">
+              <a:spcBef>
+                <a:spcPts val="0"/>
+              </a:spcBef>
+            </a:pPr>
+            <a:r>
+              <a:rPr lang="en-US" sz="1600" dirty="0" smtClean="0">
+                <a:latin typeface="Montserrat" panose="020B0604020202020204" charset="0"/>
+              </a:rPr>
+              <a:t>Loss function: YOLO chooses pure regression design</a:t>
+            </a:r>
+          </a:p>
+          <a:p>
+            <a:pPr marL="457200" lvl="1" indent="-457200">
+              <a:spcBef>
+                <a:spcPts val="0"/>
+              </a:spcBef>
+            </a:pPr>
+            <a:endParaRPr lang="en-US" sz="1600" dirty="0">
+              <a:latin typeface="Montserrat" panose="020B0604020202020204" charset="0"/>
+            </a:endParaRPr>
+          </a:p>
+          <a:p>
+            <a:pPr marL="457200" lvl="1" indent="-457200">
+              <a:spcBef>
+                <a:spcPts val="0"/>
+              </a:spcBef>
+            </a:pPr>
+            <a:r>
+              <a:rPr lang="en-US" sz="1600" dirty="0" smtClean="0">
+                <a:latin typeface="Montserrat" panose="020B0604020202020204" charset="0"/>
+              </a:rPr>
+              <a:t>Multi-scale is not needed in YOLO, but not suitable for text detection</a:t>
+            </a:r>
+            <a:endParaRPr lang="en-US" sz="1600" dirty="0">
+              <a:latin typeface="Montserrat" panose="020B0604020202020204" charset="0"/>
+            </a:endParaRPr>
+          </a:p>
+        </p:txBody>
+      </p:sp>
+      <p:pic>
+        <p:nvPicPr>
+          <p:cNvPr id="5" name="图片 4"/>
+          <p:cNvPicPr>
+            <a:picLocks noChangeAspect="1"/>
+          </p:cNvPicPr>
+          <p:nvPr/>
+        </p:nvPicPr>
+        <p:blipFill>
+          <a:blip r:embed="rId4"/>
+          <a:stretch>
+            <a:fillRect/>
+          </a:stretch>
+        </p:blipFill>
+        <p:spPr>
+          <a:xfrm>
+            <a:off x="5430740" y="180975"/>
+            <a:ext cx="3451285" cy="3098654"/>
+          </a:xfrm>
+          <a:prstGeom prst="rect">
+            <a:avLst/>
+          </a:prstGeom>
+        </p:spPr>
+      </p:pic>
+    </p:spTree>
+    <p:extLst>
+      <p:ext uri="{BB962C8B-B14F-4D97-AF65-F5344CB8AC3E}">
+        <p14:creationId xmlns:p14="http://schemas.microsoft.com/office/powerpoint/2010/main" val="1583908601"/>
+      </p:ext>
+    </p:extLst>
+  </p:cSld>
+  <p:clrMapOvr>
+    <a:masterClrMapping/>
+  </p:clrMapOvr>
+  <p:transition spd="slow">
+    <p:cut/>
+  </p:transition>
+  <p:timing>
+    <p:tnLst>
+      <p:par>
+        <p:cTn id="1" dur="indefinite" restart="never" nodeType="tmRoot"/>
+      </p:par>
+    </p:tnLst>
+  </p:timing>
+</p:sld>
+</file>
+
+<file path=ppt/slides/slide13.xml><?xml version="1.0" encoding="utf-8"?>
+<p:sld xmlns:a="http://schemas.openxmlformats.org/drawingml/2006/main" xmlns:r="http://schemas.openxmlformats.org/officeDocument/2006/relationships" xmlns:p="http://schemas.openxmlformats.org/presentationml/2006/main">
+  <p:cSld>
+    <p:spTree>
+      <p:nvGrpSpPr>
+        <p:cNvPr id="1" name="Shape 300"/>
+        <p:cNvGrpSpPr/>
+        <p:nvPr/>
+      </p:nvGrpSpPr>
+      <p:grpSpPr>
+        <a:xfrm>
+          <a:off x="0" y="0"/>
+          <a:ext cx="0" cy="0"/>
+          <a:chOff x="0" y="0"/>
+          <a:chExt cx="0" cy="0"/>
+        </a:xfrm>
+      </p:grpSpPr>
+      <p:pic>
+        <p:nvPicPr>
+          <p:cNvPr id="301" name="Shape 301"/>
+          <p:cNvPicPr preferRelativeResize="0"/>
+          <p:nvPr/>
+        </p:nvPicPr>
+        <p:blipFill rotWithShape="1">
+          <a:blip r:embed="rId3">
+            <a:alphaModFix amt="11000"/>
+          </a:blip>
+          <a:srcRect t="28895" b="14855"/>
+          <a:stretch/>
+        </p:blipFill>
+        <p:spPr>
+          <a:xfrm>
+            <a:off x="0" y="0"/>
+            <a:ext cx="9144000" cy="5143500"/>
+          </a:xfrm>
+          <a:prstGeom prst="rect">
+            <a:avLst/>
+          </a:prstGeom>
+          <a:gradFill>
+            <a:gsLst>
+              <a:gs pos="0">
+                <a:schemeClr val="accent1">
+                  <a:lumMod val="5000"/>
+                  <a:lumOff val="95000"/>
+                </a:schemeClr>
+              </a:gs>
+              <a:gs pos="74000">
+                <a:schemeClr val="accent1">
+                  <a:lumMod val="45000"/>
+                  <a:lumOff val="55000"/>
+                </a:schemeClr>
+              </a:gs>
+              <a:gs pos="83000">
+                <a:schemeClr val="accent1">
+                  <a:lumMod val="45000"/>
+                  <a:lumOff val="55000"/>
+                </a:schemeClr>
+              </a:gs>
+              <a:gs pos="100000">
+                <a:schemeClr val="accent1">
+                  <a:lumMod val="30000"/>
+                  <a:lumOff val="70000"/>
+                </a:schemeClr>
+              </a:gs>
+            </a:gsLst>
+            <a:lin ang="5400000" scaled="1"/>
+          </a:gradFill>
+          <a:ln>
+            <a:noFill/>
+          </a:ln>
+        </p:spPr>
+      </p:pic>
+      <p:sp>
+        <p:nvSpPr>
+          <p:cNvPr id="302" name="Shape 302"/>
+          <p:cNvSpPr txBox="1">
+            <a:spLocks noGrp="1"/>
+          </p:cNvSpPr>
+          <p:nvPr>
+            <p:ph type="ctrTitle" idx="4294967295"/>
+          </p:nvPr>
+        </p:nvSpPr>
+        <p:spPr>
+          <a:xfrm>
+            <a:off x="0" y="0"/>
+            <a:ext cx="8620050" cy="1159799"/>
+          </a:xfrm>
+          <a:prstGeom prst="rect">
+            <a:avLst/>
+          </a:prstGeom>
+          <a:noFill/>
+          <a:ln>
+            <a:noFill/>
+          </a:ln>
+        </p:spPr>
+        <p:txBody>
+          <a:bodyPr lIns="91425" tIns="91425" rIns="91425" bIns="91425" anchor="t" anchorCtr="0">
+            <a:noAutofit/>
+          </a:bodyPr>
+          <a:lstStyle/>
+          <a:p>
+            <a:pPr lvl="0" rtl="0">
+              <a:spcBef>
+                <a:spcPts val="0"/>
+              </a:spcBef>
+              <a:buNone/>
+            </a:pPr>
+            <a:r>
+              <a:rPr lang="en" sz="5400" dirty="0" smtClean="0"/>
+              <a:t>YOLO</a:t>
+            </a:r>
+            <a:endParaRPr lang="en" sz="5400" dirty="0"/>
+          </a:p>
+        </p:txBody>
+      </p:sp>
+      <p:sp>
+        <p:nvSpPr>
+          <p:cNvPr id="303" name="Shape 303"/>
+          <p:cNvSpPr txBox="1">
+            <a:spLocks noGrp="1"/>
+          </p:cNvSpPr>
+          <p:nvPr>
+            <p:ph type="subTitle" idx="4294967295"/>
+          </p:nvPr>
+        </p:nvSpPr>
+        <p:spPr>
+          <a:xfrm>
+            <a:off x="0" y="872836"/>
+            <a:ext cx="9144000" cy="4270663"/>
+          </a:xfrm>
+          <a:prstGeom prst="rect">
+            <a:avLst/>
+          </a:prstGeom>
+          <a:noFill/>
+          <a:ln>
+            <a:noFill/>
+          </a:ln>
+        </p:spPr>
+        <p:txBody>
+          <a:bodyPr lIns="91425" tIns="91425" rIns="91425" bIns="91425" anchor="t" anchorCtr="0">
+            <a:noAutofit/>
+          </a:bodyPr>
+          <a:lstStyle/>
+          <a:p>
+            <a:pPr marL="457200" indent="-457200">
+              <a:spcBef>
+                <a:spcPts val="0"/>
+              </a:spcBef>
+            </a:pPr>
+            <a:r>
+              <a:rPr lang="en-US" altLang="zh-CN" sz="2000" dirty="0" smtClean="0">
+                <a:latin typeface="Montserrat" panose="020B0604020202020204" charset="0"/>
+              </a:rPr>
+              <a:t>Result</a:t>
+            </a:r>
+            <a:endParaRPr lang="en-US" sz="1600" dirty="0">
+              <a:latin typeface="Montserrat" panose="020B0604020202020204" charset="0"/>
+            </a:endParaRPr>
+          </a:p>
+        </p:txBody>
+      </p:sp>
+      <p:pic>
+        <p:nvPicPr>
+          <p:cNvPr id="2" name="图片 1"/>
+          <p:cNvPicPr>
+            <a:picLocks noChangeAspect="1"/>
+          </p:cNvPicPr>
+          <p:nvPr/>
+        </p:nvPicPr>
+        <p:blipFill>
+          <a:blip r:embed="rId4"/>
+          <a:stretch>
+            <a:fillRect/>
+          </a:stretch>
+        </p:blipFill>
+        <p:spPr>
+          <a:xfrm>
+            <a:off x="2066925" y="1168383"/>
+            <a:ext cx="5010150" cy="2806733"/>
+          </a:xfrm>
+          <a:prstGeom prst="rect">
+            <a:avLst/>
+          </a:prstGeom>
+        </p:spPr>
+      </p:pic>
+    </p:spTree>
+    <p:extLst>
+      <p:ext uri="{BB962C8B-B14F-4D97-AF65-F5344CB8AC3E}">
+        <p14:creationId xmlns:p14="http://schemas.microsoft.com/office/powerpoint/2010/main" val="1523164407"/>
+      </p:ext>
+    </p:extLst>
+  </p:cSld>
+  <p:clrMapOvr>
+    <a:masterClrMapping/>
+  </p:clrMapOvr>
+  <p:transition spd="slow">
+    <p:cut/>
+  </p:transition>
+  <p:timing>
+    <p:tnLst>
+      <p:par>
+        <p:cTn id="1" dur="indefinite" restart="never" nodeType="tmRoot"/>
+      </p:par>
+    </p:tnLst>
+  </p:timing>
+</p:sld>
+</file>
+
+<file path=ppt/slides/slide14.xml><?xml version="1.0" encoding="utf-8"?>
+<p:sld xmlns:a="http://schemas.openxmlformats.org/drawingml/2006/main" xmlns:r="http://schemas.openxmlformats.org/officeDocument/2006/relationships" xmlns:p="http://schemas.openxmlformats.org/presentationml/2006/main">
+  <p:cSld>
+    <p:spTree>
+      <p:nvGrpSpPr>
+        <p:cNvPr id="1" name="Shape 300"/>
+        <p:cNvGrpSpPr/>
+        <p:nvPr/>
+      </p:nvGrpSpPr>
+      <p:grpSpPr>
+        <a:xfrm>
+          <a:off x="0" y="0"/>
+          <a:ext cx="0" cy="0"/>
+          <a:chOff x="0" y="0"/>
+          <a:chExt cx="0" cy="0"/>
+        </a:xfrm>
+      </p:grpSpPr>
+      <p:pic>
+        <p:nvPicPr>
+          <p:cNvPr id="301" name="Shape 301"/>
+          <p:cNvPicPr preferRelativeResize="0"/>
+          <p:nvPr/>
+        </p:nvPicPr>
+        <p:blipFill rotWithShape="1">
+          <a:blip r:embed="rId3">
+            <a:alphaModFix amt="11000"/>
+          </a:blip>
+          <a:srcRect t="28895" b="14855"/>
+          <a:stretch/>
+        </p:blipFill>
+        <p:spPr>
+          <a:xfrm>
+            <a:off x="0" y="0"/>
+            <a:ext cx="9144000" cy="5143500"/>
+          </a:xfrm>
+          <a:prstGeom prst="rect">
+            <a:avLst/>
+          </a:prstGeom>
+          <a:gradFill>
+            <a:gsLst>
+              <a:gs pos="0">
+                <a:schemeClr val="accent1">
+                  <a:lumMod val="5000"/>
+                  <a:lumOff val="95000"/>
+                </a:schemeClr>
+              </a:gs>
+              <a:gs pos="74000">
+                <a:schemeClr val="accent1">
+                  <a:lumMod val="45000"/>
+                  <a:lumOff val="55000"/>
+                </a:schemeClr>
+              </a:gs>
+              <a:gs pos="83000">
+                <a:schemeClr val="accent1">
+                  <a:lumMod val="45000"/>
+                  <a:lumOff val="55000"/>
+                </a:schemeClr>
+              </a:gs>
+              <a:gs pos="100000">
+                <a:schemeClr val="accent1">
+                  <a:lumMod val="30000"/>
+                  <a:lumOff val="70000"/>
+                </a:schemeClr>
+              </a:gs>
+            </a:gsLst>
+            <a:lin ang="5400000" scaled="1"/>
+          </a:gradFill>
+          <a:ln>
+            <a:noFill/>
+          </a:ln>
+        </p:spPr>
+      </p:pic>
+      <p:sp>
+        <p:nvSpPr>
+          <p:cNvPr id="302" name="Shape 302"/>
+          <p:cNvSpPr txBox="1">
+            <a:spLocks noGrp="1"/>
+          </p:cNvSpPr>
+          <p:nvPr>
+            <p:ph type="ctrTitle" idx="4294967295"/>
+          </p:nvPr>
+        </p:nvSpPr>
+        <p:spPr>
+          <a:xfrm>
+            <a:off x="0" y="0"/>
+            <a:ext cx="8620050" cy="1159799"/>
+          </a:xfrm>
+          <a:prstGeom prst="rect">
+            <a:avLst/>
+          </a:prstGeom>
+          <a:noFill/>
+          <a:ln>
+            <a:noFill/>
+          </a:ln>
+        </p:spPr>
+        <p:txBody>
+          <a:bodyPr lIns="91425" tIns="91425" rIns="91425" bIns="91425" anchor="t" anchorCtr="0">
+            <a:noAutofit/>
+          </a:bodyPr>
+          <a:lstStyle/>
+          <a:p>
+            <a:pPr lvl="0"/>
+            <a:r>
+              <a:rPr lang="en-US" sz="2400" dirty="0"/>
+              <a:t>Synthetic Data for Text Localization in Natural Images</a:t>
+            </a:r>
+          </a:p>
+        </p:txBody>
+      </p:sp>
+      <p:sp>
+        <p:nvSpPr>
+          <p:cNvPr id="303" name="Shape 303"/>
+          <p:cNvSpPr txBox="1">
+            <a:spLocks noGrp="1"/>
+          </p:cNvSpPr>
+          <p:nvPr>
+            <p:ph type="subTitle" idx="4294967295"/>
+          </p:nvPr>
+        </p:nvSpPr>
+        <p:spPr>
+          <a:xfrm>
+            <a:off x="0" y="872836"/>
+            <a:ext cx="9144000" cy="4270663"/>
+          </a:xfrm>
+          <a:prstGeom prst="rect">
+            <a:avLst/>
+          </a:prstGeom>
+          <a:noFill/>
+          <a:ln>
+            <a:noFill/>
+          </a:ln>
+        </p:spPr>
+        <p:txBody>
+          <a:bodyPr lIns="91425" tIns="91425" rIns="91425" bIns="91425" anchor="t" anchorCtr="0">
+            <a:noAutofit/>
+          </a:bodyPr>
+          <a:lstStyle/>
+          <a:p>
+            <a:pPr marL="457200" indent="-457200">
+              <a:spcBef>
+                <a:spcPts val="0"/>
+              </a:spcBef>
+            </a:pPr>
+            <a:r>
+              <a:rPr lang="en-US" sz="1600" dirty="0" smtClean="0">
+                <a:latin typeface="Montserrat" panose="020B0604020202020204" charset="0"/>
+              </a:rPr>
+              <a:t>A </a:t>
+            </a:r>
+            <a:r>
+              <a:rPr lang="en-US" sz="1600" dirty="0">
+                <a:latin typeface="Montserrat" panose="020B0604020202020204" charset="0"/>
+              </a:rPr>
+              <a:t>fast and scalable engine to generate </a:t>
+            </a:r>
+            <a:r>
+              <a:rPr lang="en-US" sz="1600" dirty="0" smtClean="0">
+                <a:latin typeface="Montserrat" panose="020B0604020202020204" charset="0"/>
+              </a:rPr>
+              <a:t>synthetic images </a:t>
+            </a:r>
+            <a:r>
+              <a:rPr lang="en-US" sz="1600" dirty="0">
+                <a:latin typeface="Montserrat" panose="020B0604020202020204" charset="0"/>
+              </a:rPr>
+              <a:t>of text in </a:t>
+            </a:r>
+            <a:r>
+              <a:rPr lang="en-US" sz="1600" dirty="0" smtClean="0">
+                <a:latin typeface="Montserrat" panose="020B0604020202020204" charset="0"/>
+              </a:rPr>
+              <a:t>clutter</a:t>
+            </a:r>
+          </a:p>
+          <a:p>
+            <a:pPr marL="457200" indent="-457200">
+              <a:spcBef>
+                <a:spcPts val="0"/>
+              </a:spcBef>
+            </a:pPr>
+            <a:endParaRPr lang="en-US" sz="1600" dirty="0">
+              <a:latin typeface="Montserrat" panose="020B0604020202020204" charset="0"/>
+            </a:endParaRPr>
+          </a:p>
+          <a:p>
+            <a:pPr marL="457200" indent="-457200">
+              <a:spcBef>
+                <a:spcPts val="0"/>
+              </a:spcBef>
+            </a:pPr>
+            <a:r>
+              <a:rPr lang="en-US" sz="1600" dirty="0" smtClean="0">
+                <a:latin typeface="Montserrat" panose="020B0604020202020204" charset="0"/>
+              </a:rPr>
+              <a:t>We </a:t>
+            </a:r>
+            <a:r>
+              <a:rPr lang="en-US" sz="1600" dirty="0">
+                <a:latin typeface="Montserrat" panose="020B0604020202020204" charset="0"/>
+              </a:rPr>
+              <a:t>use </a:t>
+            </a:r>
+            <a:r>
+              <a:rPr lang="en-US" sz="1600" dirty="0" smtClean="0">
+                <a:latin typeface="Montserrat" panose="020B0604020202020204" charset="0"/>
+              </a:rPr>
+              <a:t>the synthetic </a:t>
+            </a:r>
+            <a:r>
+              <a:rPr lang="en-US" sz="1600" dirty="0">
+                <a:latin typeface="Montserrat" panose="020B0604020202020204" charset="0"/>
+              </a:rPr>
+              <a:t>images to train a Fully-Convolutional </a:t>
+            </a:r>
+            <a:r>
+              <a:rPr lang="en-US" sz="1600" dirty="0" smtClean="0">
+                <a:latin typeface="Montserrat" panose="020B0604020202020204" charset="0"/>
+              </a:rPr>
+              <a:t>Regression Network </a:t>
+            </a:r>
+            <a:r>
+              <a:rPr lang="en-US" sz="1600" dirty="0">
+                <a:latin typeface="Montserrat" panose="020B0604020202020204" charset="0"/>
+              </a:rPr>
+              <a:t>(FCRN) which efficiently performs text </a:t>
+            </a:r>
+            <a:r>
+              <a:rPr lang="en-US" sz="1600" dirty="0" smtClean="0">
+                <a:latin typeface="Montserrat" panose="020B0604020202020204" charset="0"/>
+              </a:rPr>
+              <a:t>detection and </a:t>
+            </a:r>
+            <a:r>
+              <a:rPr lang="en-US" sz="1600" dirty="0">
+                <a:latin typeface="Montserrat" panose="020B0604020202020204" charset="0"/>
+              </a:rPr>
+              <a:t>bounding-box regression at all locations and </a:t>
+            </a:r>
+            <a:r>
+              <a:rPr lang="en-US" sz="1600" dirty="0" smtClean="0">
+                <a:latin typeface="Montserrat" panose="020B0604020202020204" charset="0"/>
+              </a:rPr>
+              <a:t>multiple scales </a:t>
+            </a:r>
+            <a:r>
+              <a:rPr lang="en-US" sz="1600" dirty="0">
+                <a:latin typeface="Montserrat" panose="020B0604020202020204" charset="0"/>
+              </a:rPr>
+              <a:t>in an </a:t>
+            </a:r>
+            <a:r>
+              <a:rPr lang="en-US" sz="1600" dirty="0" smtClean="0">
+                <a:latin typeface="Montserrat" panose="020B0604020202020204" charset="0"/>
+              </a:rPr>
+              <a:t>image</a:t>
+            </a:r>
+            <a:endParaRPr lang="en-US" sz="1600" dirty="0">
+              <a:latin typeface="Montserrat" panose="020B0604020202020204" charset="0"/>
+            </a:endParaRPr>
+          </a:p>
+        </p:txBody>
+      </p:sp>
+      <p:pic>
+        <p:nvPicPr>
+          <p:cNvPr id="3" name="图片 2"/>
+          <p:cNvPicPr>
+            <a:picLocks noChangeAspect="1"/>
+          </p:cNvPicPr>
+          <p:nvPr/>
+        </p:nvPicPr>
+        <p:blipFill>
+          <a:blip r:embed="rId4"/>
+          <a:stretch>
+            <a:fillRect/>
+          </a:stretch>
+        </p:blipFill>
+        <p:spPr>
+          <a:xfrm>
+            <a:off x="29033" y="2483851"/>
+            <a:ext cx="4387215" cy="2047018"/>
+          </a:xfrm>
+          <a:prstGeom prst="rect">
+            <a:avLst/>
+          </a:prstGeom>
+        </p:spPr>
+      </p:pic>
+      <p:pic>
+        <p:nvPicPr>
+          <p:cNvPr id="4" name="图片 3"/>
+          <p:cNvPicPr>
+            <a:picLocks noChangeAspect="1"/>
+          </p:cNvPicPr>
+          <p:nvPr/>
+        </p:nvPicPr>
+        <p:blipFill>
+          <a:blip r:embed="rId5"/>
+          <a:stretch>
+            <a:fillRect/>
+          </a:stretch>
+        </p:blipFill>
+        <p:spPr>
+          <a:xfrm>
+            <a:off x="4462744" y="2483851"/>
+            <a:ext cx="4634759" cy="2047018"/>
+          </a:xfrm>
+          <a:prstGeom prst="rect">
+            <a:avLst/>
+          </a:prstGeom>
+        </p:spPr>
+      </p:pic>
+    </p:spTree>
+    <p:extLst>
+      <p:ext uri="{BB962C8B-B14F-4D97-AF65-F5344CB8AC3E}">
+        <p14:creationId xmlns:p14="http://schemas.microsoft.com/office/powerpoint/2010/main" val="1554629736"/>
+      </p:ext>
+    </p:extLst>
+  </p:cSld>
+  <p:clrMapOvr>
+    <a:masterClrMapping/>
+  </p:clrMapOvr>
+  <p:transition spd="slow">
+    <p:cut/>
+  </p:transition>
+  <p:timing>
+    <p:tnLst>
+      <p:par>
+        <p:cTn id="1" dur="indefinite" restart="never" nodeType="tmRoot"/>
+      </p:par>
+    </p:tnLst>
+  </p:timing>
+</p:sld>
+</file>
+
+<file path=ppt/slides/slide15.xml><?xml version="1.0" encoding="utf-8"?>
+<p:sld xmlns:a="http://schemas.openxmlformats.org/drawingml/2006/main" xmlns:r="http://schemas.openxmlformats.org/officeDocument/2006/relationships" xmlns:p="http://schemas.openxmlformats.org/presentationml/2006/main">
+  <p:cSld>
+    <p:spTree>
+      <p:nvGrpSpPr>
+        <p:cNvPr id="1" name="Shape 300"/>
+        <p:cNvGrpSpPr/>
+        <p:nvPr/>
+      </p:nvGrpSpPr>
+      <p:grpSpPr>
+        <a:xfrm>
+          <a:off x="0" y="0"/>
+          <a:ext cx="0" cy="0"/>
+          <a:chOff x="0" y="0"/>
+          <a:chExt cx="0" cy="0"/>
+        </a:xfrm>
+      </p:grpSpPr>
+      <p:pic>
+        <p:nvPicPr>
+          <p:cNvPr id="301" name="Shape 301"/>
+          <p:cNvPicPr preferRelativeResize="0"/>
+          <p:nvPr/>
+        </p:nvPicPr>
+        <p:blipFill rotWithShape="1">
+          <a:blip r:embed="rId3">
+            <a:alphaModFix amt="11000"/>
+          </a:blip>
+          <a:srcRect t="28895" b="14855"/>
+          <a:stretch/>
+        </p:blipFill>
+        <p:spPr>
+          <a:xfrm>
+            <a:off x="0" y="0"/>
+            <a:ext cx="9144000" cy="5143500"/>
+          </a:xfrm>
+          <a:prstGeom prst="rect">
+            <a:avLst/>
+          </a:prstGeom>
+          <a:gradFill>
+            <a:gsLst>
+              <a:gs pos="0">
+                <a:schemeClr val="accent1">
+                  <a:lumMod val="5000"/>
+                  <a:lumOff val="95000"/>
+                </a:schemeClr>
+              </a:gs>
+              <a:gs pos="74000">
+                <a:schemeClr val="accent1">
+                  <a:lumMod val="45000"/>
+                  <a:lumOff val="55000"/>
+                </a:schemeClr>
+              </a:gs>
+              <a:gs pos="83000">
+                <a:schemeClr val="accent1">
+                  <a:lumMod val="45000"/>
+                  <a:lumOff val="55000"/>
+                </a:schemeClr>
+              </a:gs>
+              <a:gs pos="100000">
+                <a:schemeClr val="accent1">
+                  <a:lumMod val="30000"/>
+                  <a:lumOff val="70000"/>
+                </a:schemeClr>
+              </a:gs>
+            </a:gsLst>
+            <a:lin ang="5400000" scaled="1"/>
+          </a:gradFill>
+          <a:ln>
+            <a:noFill/>
+          </a:ln>
+        </p:spPr>
+      </p:pic>
+      <p:sp>
+        <p:nvSpPr>
+          <p:cNvPr id="302" name="Shape 302"/>
+          <p:cNvSpPr txBox="1">
+            <a:spLocks noGrp="1"/>
+          </p:cNvSpPr>
+          <p:nvPr>
+            <p:ph type="ctrTitle" idx="4294967295"/>
+          </p:nvPr>
+        </p:nvSpPr>
+        <p:spPr>
+          <a:xfrm>
+            <a:off x="0" y="0"/>
+            <a:ext cx="8620050" cy="1159799"/>
+          </a:xfrm>
+          <a:prstGeom prst="rect">
+            <a:avLst/>
+          </a:prstGeom>
+          <a:noFill/>
+          <a:ln>
+            <a:noFill/>
+          </a:ln>
+        </p:spPr>
+        <p:txBody>
+          <a:bodyPr lIns="91425" tIns="91425" rIns="91425" bIns="91425" anchor="t" anchorCtr="0">
+            <a:noAutofit/>
+          </a:bodyPr>
+          <a:lstStyle/>
+          <a:p>
+            <a:pPr lvl="0"/>
+            <a:r>
+              <a:rPr lang="en-US" sz="2400" dirty="0"/>
+              <a:t>Synthetic Data for Text Localization in Natural Images</a:t>
+            </a:r>
+          </a:p>
+        </p:txBody>
+      </p:sp>
+      <p:sp>
+        <p:nvSpPr>
+          <p:cNvPr id="303" name="Shape 303"/>
+          <p:cNvSpPr txBox="1">
+            <a:spLocks noGrp="1"/>
+          </p:cNvSpPr>
+          <p:nvPr>
+            <p:ph type="subTitle" idx="4294967295"/>
+          </p:nvPr>
+        </p:nvSpPr>
+        <p:spPr>
+          <a:xfrm>
+            <a:off x="0" y="872836"/>
+            <a:ext cx="9144000" cy="4270663"/>
+          </a:xfrm>
+          <a:prstGeom prst="rect">
+            <a:avLst/>
+          </a:prstGeom>
+          <a:noFill/>
+          <a:ln>
+            <a:noFill/>
+          </a:ln>
+        </p:spPr>
+        <p:txBody>
+          <a:bodyPr lIns="91425" tIns="91425" rIns="91425" bIns="91425" anchor="t" anchorCtr="0">
+            <a:noAutofit/>
+          </a:bodyPr>
+          <a:lstStyle/>
+          <a:p>
+            <a:pPr>
+              <a:spcBef>
+                <a:spcPts val="0"/>
+              </a:spcBef>
+              <a:buNone/>
+            </a:pPr>
+            <a:endParaRPr lang="en-US" sz="1600" dirty="0">
+              <a:latin typeface="Montserrat" panose="020B0604020202020204" charset="0"/>
+            </a:endParaRPr>
+          </a:p>
+        </p:txBody>
+      </p:sp>
+      <p:pic>
+        <p:nvPicPr>
+          <p:cNvPr id="2" name="图片 1"/>
+          <p:cNvPicPr>
+            <a:picLocks noChangeAspect="1"/>
+          </p:cNvPicPr>
+          <p:nvPr/>
+        </p:nvPicPr>
+        <p:blipFill>
+          <a:blip r:embed="rId4"/>
+          <a:stretch>
+            <a:fillRect/>
+          </a:stretch>
+        </p:blipFill>
+        <p:spPr>
+          <a:xfrm>
+            <a:off x="341517" y="890196"/>
+            <a:ext cx="8460966" cy="4235942"/>
+          </a:xfrm>
+          <a:prstGeom prst="rect">
+            <a:avLst/>
+          </a:prstGeom>
+        </p:spPr>
+      </p:pic>
+    </p:spTree>
+    <p:extLst>
+      <p:ext uri="{BB962C8B-B14F-4D97-AF65-F5344CB8AC3E}">
+        <p14:creationId xmlns:p14="http://schemas.microsoft.com/office/powerpoint/2010/main" val="76112377"/>
+      </p:ext>
+    </p:extLst>
+  </p:cSld>
+  <p:clrMapOvr>
+    <a:masterClrMapping/>
+  </p:clrMapOvr>
+  <p:transition spd="slow">
+    <p:cut/>
+  </p:transition>
+  <p:timing>
+    <p:tnLst>
+      <p:par>
+        <p:cTn id="1" dur="indefinite" restart="never" nodeType="tmRoot"/>
+      </p:par>
+    </p:tnLst>
+  </p:timing>
+</p:sld>
+</file>
+
+<file path=ppt/slides/slide16.xml><?xml version="1.0" encoding="utf-8"?>
+<p:sld xmlns:a="http://schemas.openxmlformats.org/drawingml/2006/main" xmlns:r="http://schemas.openxmlformats.org/officeDocument/2006/relationships" xmlns:p="http://schemas.openxmlformats.org/presentationml/2006/main">
+  <p:cSld>
+    <p:spTree>
+      <p:nvGrpSpPr>
+        <p:cNvPr id="1" name="Shape 300"/>
+        <p:cNvGrpSpPr/>
+        <p:nvPr/>
+      </p:nvGrpSpPr>
+      <p:grpSpPr>
+        <a:xfrm>
+          <a:off x="0" y="0"/>
+          <a:ext cx="0" cy="0"/>
+          <a:chOff x="0" y="0"/>
+          <a:chExt cx="0" cy="0"/>
+        </a:xfrm>
+      </p:grpSpPr>
+      <p:pic>
+        <p:nvPicPr>
+          <p:cNvPr id="301" name="Shape 301"/>
+          <p:cNvPicPr preferRelativeResize="0"/>
+          <p:nvPr/>
+        </p:nvPicPr>
+        <p:blipFill rotWithShape="1">
+          <a:blip r:embed="rId3">
+            <a:alphaModFix amt="11000"/>
+          </a:blip>
+          <a:srcRect t="28895" b="14855"/>
+          <a:stretch/>
+        </p:blipFill>
+        <p:spPr>
+          <a:xfrm>
+            <a:off x="0" y="0"/>
+            <a:ext cx="9144000" cy="5143500"/>
+          </a:xfrm>
+          <a:prstGeom prst="rect">
+            <a:avLst/>
+          </a:prstGeom>
+          <a:gradFill>
+            <a:gsLst>
+              <a:gs pos="0">
+                <a:schemeClr val="accent1">
+                  <a:lumMod val="5000"/>
+                  <a:lumOff val="95000"/>
+                </a:schemeClr>
+              </a:gs>
+              <a:gs pos="74000">
+                <a:schemeClr val="accent1">
+                  <a:lumMod val="45000"/>
+                  <a:lumOff val="55000"/>
+                </a:schemeClr>
+              </a:gs>
+              <a:gs pos="83000">
+                <a:schemeClr val="accent1">
+                  <a:lumMod val="45000"/>
+                  <a:lumOff val="55000"/>
+                </a:schemeClr>
+              </a:gs>
+              <a:gs pos="100000">
+                <a:schemeClr val="accent1">
+                  <a:lumMod val="30000"/>
+                  <a:lumOff val="70000"/>
+                </a:schemeClr>
+              </a:gs>
+            </a:gsLst>
+            <a:lin ang="5400000" scaled="1"/>
+          </a:gradFill>
+          <a:ln>
+            <a:noFill/>
+          </a:ln>
+        </p:spPr>
+      </p:pic>
+      <p:sp>
+        <p:nvSpPr>
+          <p:cNvPr id="302" name="Shape 302"/>
+          <p:cNvSpPr txBox="1">
+            <a:spLocks noGrp="1"/>
+          </p:cNvSpPr>
+          <p:nvPr>
+            <p:ph type="ctrTitle" idx="4294967295"/>
+          </p:nvPr>
+        </p:nvSpPr>
+        <p:spPr>
+          <a:xfrm>
+            <a:off x="0" y="0"/>
+            <a:ext cx="8620050" cy="1159799"/>
+          </a:xfrm>
+          <a:prstGeom prst="rect">
+            <a:avLst/>
+          </a:prstGeom>
+          <a:noFill/>
+          <a:ln>
+            <a:noFill/>
+          </a:ln>
+        </p:spPr>
+        <p:txBody>
+          <a:bodyPr lIns="91425" tIns="91425" rIns="91425" bIns="91425" anchor="t" anchorCtr="0">
+            <a:noAutofit/>
+          </a:bodyPr>
+          <a:lstStyle/>
+          <a:p>
+            <a:pPr lvl="0"/>
+            <a:r>
+              <a:rPr lang="en-US" sz="2400" dirty="0"/>
+              <a:t>Synthetic Data for Text Localization in Natural Images</a:t>
+            </a:r>
+          </a:p>
+        </p:txBody>
+      </p:sp>
+      <p:sp>
+        <p:nvSpPr>
+          <p:cNvPr id="303" name="Shape 303"/>
+          <p:cNvSpPr txBox="1">
+            <a:spLocks noGrp="1"/>
+          </p:cNvSpPr>
+          <p:nvPr>
+            <p:ph type="subTitle" idx="4294967295"/>
+          </p:nvPr>
+        </p:nvSpPr>
+        <p:spPr>
+          <a:xfrm>
+            <a:off x="0" y="872836"/>
+            <a:ext cx="9144000" cy="4270663"/>
+          </a:xfrm>
+          <a:prstGeom prst="rect">
+            <a:avLst/>
+          </a:prstGeom>
+          <a:noFill/>
+          <a:ln>
+            <a:noFill/>
+          </a:ln>
+        </p:spPr>
+        <p:txBody>
+          <a:bodyPr lIns="91425" tIns="91425" rIns="91425" bIns="91425" anchor="t" anchorCtr="0">
+            <a:noAutofit/>
+          </a:bodyPr>
+          <a:lstStyle/>
+          <a:p>
+            <a:pPr marL="457200" indent="-457200">
+              <a:spcBef>
+                <a:spcPts val="0"/>
+              </a:spcBef>
+            </a:pPr>
+            <a:r>
+              <a:rPr lang="en-US" sz="1600" dirty="0">
+                <a:latin typeface="Montserrat" panose="020B0604020202020204" charset="0"/>
+              </a:rPr>
+              <a:t>Depth: Deep convolutional neural </a:t>
+            </a:r>
+            <a:r>
+              <a:rPr lang="en-US" sz="1600" dirty="0" smtClean="0">
+                <a:latin typeface="Montserrat" panose="020B0604020202020204" charset="0"/>
+              </a:rPr>
+              <a:t>fields for </a:t>
+            </a:r>
+            <a:r>
+              <a:rPr lang="en-US" sz="1600" dirty="0">
+                <a:latin typeface="Montserrat" panose="020B0604020202020204" charset="0"/>
+              </a:rPr>
+              <a:t>depth estimation from a single </a:t>
+            </a:r>
+            <a:r>
+              <a:rPr lang="en-US" sz="1600" dirty="0" smtClean="0">
+                <a:latin typeface="Montserrat" panose="020B0604020202020204" charset="0"/>
+              </a:rPr>
+              <a:t>image (CVPR15)</a:t>
+            </a:r>
+          </a:p>
+          <a:p>
+            <a:pPr marL="457200" indent="-457200">
+              <a:spcBef>
+                <a:spcPts val="0"/>
+              </a:spcBef>
+            </a:pPr>
+            <a:endParaRPr lang="en-US" sz="1600" dirty="0" smtClean="0">
+              <a:latin typeface="Montserrat" panose="020B0604020202020204" charset="0"/>
+            </a:endParaRPr>
+          </a:p>
+          <a:p>
+            <a:pPr marL="457200" indent="-457200">
+              <a:spcBef>
+                <a:spcPts val="0"/>
+              </a:spcBef>
+            </a:pPr>
+            <a:r>
+              <a:rPr lang="en-US" sz="1600" dirty="0" smtClean="0">
+                <a:latin typeface="Montserrat" panose="020B0604020202020204" charset="0"/>
+              </a:rPr>
+              <a:t>Regions</a:t>
+            </a:r>
+            <a:r>
+              <a:rPr lang="en-US" sz="1600" dirty="0">
+                <a:latin typeface="Montserrat" panose="020B0604020202020204" charset="0"/>
+              </a:rPr>
+              <a:t>: Contour detection and hierarchical image </a:t>
+            </a:r>
+            <a:r>
+              <a:rPr lang="en-US" sz="1600" dirty="0" smtClean="0">
+                <a:latin typeface="Montserrat" panose="020B0604020202020204" charset="0"/>
+              </a:rPr>
+              <a:t>segmentation (PAMI 11)</a:t>
+            </a:r>
+          </a:p>
+          <a:p>
+            <a:pPr marL="457200" indent="-457200">
+              <a:spcBef>
+                <a:spcPts val="0"/>
+              </a:spcBef>
+            </a:pPr>
+            <a:endParaRPr lang="en-US" altLang="zh-CN" sz="1600" dirty="0" smtClean="0">
+              <a:latin typeface="Montserrat" panose="020B0604020202020204" charset="0"/>
+            </a:endParaRPr>
+          </a:p>
+          <a:p>
+            <a:pPr marL="457200" indent="-457200">
+              <a:spcBef>
+                <a:spcPts val="0"/>
+              </a:spcBef>
+            </a:pPr>
+            <a:r>
+              <a:rPr lang="en-US" altLang="zh-CN" sz="1600" dirty="0" smtClean="0">
+                <a:latin typeface="Montserrat" panose="020B0604020202020204" charset="0"/>
+              </a:rPr>
+              <a:t>Alignment:</a:t>
+            </a:r>
+          </a:p>
+          <a:p>
+            <a:pPr marL="457200" lvl="1" indent="-457200">
+              <a:spcBef>
+                <a:spcPts val="0"/>
+              </a:spcBef>
+            </a:pPr>
+            <a:r>
+              <a:rPr lang="en-US" altLang="zh-CN" sz="1600" dirty="0" smtClean="0">
+                <a:latin typeface="Montserrat" panose="020B0604020202020204" charset="0"/>
+              </a:rPr>
+              <a:t>The </a:t>
+            </a:r>
+            <a:r>
+              <a:rPr lang="en-US" altLang="zh-CN" sz="1600" dirty="0">
+                <a:latin typeface="Montserrat" panose="020B0604020202020204" charset="0"/>
+              </a:rPr>
+              <a:t>image region contour is warped to a </a:t>
+            </a:r>
+            <a:r>
+              <a:rPr lang="en-US" altLang="zh-CN" sz="1600" dirty="0" smtClean="0">
+                <a:latin typeface="Montserrat" panose="020B0604020202020204" charset="0"/>
+              </a:rPr>
+              <a:t>frontal-parallel view </a:t>
+            </a:r>
+            <a:r>
+              <a:rPr lang="en-US" altLang="zh-CN" sz="1600" dirty="0">
+                <a:latin typeface="Montserrat" panose="020B0604020202020204" charset="0"/>
+              </a:rPr>
+              <a:t>using the estimated plane </a:t>
+            </a:r>
+            <a:r>
+              <a:rPr lang="en-US" altLang="zh-CN" sz="1600" dirty="0" smtClean="0">
+                <a:latin typeface="Montserrat" panose="020B0604020202020204" charset="0"/>
+              </a:rPr>
+              <a:t>normal</a:t>
+            </a:r>
+          </a:p>
+          <a:p>
+            <a:pPr marL="457200" lvl="1" indent="-457200">
+              <a:spcBef>
+                <a:spcPts val="0"/>
+              </a:spcBef>
+            </a:pPr>
+            <a:r>
+              <a:rPr lang="en-US" sz="1600" dirty="0" smtClean="0">
+                <a:latin typeface="Montserrat" panose="020B0604020202020204" charset="0"/>
+              </a:rPr>
+              <a:t>A rectangle is </a:t>
+            </a:r>
+            <a:r>
+              <a:rPr lang="en-US" sz="1600" dirty="0">
+                <a:latin typeface="Montserrat" panose="020B0604020202020204" charset="0"/>
+              </a:rPr>
+              <a:t>fitted to the </a:t>
+            </a:r>
+            <a:r>
+              <a:rPr lang="en-US" sz="1600" dirty="0" smtClean="0">
+                <a:latin typeface="Montserrat" panose="020B0604020202020204" charset="0"/>
+              </a:rPr>
+              <a:t>frontal-parallel region</a:t>
+            </a:r>
+          </a:p>
+          <a:p>
+            <a:pPr marL="457200" lvl="1" indent="-457200">
+              <a:spcBef>
+                <a:spcPts val="0"/>
+              </a:spcBef>
+            </a:pPr>
+            <a:r>
+              <a:rPr lang="en-US" sz="1600" dirty="0" smtClean="0">
+                <a:latin typeface="Montserrat" panose="020B0604020202020204" charset="0"/>
+              </a:rPr>
+              <a:t>The </a:t>
+            </a:r>
+            <a:r>
+              <a:rPr lang="en-US" sz="1600" dirty="0">
+                <a:latin typeface="Montserrat" panose="020B0604020202020204" charset="0"/>
+              </a:rPr>
+              <a:t>text </a:t>
+            </a:r>
+            <a:r>
+              <a:rPr lang="en-US" sz="1600" dirty="0" smtClean="0">
+                <a:latin typeface="Montserrat" panose="020B0604020202020204" charset="0"/>
+              </a:rPr>
+              <a:t>is aligned </a:t>
+            </a:r>
+            <a:r>
+              <a:rPr lang="en-US" sz="1600" dirty="0">
+                <a:latin typeface="Montserrat" panose="020B0604020202020204" charset="0"/>
+              </a:rPr>
+              <a:t>to the larger side (“width”) of this rectangle</a:t>
+            </a:r>
+          </a:p>
+        </p:txBody>
+      </p:sp>
+      <p:pic>
+        <p:nvPicPr>
+          <p:cNvPr id="3" name="图片 2"/>
+          <p:cNvPicPr>
+            <a:picLocks noChangeAspect="1"/>
+          </p:cNvPicPr>
+          <p:nvPr/>
+        </p:nvPicPr>
+        <p:blipFill>
+          <a:blip r:embed="rId4"/>
+          <a:stretch>
+            <a:fillRect/>
+          </a:stretch>
+        </p:blipFill>
+        <p:spPr>
+          <a:xfrm>
+            <a:off x="499957" y="3473402"/>
+            <a:ext cx="1906059" cy="1612819"/>
+          </a:xfrm>
+          <a:prstGeom prst="rect">
+            <a:avLst/>
+          </a:prstGeom>
+        </p:spPr>
+      </p:pic>
+      <p:pic>
+        <p:nvPicPr>
+          <p:cNvPr id="4" name="图片 3"/>
+          <p:cNvPicPr>
+            <a:picLocks noChangeAspect="1"/>
+          </p:cNvPicPr>
+          <p:nvPr/>
+        </p:nvPicPr>
+        <p:blipFill>
+          <a:blip r:embed="rId5"/>
+          <a:stretch>
+            <a:fillRect/>
+          </a:stretch>
+        </p:blipFill>
+        <p:spPr>
+          <a:xfrm>
+            <a:off x="2603742" y="3473401"/>
+            <a:ext cx="1911114" cy="1612819"/>
+          </a:xfrm>
+          <a:prstGeom prst="rect">
+            <a:avLst/>
+          </a:prstGeom>
+        </p:spPr>
+      </p:pic>
+      <p:pic>
+        <p:nvPicPr>
+          <p:cNvPr id="5" name="图片 4"/>
+          <p:cNvPicPr>
+            <a:picLocks noChangeAspect="1"/>
+          </p:cNvPicPr>
+          <p:nvPr/>
+        </p:nvPicPr>
+        <p:blipFill>
+          <a:blip r:embed="rId6"/>
+          <a:stretch>
+            <a:fillRect/>
+          </a:stretch>
+        </p:blipFill>
+        <p:spPr>
+          <a:xfrm>
+            <a:off x="4712582" y="3473400"/>
+            <a:ext cx="1893309" cy="1612819"/>
+          </a:xfrm>
+          <a:prstGeom prst="rect">
+            <a:avLst/>
+          </a:prstGeom>
+        </p:spPr>
+      </p:pic>
+      <p:pic>
+        <p:nvPicPr>
+          <p:cNvPr id="6" name="图片 5"/>
+          <p:cNvPicPr>
+            <a:picLocks noChangeAspect="1"/>
+          </p:cNvPicPr>
+          <p:nvPr/>
+        </p:nvPicPr>
+        <p:blipFill>
+          <a:blip r:embed="rId7"/>
+          <a:stretch>
+            <a:fillRect/>
+          </a:stretch>
+        </p:blipFill>
+        <p:spPr>
+          <a:xfrm>
+            <a:off x="6803617" y="3473400"/>
+            <a:ext cx="2108840" cy="1601156"/>
+          </a:xfrm>
+          <a:prstGeom prst="rect">
+            <a:avLst/>
+          </a:prstGeom>
+        </p:spPr>
+      </p:pic>
+    </p:spTree>
+    <p:extLst>
+      <p:ext uri="{BB962C8B-B14F-4D97-AF65-F5344CB8AC3E}">
+        <p14:creationId xmlns:p14="http://schemas.microsoft.com/office/powerpoint/2010/main" val="2498403826"/>
+      </p:ext>
+    </p:extLst>
+  </p:cSld>
+  <p:clrMapOvr>
+    <a:masterClrMapping/>
+  </p:clrMapOvr>
+  <p:transition spd="slow">
+    <p:cut/>
+  </p:transition>
+  <p:timing>
+    <p:tnLst>
+      <p:par>
+        <p:cTn id="1" dur="indefinite" restart="never" nodeType="tmRoot"/>
+      </p:par>
+    </p:tnLst>
+  </p:timing>
+</p:sld>
+</file>
+
+<file path=ppt/slides/slide17.xml><?xml version="1.0" encoding="utf-8"?>
+<p:sld xmlns:a="http://schemas.openxmlformats.org/drawingml/2006/main" xmlns:r="http://schemas.openxmlformats.org/officeDocument/2006/relationships" xmlns:p="http://schemas.openxmlformats.org/presentationml/2006/main">
+  <p:cSld>
+    <p:spTree>
+      <p:nvGrpSpPr>
+        <p:cNvPr id="1" name="Shape 300"/>
+        <p:cNvGrpSpPr/>
+        <p:nvPr/>
+      </p:nvGrpSpPr>
+      <p:grpSpPr>
+        <a:xfrm>
+          <a:off x="0" y="0"/>
+          <a:ext cx="0" cy="0"/>
+          <a:chOff x="0" y="0"/>
+          <a:chExt cx="0" cy="0"/>
+        </a:xfrm>
+      </p:grpSpPr>
+      <p:pic>
+        <p:nvPicPr>
+          <p:cNvPr id="301" name="Shape 301"/>
+          <p:cNvPicPr preferRelativeResize="0"/>
+          <p:nvPr/>
+        </p:nvPicPr>
+        <p:blipFill rotWithShape="1">
+          <a:blip r:embed="rId3">
+            <a:alphaModFix amt="11000"/>
+          </a:blip>
+          <a:srcRect t="28895" b="14855"/>
+          <a:stretch/>
+        </p:blipFill>
+        <p:spPr>
+          <a:xfrm>
+            <a:off x="0" y="0"/>
+            <a:ext cx="9144000" cy="5143500"/>
+          </a:xfrm>
+          <a:prstGeom prst="rect">
+            <a:avLst/>
+          </a:prstGeom>
+          <a:gradFill>
+            <a:gsLst>
+              <a:gs pos="0">
+                <a:schemeClr val="accent1">
+                  <a:lumMod val="5000"/>
+                  <a:lumOff val="95000"/>
+                </a:schemeClr>
+              </a:gs>
+              <a:gs pos="74000">
+                <a:schemeClr val="accent1">
+                  <a:lumMod val="45000"/>
+                  <a:lumOff val="55000"/>
+                </a:schemeClr>
+              </a:gs>
+              <a:gs pos="83000">
+                <a:schemeClr val="accent1">
+                  <a:lumMod val="45000"/>
+                  <a:lumOff val="55000"/>
+                </a:schemeClr>
+              </a:gs>
+              <a:gs pos="100000">
+                <a:schemeClr val="accent1">
+                  <a:lumMod val="30000"/>
+                  <a:lumOff val="70000"/>
+                </a:schemeClr>
+              </a:gs>
+            </a:gsLst>
+            <a:lin ang="5400000" scaled="1"/>
+          </a:gradFill>
+          <a:ln>
+            <a:noFill/>
+          </a:ln>
+        </p:spPr>
+      </p:pic>
+      <p:sp>
+        <p:nvSpPr>
+          <p:cNvPr id="302" name="Shape 302"/>
+          <p:cNvSpPr txBox="1">
+            <a:spLocks noGrp="1"/>
+          </p:cNvSpPr>
+          <p:nvPr>
+            <p:ph type="ctrTitle" idx="4294967295"/>
+          </p:nvPr>
+        </p:nvSpPr>
+        <p:spPr>
+          <a:xfrm>
+            <a:off x="0" y="0"/>
+            <a:ext cx="8620050" cy="1159799"/>
+          </a:xfrm>
+          <a:prstGeom prst="rect">
+            <a:avLst/>
+          </a:prstGeom>
+          <a:noFill/>
+          <a:ln>
+            <a:noFill/>
+          </a:ln>
+        </p:spPr>
+        <p:txBody>
+          <a:bodyPr lIns="91425" tIns="91425" rIns="91425" bIns="91425" anchor="t" anchorCtr="0">
+            <a:noAutofit/>
+          </a:bodyPr>
+          <a:lstStyle/>
+          <a:p>
+            <a:pPr lvl="0"/>
+            <a:r>
+              <a:rPr lang="en-US" sz="2400" dirty="0"/>
+              <a:t>Synthetic Data for Text Localization in Natural Images</a:t>
+            </a:r>
+          </a:p>
+        </p:txBody>
+      </p:sp>
+      <p:sp>
+        <p:nvSpPr>
+          <p:cNvPr id="303" name="Shape 303"/>
+          <p:cNvSpPr txBox="1">
+            <a:spLocks noGrp="1"/>
+          </p:cNvSpPr>
+          <p:nvPr>
+            <p:ph type="subTitle" idx="4294967295"/>
+          </p:nvPr>
+        </p:nvSpPr>
+        <p:spPr>
+          <a:xfrm>
+            <a:off x="0" y="872836"/>
+            <a:ext cx="9144000" cy="4270663"/>
+          </a:xfrm>
+          <a:prstGeom prst="rect">
+            <a:avLst/>
+          </a:prstGeom>
+          <a:noFill/>
+          <a:ln>
+            <a:noFill/>
+          </a:ln>
+        </p:spPr>
+        <p:txBody>
+          <a:bodyPr lIns="91425" tIns="91425" rIns="91425" bIns="91425" anchor="t" anchorCtr="0">
+            <a:noAutofit/>
+          </a:bodyPr>
+          <a:lstStyle/>
+          <a:p>
+            <a:pPr marL="457200" indent="-457200">
+              <a:spcBef>
+                <a:spcPts val="0"/>
+              </a:spcBef>
+            </a:pPr>
+            <a:r>
+              <a:rPr lang="en-US" sz="1600" dirty="0" smtClean="0">
+                <a:latin typeface="Montserrat" panose="020B0604020202020204" charset="0"/>
+              </a:rPr>
+              <a:t>Construct </a:t>
+            </a:r>
+            <a:r>
+              <a:rPr lang="en-US" sz="1600" dirty="0">
+                <a:latin typeface="Montserrat" panose="020B0604020202020204" charset="0"/>
+              </a:rPr>
+              <a:t>a fixed field of predictors </a:t>
+            </a:r>
+            <a:r>
+              <a:rPr lang="en-US" sz="1600" dirty="0" smtClean="0">
+                <a:latin typeface="Montserrat" panose="020B0604020202020204" charset="0"/>
+              </a:rPr>
+              <a:t> (</a:t>
+            </a:r>
+            <a:r>
+              <a:rPr lang="en-US" sz="1600" dirty="0" err="1" smtClean="0">
+                <a:latin typeface="Montserrat" panose="020B0604020202020204" charset="0"/>
+              </a:rPr>
+              <a:t>c,p</a:t>
+            </a:r>
+            <a:r>
+              <a:rPr lang="en-US" sz="1600" dirty="0">
+                <a:latin typeface="Montserrat" panose="020B0604020202020204" charset="0"/>
+              </a:rPr>
+              <a:t>) </a:t>
+            </a:r>
+            <a:r>
+              <a:rPr lang="en-US" sz="1600" dirty="0" smtClean="0">
+                <a:latin typeface="Montserrat" panose="020B0604020202020204" charset="0"/>
+              </a:rPr>
+              <a:t>= </a:t>
+            </a:r>
+            <a:r>
+              <a:rPr lang="el-GR" sz="1600" dirty="0">
+                <a:latin typeface="Montserrat" panose="020B0604020202020204" charset="0"/>
+              </a:rPr>
+              <a:t>ψ</a:t>
+            </a:r>
+            <a:r>
+              <a:rPr lang="en-US" sz="1600" baseline="-25000" dirty="0" smtClean="0">
+                <a:latin typeface="Montserrat" panose="020B0604020202020204" charset="0"/>
+              </a:rPr>
+              <a:t/>
+            </a:r>
+            <a:r>
+              <a:rPr lang="en-US" sz="1600" baseline="-25000" dirty="0" err="1" smtClean="0">
+                <a:latin typeface="Montserrat" panose="020B0604020202020204" charset="0"/>
+              </a:rPr>
+              <a:t>uv</a:t>
+            </a:r>
+            <a:r>
+              <a:rPr lang="en-US" sz="1600" dirty="0" smtClean="0">
+                <a:latin typeface="Montserrat" panose="020B0604020202020204" charset="0"/>
+              </a:rPr>
+              <a:t>(x</a:t>
+            </a:r>
+            <a:r>
+              <a:rPr lang="en-US" sz="1600" dirty="0">
+                <a:latin typeface="Montserrat" panose="020B0604020202020204" charset="0"/>
+              </a:rPr>
+              <a:t>), each of which </a:t>
+            </a:r>
+            <a:r>
+              <a:rPr lang="en-US" sz="1600" dirty="0" smtClean="0">
+                <a:latin typeface="Montserrat" panose="020B0604020202020204" charset="0"/>
+              </a:rPr>
+              <a:t>specializes </a:t>
+            </a:r>
+            <a:r>
+              <a:rPr lang="en-US" sz="1600" dirty="0">
+                <a:latin typeface="Montserrat" panose="020B0604020202020204" charset="0"/>
+              </a:rPr>
+              <a:t>in predicting the presence </a:t>
+            </a:r>
+            <a:r>
+              <a:rPr lang="en-US" sz="1600" dirty="0" err="1">
+                <a:latin typeface="Montserrat" panose="020B0604020202020204" charset="0"/>
+              </a:rPr>
+              <a:t>c∈R</a:t>
+            </a:r>
+            <a:r>
+              <a:rPr lang="en-US" sz="1600" dirty="0">
+                <a:latin typeface="Montserrat" panose="020B0604020202020204" charset="0"/>
+              </a:rPr>
+              <a:t> and pose p = </a:t>
+            </a:r>
+            <a:r>
+              <a:rPr lang="en-US" sz="1600" dirty="0" smtClean="0">
+                <a:latin typeface="Montserrat" panose="020B0604020202020204" charset="0"/>
+              </a:rPr>
+              <a:t>(x</a:t>
+            </a:r>
+            <a:r>
+              <a:rPr lang="en-US" altLang="zh-CN" sz="1600" dirty="0" smtClean="0">
+                <a:latin typeface="Montserrat" panose="020B0604020202020204" charset="0"/>
+              </a:rPr>
+              <a:t>-</a:t>
+            </a:r>
+            <a:r>
+              <a:rPr lang="en-US" sz="1600" dirty="0" smtClean="0">
+                <a:latin typeface="Montserrat" panose="020B0604020202020204" charset="0"/>
+              </a:rPr>
+              <a:t>u, y</a:t>
+            </a:r>
+            <a:r>
+              <a:rPr lang="en-US" altLang="zh-CN" sz="1600" dirty="0" smtClean="0">
+                <a:latin typeface="Montserrat" panose="020B0604020202020204" charset="0"/>
+              </a:rPr>
+              <a:t>-</a:t>
+            </a:r>
+            <a:r>
+              <a:rPr lang="en-US" sz="1600" dirty="0" smtClean="0">
+                <a:latin typeface="Montserrat" panose="020B0604020202020204" charset="0"/>
+              </a:rPr>
+              <a:t>v, w, h, </a:t>
+            </a:r>
+            <a:r>
+              <a:rPr lang="en-US" sz="1600" dirty="0" err="1" smtClean="0">
+                <a:latin typeface="Montserrat" panose="020B0604020202020204" charset="0"/>
+              </a:rPr>
+              <a:t>cos</a:t>
+            </a:r>
+            <a:r>
+              <a:rPr lang="el-GR" sz="1600" dirty="0" smtClean="0">
+                <a:latin typeface="Montserrat" panose="020B0604020202020204" charset="0"/>
+              </a:rPr>
+              <a:t>θ</a:t>
+            </a:r>
+            <a:r>
+              <a:rPr lang="en-US" sz="1600" dirty="0" smtClean="0">
+                <a:latin typeface="Montserrat" panose="020B0604020202020204" charset="0"/>
+              </a:rPr>
+              <a:t>, </a:t>
+            </a:r>
+            <a:r>
+              <a:rPr lang="en-US" altLang="zh-CN" sz="1600" dirty="0" smtClean="0">
+                <a:latin typeface="Montserrat" panose="020B0604020202020204" charset="0"/>
+              </a:rPr>
+              <a:t>sin</a:t>
+            </a:r>
+            <a:r>
+              <a:rPr lang="el-GR" altLang="zh-CN" sz="1600" dirty="0" smtClean="0">
+                <a:latin typeface="Montserrat" panose="020B0604020202020204" charset="0"/>
+              </a:rPr>
+              <a:t>θ</a:t>
+            </a:r>
+            <a:r>
+              <a:rPr lang="en-US" sz="1600" dirty="0" smtClean="0">
+                <a:latin typeface="Montserrat" panose="020B0604020202020204" charset="0"/>
+              </a:rPr>
+              <a:t>) </a:t>
+            </a:r>
+            <a:r>
+              <a:rPr lang="en-US" sz="1600" dirty="0">
+                <a:latin typeface="Montserrat" panose="020B0604020202020204" charset="0"/>
+              </a:rPr>
+              <a:t>of an object </a:t>
+            </a:r>
+            <a:r>
+              <a:rPr lang="en-US" sz="1600" dirty="0" smtClean="0">
+                <a:latin typeface="Montserrat" panose="020B0604020202020204" charset="0"/>
+              </a:rPr>
+              <a:t>around a </a:t>
+            </a:r>
+            <a:r>
+              <a:rPr lang="en-US" sz="1600" dirty="0">
+                <a:latin typeface="Montserrat" panose="020B0604020202020204" charset="0"/>
+              </a:rPr>
+              <a:t>specific image location (</a:t>
+            </a:r>
+            <a:r>
+              <a:rPr lang="en-US" sz="1600" dirty="0" smtClean="0">
+                <a:latin typeface="Montserrat" panose="020B0604020202020204" charset="0"/>
+              </a:rPr>
+              <a:t>u, </a:t>
+            </a:r>
+            <a:r>
+              <a:rPr lang="en-US" sz="1600" dirty="0">
+                <a:latin typeface="Montserrat" panose="020B0604020202020204" charset="0"/>
+              </a:rPr>
+              <a:t>v</a:t>
+            </a:r>
+            <a:r>
+              <a:rPr lang="en-US" sz="1600" dirty="0" smtClean="0">
+                <a:latin typeface="Montserrat" panose="020B0604020202020204" charset="0"/>
+              </a:rPr>
+              <a:t>)</a:t>
+            </a:r>
+          </a:p>
+          <a:p>
+            <a:pPr marL="457200" indent="-457200">
+              <a:spcBef>
+                <a:spcPts val="0"/>
+              </a:spcBef>
+            </a:pPr>
+            <a:endParaRPr lang="en-US" sz="1600" dirty="0" smtClean="0">
+              <a:latin typeface="Montserrat" panose="020B0604020202020204" charset="0"/>
+            </a:endParaRPr>
+          </a:p>
+          <a:p>
+            <a:pPr marL="457200" indent="-457200">
+              <a:spcBef>
+                <a:spcPts val="0"/>
+              </a:spcBef>
+            </a:pPr>
+            <a:r>
+              <a:rPr lang="en-US" sz="1600" dirty="0">
+                <a:latin typeface="Montserrat" panose="020B0604020202020204" charset="0"/>
+              </a:rPr>
+              <a:t>In practice, for a </a:t>
+            </a:r>
+            <a:r>
+              <a:rPr lang="en-US" sz="1600" dirty="0" smtClean="0">
+                <a:latin typeface="Montserrat" panose="020B0604020202020204" charset="0"/>
+              </a:rPr>
+              <a:t>224</a:t>
+            </a:r>
+            <a:r>
+              <a:rPr lang="en-US" altLang="zh-CN" sz="1600" dirty="0" smtClean="0">
+                <a:latin typeface="Montserrat" panose="020B0604020202020204" charset="0"/>
+              </a:rPr>
+              <a:t>×</a:t>
+            </a:r>
+            <a:r>
+              <a:rPr lang="en-US" sz="1600" dirty="0" smtClean="0">
+                <a:latin typeface="Montserrat" panose="020B0604020202020204" charset="0"/>
+              </a:rPr>
+              <a:t>224 </a:t>
+            </a:r>
+            <a:r>
+              <a:rPr lang="en-US" sz="1600" dirty="0">
+                <a:latin typeface="Montserrat" panose="020B0604020202020204" charset="0"/>
+              </a:rPr>
+              <a:t>image, </a:t>
+            </a:r>
+            <a:r>
+              <a:rPr lang="en-US" sz="1600" dirty="0" smtClean="0">
+                <a:latin typeface="Montserrat" panose="020B0604020202020204" charset="0"/>
+              </a:rPr>
+              <a:t>we obtain 14</a:t>
+            </a:r>
+            <a:r>
+              <a:rPr lang="en-US" altLang="zh-CN" sz="1600" dirty="0" smtClean="0">
+                <a:latin typeface="Montserrat" panose="020B0604020202020204" charset="0"/>
+              </a:rPr>
+              <a:t>×</a:t>
+            </a:r>
+            <a:r>
+              <a:rPr lang="en-US" sz="1600" dirty="0" smtClean="0">
+                <a:latin typeface="Montserrat" panose="020B0604020202020204" charset="0"/>
+              </a:rPr>
+              <a:t>14 cells/predictors</a:t>
+            </a:r>
+            <a:r>
+              <a:rPr lang="zh-CN" altLang="en-US" sz="1600" dirty="0">
+                <a:latin typeface="Montserrat" panose="020B0604020202020204" charset="0"/>
+              </a:rPr>
+              <a:t> </a:t>
+            </a:r>
+            <a:r>
+              <a:rPr lang="en-US" altLang="zh-CN" sz="1600" dirty="0" smtClean="0">
+                <a:latin typeface="Montserrat" panose="020B0604020202020204" charset="0"/>
+              </a:rPr>
+              <a:t>(This doubles the resolution of YOLO)</a:t>
+            </a:r>
+          </a:p>
+          <a:p>
+            <a:pPr marL="457200" indent="-457200">
+              <a:spcBef>
+                <a:spcPts val="0"/>
+              </a:spcBef>
+            </a:pPr>
+            <a:endParaRPr lang="en-US" altLang="zh-CN" sz="1600" dirty="0">
+              <a:latin typeface="Montserrat" panose="020B0604020202020204" charset="0"/>
+            </a:endParaRPr>
+          </a:p>
+          <a:p>
+            <a:pPr marL="457200" indent="-457200">
+              <a:spcBef>
+                <a:spcPts val="0"/>
+              </a:spcBef>
+            </a:pPr>
+            <a:r>
+              <a:rPr lang="en-US" altLang="zh-CN" sz="1600" dirty="0">
+                <a:latin typeface="Montserrat" panose="020B0604020202020204" charset="0"/>
+              </a:rPr>
+              <a:t>Limited receptive field of our convolutional filters prohibits detection of large text instances. Hence, we get the detections at multiple down-scaled versions of the input image and merge them through </a:t>
+            </a:r>
+            <a:r>
+              <a:rPr lang="en-US" altLang="zh-CN" sz="1600" dirty="0" smtClean="0">
+                <a:latin typeface="Montserrat" panose="020B0604020202020204" charset="0"/>
+              </a:rPr>
+              <a:t>NMS</a:t>
+            </a:r>
+          </a:p>
+          <a:p>
+            <a:pPr marL="457200" lvl="1" indent="-457200">
+              <a:spcBef>
+                <a:spcPts val="0"/>
+              </a:spcBef>
+            </a:pPr>
+            <a:r>
+              <a:rPr lang="en-US" altLang="zh-CN" dirty="0" smtClean="0">
+                <a:latin typeface="Montserrat" panose="020B0604020202020204" charset="0"/>
+              </a:rPr>
+              <a:t>The </a:t>
+            </a:r>
+            <a:r>
+              <a:rPr lang="en-US" altLang="zh-CN" dirty="0">
+                <a:latin typeface="Montserrat" panose="020B0604020202020204" charset="0"/>
+              </a:rPr>
+              <a:t>resulting detections are combined </a:t>
+            </a:r>
+            <a:r>
+              <a:rPr lang="en-US" altLang="zh-CN" dirty="0" smtClean="0">
+                <a:latin typeface="Montserrat" panose="020B0604020202020204" charset="0"/>
+              </a:rPr>
+              <a:t>by suppressing </a:t>
+            </a:r>
+            <a:r>
+              <a:rPr lang="en-US" altLang="zh-CN" dirty="0">
+                <a:latin typeface="Montserrat" panose="020B0604020202020204" charset="0"/>
+              </a:rPr>
+              <a:t>those with a lower score than the score of </a:t>
+            </a:r>
+            <a:r>
+              <a:rPr lang="en-US" altLang="zh-CN" dirty="0" smtClean="0">
+                <a:latin typeface="Montserrat" panose="020B0604020202020204" charset="0"/>
+              </a:rPr>
+              <a:t>an overlapping detection</a:t>
+            </a:r>
+          </a:p>
+          <a:p>
+            <a:pPr marL="457200" indent="-457200">
+              <a:spcBef>
+                <a:spcPts val="0"/>
+              </a:spcBef>
+            </a:pPr>
+            <a:endParaRPr lang="en-US" altLang="zh-CN" sz="1600" dirty="0">
+              <a:latin typeface="Montserrat" panose="020B0604020202020204" charset="0"/>
+            </a:endParaRPr>
+          </a:p>
+          <a:p>
+            <a:pPr marL="457200" indent="-457200">
+              <a:spcBef>
+                <a:spcPts val="0"/>
+              </a:spcBef>
+            </a:pPr>
+            <a:r>
+              <a:rPr lang="en-US" altLang="zh-CN" sz="1600" dirty="0">
+                <a:latin typeface="Montserrat" panose="020B0604020202020204" charset="0"/>
+              </a:rPr>
+              <a:t>We use a squared loss term for each of </a:t>
+            </a:r>
+            <a:r>
+              <a:rPr lang="en-US" altLang="zh-CN" sz="1600" dirty="0" smtClean="0">
+                <a:latin typeface="Montserrat" panose="020B0604020202020204" charset="0"/>
+              </a:rPr>
+              <a:t>the</a:t>
+            </a:r>
+            <a:r>
+              <a:rPr lang="en-US" altLang="zh-CN" sz="1600" dirty="0">
+                <a:latin typeface="Montserrat" panose="020B0604020202020204" charset="0"/>
+              </a:rPr>
+              <a:t>7 outputs of the CNN as in </a:t>
+            </a:r>
+            <a:r>
+              <a:rPr lang="en-US" altLang="zh-CN" sz="1600" dirty="0" smtClean="0">
+                <a:latin typeface="Montserrat" panose="020B0604020202020204" charset="0"/>
+              </a:rPr>
+              <a:t>YOLO. </a:t>
+            </a:r>
+            <a:r>
+              <a:rPr lang="en-US" altLang="zh-CN" sz="1600" dirty="0">
+                <a:latin typeface="Montserrat" panose="020B0604020202020204" charset="0"/>
+              </a:rPr>
+              <a:t>If a </a:t>
+            </a:r>
+            <a:r>
+              <a:rPr lang="en-US" altLang="zh-CN" sz="1600" dirty="0" smtClean="0">
+                <a:latin typeface="Montserrat" panose="020B0604020202020204" charset="0"/>
+              </a:rPr>
+              <a:t>cell does </a:t>
+            </a:r>
+            <a:r>
+              <a:rPr lang="en-US" altLang="zh-CN" sz="1600" dirty="0">
+                <a:latin typeface="Montserrat" panose="020B0604020202020204" charset="0"/>
+              </a:rPr>
+              <a:t>not contain a ground-truth word, the loss ignores </a:t>
+            </a:r>
+            <a:r>
+              <a:rPr lang="en-US" altLang="zh-CN" sz="1600" dirty="0" smtClean="0">
+                <a:latin typeface="Montserrat" panose="020B0604020202020204" charset="0"/>
+              </a:rPr>
+              <a:t>all parameters </a:t>
+            </a:r>
+            <a:r>
+              <a:rPr lang="en-US" altLang="zh-CN" sz="1600" dirty="0">
+                <a:latin typeface="Montserrat" panose="020B0604020202020204" charset="0"/>
+              </a:rPr>
+              <a:t>but c (text/no-text)</a:t>
+            </a:r>
+          </a:p>
+          <a:p>
+            <a:pPr marL="457200" indent="-457200">
+              <a:spcBef>
+                <a:spcPts val="0"/>
+              </a:spcBef>
+            </a:pPr>
+            <a:endParaRPr lang="en-US" sz="1600" dirty="0">
+              <a:latin typeface="Montserrat" panose="020B0604020202020204" charset="0"/>
+            </a:endParaRPr>
+          </a:p>
+          <a:p>
+            <a:pPr marL="457200" indent="-457200">
+              <a:spcBef>
+                <a:spcPts val="0"/>
+              </a:spcBef>
+            </a:pPr>
+            <a:endParaRPr lang="en-US" sz="1600" dirty="0">
+              <a:latin typeface="Montserrat" panose="020B0604020202020204" charset="0"/>
+            </a:endParaRPr>
+          </a:p>
+        </p:txBody>
+      </p:sp>
+    </p:spTree>
+    <p:extLst>
+      <p:ext uri="{BB962C8B-B14F-4D97-AF65-F5344CB8AC3E}">
+        <p14:creationId xmlns:p14="http://schemas.microsoft.com/office/powerpoint/2010/main" val="4104023346"/>
+      </p:ext>
+    </p:extLst>
+  </p:cSld>
+  <p:clrMapOvr>
+    <a:masterClrMapping/>
+  </p:clrMapOvr>
+  <p:transition spd="slow">
+    <p:cut/>
+  </p:transition>
+  <p:timing>
+    <p:tnLst>
+      <p:par>
+        <p:cTn id="1" dur="indefinite" restart="never" nodeType="tmRoot"/>
+      </p:par>
+    </p:tnLst>
+  </p:timing>
+</p:sld>
+</file>
+
+<file path=ppt/slides/slide18.xml><?xml version="1.0" encoding="utf-8"?>
+<p:sld xmlns:a="http://schemas.openxmlformats.org/drawingml/2006/main" xmlns:r="http://schemas.openxmlformats.org/officeDocument/2006/relationships" xmlns:p="http://schemas.openxmlformats.org/presentationml/2006/main">
+  <p:cSld>
+    <p:spTree>
+      <p:nvGrpSpPr>
+        <p:cNvPr id="1" name="Shape 300"/>
+        <p:cNvGrpSpPr/>
+        <p:nvPr/>
+      </p:nvGrpSpPr>
+      <p:grpSpPr>
+        <a:xfrm>
+          <a:off x="0" y="0"/>
+          <a:ext cx="0" cy="0"/>
+          <a:chOff x="0" y="0"/>
+          <a:chExt cx="0" cy="0"/>
+        </a:xfrm>
+      </p:grpSpPr>
+      <p:pic>
+        <p:nvPicPr>
+          <p:cNvPr id="301" name="Shape 301"/>
+          <p:cNvPicPr preferRelativeResize="0"/>
+          <p:nvPr/>
+        </p:nvPicPr>
+        <p:blipFill rotWithShape="1">
+          <a:blip r:embed="rId3">
+            <a:alphaModFix amt="11000"/>
+          </a:blip>
+          <a:srcRect t="28895" b="14855"/>
+          <a:stretch/>
+        </p:blipFill>
+        <p:spPr>
+          <a:xfrm>
+            <a:off x="0" y="0"/>
+            <a:ext cx="9144000" cy="5143500"/>
+          </a:xfrm>
+          <a:prstGeom prst="rect">
+            <a:avLst/>
+          </a:prstGeom>
+          <a:gradFill>
+            <a:gsLst>
+              <a:gs pos="0">
+                <a:schemeClr val="accent1">
+                  <a:lumMod val="5000"/>
+                  <a:lumOff val="95000"/>
+                </a:schemeClr>
+              </a:gs>
+              <a:gs pos="74000">
+                <a:schemeClr val="accent1">
+                  <a:lumMod val="45000"/>
+                  <a:lumOff val="55000"/>
+                </a:schemeClr>
+              </a:gs>
+              <a:gs pos="83000">
+                <a:schemeClr val="accent1">
+                  <a:lumMod val="45000"/>
+                  <a:lumOff val="55000"/>
+                </a:schemeClr>
+              </a:gs>
+              <a:gs pos="100000">
+                <a:schemeClr val="accent1">
+                  <a:lumMod val="30000"/>
+                  <a:lumOff val="70000"/>
+                </a:schemeClr>
+              </a:gs>
+            </a:gsLst>
+            <a:lin ang="5400000" scaled="1"/>
+          </a:gradFill>
+          <a:ln>
+            <a:noFill/>
+          </a:ln>
+        </p:spPr>
+      </p:pic>
+      <p:sp>
+        <p:nvSpPr>
+          <p:cNvPr id="302" name="Shape 302"/>
+          <p:cNvSpPr txBox="1">
+            <a:spLocks noGrp="1"/>
+          </p:cNvSpPr>
+          <p:nvPr>
+            <p:ph type="ctrTitle" idx="4294967295"/>
+          </p:nvPr>
+        </p:nvSpPr>
+        <p:spPr>
+          <a:xfrm>
+            <a:off x="0" y="0"/>
+            <a:ext cx="8620050" cy="1159799"/>
+          </a:xfrm>
+          <a:prstGeom prst="rect">
+            <a:avLst/>
+          </a:prstGeom>
+          <a:noFill/>
+          <a:ln>
+            <a:noFill/>
+          </a:ln>
+        </p:spPr>
+        <p:txBody>
+          <a:bodyPr lIns="91425" tIns="91425" rIns="91425" bIns="91425" anchor="t" anchorCtr="0">
+            <a:noAutofit/>
+          </a:bodyPr>
+          <a:lstStyle/>
+          <a:p>
+            <a:pPr lvl="0"/>
+            <a:r>
+              <a:rPr lang="en-US" sz="2400" dirty="0"/>
+              <a:t>Synthetic Data for Text Localization in Natural Images</a:t>
+            </a:r>
+          </a:p>
+        </p:txBody>
+      </p:sp>
+      <p:sp>
+        <p:nvSpPr>
+          <p:cNvPr id="303" name="Shape 303"/>
+          <p:cNvSpPr txBox="1">
+            <a:spLocks noGrp="1"/>
+          </p:cNvSpPr>
+          <p:nvPr>
+            <p:ph type="subTitle" idx="4294967295"/>
+          </p:nvPr>
+        </p:nvSpPr>
+        <p:spPr>
+          <a:xfrm>
+            <a:off x="0" y="872836"/>
+            <a:ext cx="9144000" cy="4270663"/>
+          </a:xfrm>
+          <a:prstGeom prst="rect">
+            <a:avLst/>
+          </a:prstGeom>
+          <a:noFill/>
+          <a:ln>
+            <a:noFill/>
+          </a:ln>
+        </p:spPr>
+        <p:txBody>
+          <a:bodyPr lIns="91425" tIns="91425" rIns="91425" bIns="91425" anchor="t" anchorCtr="0">
+            <a:noAutofit/>
+          </a:bodyPr>
+          <a:lstStyle/>
+          <a:p>
+            <a:pPr marL="457200" indent="-457200">
+              <a:spcBef>
+                <a:spcPts val="0"/>
+              </a:spcBef>
+            </a:pPr>
+            <a:r>
+              <a:rPr lang="en-US" sz="1600" dirty="0" smtClean="0">
+                <a:latin typeface="Montserrat" panose="020B0604020202020204" charset="0"/>
+              </a:rPr>
+              <a:t>Result</a:t>
+            </a:r>
+          </a:p>
+          <a:p>
+            <a:pPr marL="457200" indent="-457200">
+              <a:spcBef>
+                <a:spcPts val="0"/>
+              </a:spcBef>
+            </a:pPr>
+            <a:endParaRPr lang="en-US" altLang="zh-CN" sz="1600" dirty="0">
+              <a:latin typeface="Montserrat" panose="020B0604020202020204" charset="0"/>
+            </a:endParaRPr>
+          </a:p>
+          <a:p>
+            <a:pPr marL="457200" indent="-457200">
+              <a:spcBef>
+                <a:spcPts val="0"/>
+              </a:spcBef>
+            </a:pPr>
+            <a:endParaRPr lang="en-US" altLang="zh-CN" sz="1600" dirty="0" smtClean="0">
+              <a:latin typeface="Montserrat" panose="020B0604020202020204" charset="0"/>
+            </a:endParaRPr>
+          </a:p>
+          <a:p>
+            <a:pPr marL="457200" indent="-457200">
+              <a:spcBef>
+                <a:spcPts val="0"/>
+              </a:spcBef>
+            </a:pPr>
+            <a:endParaRPr lang="en-US" altLang="zh-CN" sz="1600" dirty="0">
+              <a:latin typeface="Montserrat" panose="020B0604020202020204" charset="0"/>
+            </a:endParaRPr>
+          </a:p>
+          <a:p>
+            <a:pPr marL="457200" indent="-457200">
+              <a:spcBef>
+                <a:spcPts val="0"/>
+              </a:spcBef>
+            </a:pPr>
+            <a:endParaRPr lang="en-US" altLang="zh-CN" sz="1600" dirty="0" smtClean="0">
+              <a:latin typeface="Montserrat" panose="020B0604020202020204" charset="0"/>
+            </a:endParaRPr>
+          </a:p>
+          <a:p>
+            <a:pPr marL="457200" indent="-457200">
+              <a:spcBef>
+                <a:spcPts val="0"/>
+              </a:spcBef>
+            </a:pPr>
+            <a:endParaRPr lang="en-US" altLang="zh-CN" sz="1600" dirty="0">
+              <a:latin typeface="Montserrat" panose="020B0604020202020204" charset="0"/>
+            </a:endParaRPr>
+          </a:p>
+          <a:p>
+            <a:pPr marL="457200" indent="-457200">
+              <a:spcBef>
+                <a:spcPts val="0"/>
+              </a:spcBef>
+            </a:pPr>
+            <a:endParaRPr lang="en-US" altLang="zh-CN" sz="1600" dirty="0" smtClean="0">
+              <a:latin typeface="Montserrat" panose="020B0604020202020204" charset="0"/>
+            </a:endParaRPr>
+          </a:p>
+          <a:p>
+            <a:pPr marL="457200" indent="-457200">
+              <a:spcBef>
+                <a:spcPts val="0"/>
+              </a:spcBef>
+            </a:pPr>
+            <a:endParaRPr lang="en-US" altLang="zh-CN" sz="1600" dirty="0">
+              <a:latin typeface="Montserrat" panose="020B0604020202020204" charset="0"/>
+            </a:endParaRPr>
+          </a:p>
+          <a:p>
+            <a:pPr marL="457200" indent="-457200">
+              <a:spcBef>
+                <a:spcPts val="0"/>
+              </a:spcBef>
+            </a:pPr>
+            <a:endParaRPr lang="en-US" altLang="zh-CN" sz="1600" dirty="0" smtClean="0">
+              <a:latin typeface="Montserrat" panose="020B0604020202020204" charset="0"/>
+            </a:endParaRPr>
+          </a:p>
+          <a:p>
+            <a:pPr marL="457200" indent="-457200">
+              <a:spcBef>
+                <a:spcPts val="0"/>
+              </a:spcBef>
+            </a:pPr>
+            <a:endParaRPr lang="en-US" altLang="zh-CN" sz="1600" dirty="0">
+              <a:latin typeface="Montserrat" panose="020B0604020202020204" charset="0"/>
+            </a:endParaRPr>
+          </a:p>
+          <a:p>
+            <a:pPr marL="457200" indent="-457200">
+              <a:spcBef>
+                <a:spcPts val="0"/>
+              </a:spcBef>
+            </a:pPr>
+            <a:endParaRPr lang="en-US" altLang="zh-CN" sz="1600" dirty="0" smtClean="0">
+              <a:latin typeface="Montserrat" panose="020B0604020202020204" charset="0"/>
+            </a:endParaRPr>
+          </a:p>
+          <a:p>
+            <a:pPr marL="457200" indent="-457200">
+              <a:spcBef>
+                <a:spcPts val="0"/>
+              </a:spcBef>
+            </a:pPr>
+            <a:r>
+              <a:rPr lang="en-US" altLang="zh-CN" sz="1600" dirty="0" smtClean="0">
+                <a:latin typeface="Montserrat" panose="020B0604020202020204" charset="0"/>
+              </a:rPr>
+              <a:t>Single-scale</a:t>
+            </a:r>
+          </a:p>
+          <a:p>
+            <a:pPr marL="457200" indent="-457200">
+              <a:spcBef>
+                <a:spcPts val="0"/>
+              </a:spcBef>
+            </a:pPr>
+            <a:r>
+              <a:rPr lang="en-US" altLang="zh-CN" sz="1600" dirty="0" smtClean="0">
+                <a:latin typeface="Montserrat" panose="020B0604020202020204" charset="0"/>
+              </a:rPr>
+              <a:t>Multi-scale</a:t>
+            </a:r>
+          </a:p>
+          <a:p>
+            <a:pPr marL="457200" indent="-457200">
+              <a:spcBef>
+                <a:spcPts val="0"/>
+              </a:spcBef>
+            </a:pPr>
+            <a:r>
+              <a:rPr lang="en-US" altLang="zh-CN" sz="1600" dirty="0" smtClean="0">
+                <a:latin typeface="Montserrat" panose="020B0604020202020204" charset="0"/>
+              </a:rPr>
+              <a:t>Multi-scale + Post-filtering</a:t>
+            </a:r>
+          </a:p>
+          <a:p>
+            <a:pPr marL="457200" indent="-457200">
+              <a:spcBef>
+                <a:spcPts val="0"/>
+              </a:spcBef>
+            </a:pPr>
+            <a:r>
+              <a:rPr lang="en-US" altLang="zh-CN" sz="1600" dirty="0">
+                <a:latin typeface="Montserrat" panose="020B0604020202020204" charset="0"/>
+              </a:rPr>
+              <a:t>Multi-scale + </a:t>
+            </a:r>
+            <a:r>
+              <a:rPr lang="en-US" altLang="zh-CN" sz="1600" dirty="0" smtClean="0">
+                <a:latin typeface="Montserrat" panose="020B0604020202020204" charset="0"/>
+              </a:rPr>
+              <a:t>Post-filtering + low recall</a:t>
+            </a:r>
+            <a:endParaRPr lang="en-US" altLang="zh-CN" sz="1600" dirty="0">
+              <a:latin typeface="Montserrat" panose="020B0604020202020204" charset="0"/>
+            </a:endParaRPr>
+          </a:p>
+          <a:p>
+            <a:pPr marL="457200" indent="-457200">
+              <a:spcBef>
+                <a:spcPts val="0"/>
+              </a:spcBef>
+            </a:pPr>
+            <a:r>
+              <a:rPr lang="en-US" altLang="zh-CN" sz="1600" dirty="0" smtClean="0">
+                <a:latin typeface="Montserrat" panose="020B0604020202020204" charset="0"/>
+              </a:rPr>
+              <a:t>The result is not ideal if not adopting post processing</a:t>
+            </a:r>
+            <a:endParaRPr lang="en-US" altLang="zh-CN" sz="1600" dirty="0">
+              <a:latin typeface="Montserrat" panose="020B0604020202020204" charset="0"/>
+            </a:endParaRPr>
+          </a:p>
+          <a:p>
+            <a:pPr marL="457200" indent="-457200">
+              <a:spcBef>
+                <a:spcPts val="0"/>
+              </a:spcBef>
+            </a:pPr>
+            <a:endParaRPr lang="en-US" sz="1600" dirty="0">
+              <a:latin typeface="Montserrat" panose="020B0604020202020204" charset="0"/>
+            </a:endParaRPr>
+          </a:p>
+          <a:p>
+            <a:pPr marL="457200" indent="-457200">
+              <a:spcBef>
+                <a:spcPts val="0"/>
+              </a:spcBef>
+            </a:pPr>
+            <a:endParaRPr lang="en-US" sz="1600" dirty="0">
+              <a:latin typeface="Montserrat" panose="020B0604020202020204" charset="0"/>
+            </a:endParaRPr>
+          </a:p>
+        </p:txBody>
+      </p:sp>
+      <p:pic>
+        <p:nvPicPr>
+          <p:cNvPr id="2" name="图片 1"/>
+          <p:cNvPicPr>
+            <a:picLocks noChangeAspect="1"/>
+          </p:cNvPicPr>
+          <p:nvPr/>
+        </p:nvPicPr>
+        <p:blipFill>
+          <a:blip r:embed="rId4"/>
+          <a:stretch>
+            <a:fillRect/>
+          </a:stretch>
+        </p:blipFill>
+        <p:spPr>
+          <a:xfrm>
+            <a:off x="588873" y="1226898"/>
+            <a:ext cx="7966253" cy="2369664"/>
+          </a:xfrm>
+          <a:prstGeom prst="rect">
+            <a:avLst/>
+          </a:prstGeom>
+        </p:spPr>
+      </p:pic>
+    </p:spTree>
+    <p:extLst>
+      <p:ext uri="{BB962C8B-B14F-4D97-AF65-F5344CB8AC3E}">
+        <p14:creationId xmlns:p14="http://schemas.microsoft.com/office/powerpoint/2010/main" val="2321788479"/>
+      </p:ext>
+    </p:extLst>
+  </p:cSld>
+  <p:clrMapOvr>
+    <a:masterClrMapping/>
+  </p:clrMapOvr>
+  <p:transition spd="slow">
+    <p:cut/>
+  </p:transition>
+  <p:timing>
+    <p:tnLst>
+      <p:par>
+        <p:cTn id="1" dur="indefinite" restart="never" nodeType="tmRoot"/>
+      </p:par>
+    </p:tnLst>
+  </p:timing>
+</p:sld>
+</file>
+
+<file path=ppt/slides/slide19.xml><?xml version="1.0" encoding="utf-8"?>
+<p:sld xmlns:a="http://schemas.openxmlformats.org/drawingml/2006/main" xmlns:r="http://schemas.openxmlformats.org/officeDocument/2006/relationships" xmlns:p="http://schemas.openxmlformats.org/presentationml/2006/main">
+  <p:cSld>
+    <p:spTree>
+      <p:nvGrpSpPr>
+        <p:cNvPr id="1" name="Shape 300"/>
+        <p:cNvGrpSpPr/>
+        <p:nvPr/>
+      </p:nvGrpSpPr>
+      <p:grpSpPr>
+        <a:xfrm>
+          <a:off x="0" y="0"/>
+          <a:ext cx="0" cy="0"/>
+          <a:chOff x="0" y="0"/>
+          <a:chExt cx="0" cy="0"/>
+        </a:xfrm>
+      </p:grpSpPr>
+      <p:pic>
+        <p:nvPicPr>
+          <p:cNvPr id="301" name="Shape 301"/>
+          <p:cNvPicPr preferRelativeResize="0"/>
+          <p:nvPr/>
+        </p:nvPicPr>
+        <p:blipFill rotWithShape="1">
+          <a:blip r:embed="rId3">
+            <a:alphaModFix amt="11000"/>
+          </a:blip>
+          <a:srcRect t="28895" b="14855"/>
+          <a:stretch/>
+        </p:blipFill>
+        <p:spPr>
+          <a:xfrm>
+            <a:off x="0" y="0"/>
+            <a:ext cx="9144000" cy="5143500"/>
+          </a:xfrm>
+          <a:prstGeom prst="rect">
+            <a:avLst/>
+          </a:prstGeom>
+          <a:gradFill>
+            <a:gsLst>
+              <a:gs pos="0">
+                <a:schemeClr val="accent1">
+                  <a:lumMod val="5000"/>
+                  <a:lumOff val="95000"/>
+                </a:schemeClr>
+              </a:gs>
+              <a:gs pos="74000">
+                <a:schemeClr val="accent1">
+                  <a:lumMod val="45000"/>
+                  <a:lumOff val="55000"/>
+                </a:schemeClr>
+              </a:gs>
+              <a:gs pos="83000">
+                <a:schemeClr val="accent1">
+                  <a:lumMod val="45000"/>
+                  <a:lumOff val="55000"/>
+                </a:schemeClr>
+              </a:gs>
+              <a:gs pos="100000">
+                <a:schemeClr val="accent1">
+                  <a:lumMod val="30000"/>
+                  <a:lumOff val="70000"/>
+                </a:schemeClr>
+              </a:gs>
+            </a:gsLst>
+            <a:lin ang="5400000" scaled="1"/>
+          </a:gradFill>
+          <a:ln>
+            <a:noFill/>
+          </a:ln>
+        </p:spPr>
+      </p:pic>
+      <p:sp>
+        <p:nvSpPr>
+          <p:cNvPr id="302" name="Shape 302"/>
+          <p:cNvSpPr txBox="1">
+            <a:spLocks noGrp="1"/>
+          </p:cNvSpPr>
+          <p:nvPr>
+            <p:ph type="ctrTitle" idx="4294967295"/>
+          </p:nvPr>
+        </p:nvSpPr>
+        <p:spPr>
+          <a:xfrm>
+            <a:off x="0" y="0"/>
+            <a:ext cx="8620050" cy="1159799"/>
+          </a:xfrm>
+          <a:prstGeom prst="rect">
+            <a:avLst/>
+          </a:prstGeom>
+          <a:noFill/>
+          <a:ln>
+            <a:noFill/>
+          </a:ln>
+        </p:spPr>
+        <p:txBody>
+          <a:bodyPr lIns="91425" tIns="91425" rIns="91425" bIns="91425" anchor="t" anchorCtr="0">
+            <a:noAutofit/>
+          </a:bodyPr>
+          <a:lstStyle/>
+          <a:p>
+            <a:pPr lvl="0"/>
+            <a:r>
+              <a:rPr lang="en-US" sz="2400" dirty="0"/>
+              <a:t>Synthetic Data for Text Localization in Natural Images</a:t>
+            </a:r>
+          </a:p>
+        </p:txBody>
+      </p:sp>
+      <p:sp>
+        <p:nvSpPr>
+          <p:cNvPr id="303" name="Shape 303"/>
+          <p:cNvSpPr txBox="1">
+            <a:spLocks noGrp="1"/>
+          </p:cNvSpPr>
+          <p:nvPr>
+            <p:ph type="subTitle" idx="4294967295"/>
+          </p:nvPr>
+        </p:nvSpPr>
+        <p:spPr>
+          <a:xfrm>
+            <a:off x="0" y="872836"/>
+            <a:ext cx="9144000" cy="4270663"/>
+          </a:xfrm>
+          <a:prstGeom prst="rect">
+            <a:avLst/>
+          </a:prstGeom>
+          <a:noFill/>
+          <a:ln>
+            <a:noFill/>
+          </a:ln>
+        </p:spPr>
+        <p:txBody>
+          <a:bodyPr lIns="91425" tIns="91425" rIns="91425" bIns="91425" anchor="t" anchorCtr="0">
+            <a:noAutofit/>
+          </a:bodyPr>
+          <a:lstStyle/>
+          <a:p>
+            <a:pPr marL="457200" indent="-457200">
+              <a:spcBef>
+                <a:spcPts val="0"/>
+              </a:spcBef>
+            </a:pPr>
+            <a:r>
+              <a:rPr lang="en-US" altLang="zh-CN" sz="1600" dirty="0" smtClean="0">
+                <a:latin typeface="Montserrat" panose="020B0604020202020204" charset="0"/>
+              </a:rPr>
+              <a:t>Generate synthetic data through an elegant way instead of adopting 3D engine</a:t>
+            </a:r>
+          </a:p>
+          <a:p>
+            <a:pPr marL="457200" indent="-457200">
+              <a:spcBef>
+                <a:spcPts val="0"/>
+              </a:spcBef>
+            </a:pPr>
+            <a:endParaRPr lang="en-US" altLang="zh-CN" sz="1600" dirty="0" smtClean="0">
+              <a:latin typeface="Montserrat" panose="020B0604020202020204" charset="0"/>
+            </a:endParaRPr>
+          </a:p>
+          <a:p>
+            <a:pPr marL="457200" indent="-457200">
+              <a:spcBef>
+                <a:spcPts val="0"/>
+              </a:spcBef>
+            </a:pPr>
+            <a:r>
+              <a:rPr lang="en-US" altLang="zh-CN" sz="1600" dirty="0" smtClean="0">
+                <a:latin typeface="Montserrat" panose="020B0604020202020204" charset="0"/>
+              </a:rPr>
+              <a:t>To detect text, seeing too much context may not be useful, in this paper, the author use a much smaller model rather than the popularized VGG-16</a:t>
+            </a:r>
+          </a:p>
+          <a:p>
+            <a:pPr marL="457200" indent="-457200">
+              <a:spcBef>
+                <a:spcPts val="0"/>
+              </a:spcBef>
+            </a:pPr>
+            <a:endParaRPr lang="en-US" altLang="zh-CN" sz="1600" dirty="0" smtClean="0">
+              <a:latin typeface="Montserrat" panose="020B0604020202020204" charset="0"/>
+            </a:endParaRPr>
+          </a:p>
+          <a:p>
+            <a:pPr marL="457200" indent="-457200">
+              <a:spcBef>
+                <a:spcPts val="0"/>
+              </a:spcBef>
+            </a:pPr>
+            <a:r>
+              <a:rPr lang="en-US" altLang="zh-CN" sz="1600" dirty="0" smtClean="0">
+                <a:latin typeface="Montserrat" panose="020B0604020202020204" charset="0"/>
+              </a:rPr>
+              <a:t>Multi-scale fusing is an essential step for text detection</a:t>
+            </a:r>
+            <a:endParaRPr lang="en-US" altLang="zh-CN" sz="1600" dirty="0">
+              <a:latin typeface="Montserrat" panose="020B0604020202020204" charset="0"/>
+            </a:endParaRPr>
+          </a:p>
+          <a:p>
+            <a:pPr marL="457200" indent="-457200">
+              <a:spcBef>
+                <a:spcPts val="0"/>
+              </a:spcBef>
+            </a:pPr>
+            <a:endParaRPr lang="en-US" sz="1600" dirty="0">
+              <a:latin typeface="Montserrat" panose="020B0604020202020204" charset="0"/>
+            </a:endParaRPr>
+          </a:p>
+          <a:p>
+            <a:pPr marL="457200" indent="-457200">
+              <a:spcBef>
+                <a:spcPts val="0"/>
+              </a:spcBef>
+            </a:pPr>
+            <a:r>
+              <a:rPr lang="en-US" sz="1600" dirty="0" smtClean="0">
+                <a:latin typeface="Montserrat" panose="020B0604020202020204" charset="0"/>
+              </a:rPr>
+              <a:t>The text line aspect ratio varies a lot, detect the whole text line may not be a wise choice</a:t>
+            </a:r>
+          </a:p>
+          <a:p>
+            <a:pPr marL="457200" indent="-457200">
+              <a:spcBef>
+                <a:spcPts val="0"/>
+              </a:spcBef>
+            </a:pPr>
+            <a:endParaRPr lang="en-US" sz="1600" dirty="0">
+              <a:latin typeface="Montserrat" panose="020B0604020202020204" charset="0"/>
+            </a:endParaRPr>
+          </a:p>
+          <a:p>
+            <a:pPr marL="457200" indent="-457200">
+              <a:spcBef>
+                <a:spcPts val="0"/>
+              </a:spcBef>
+            </a:pPr>
+            <a:r>
+              <a:rPr lang="en-US" sz="1600" dirty="0" smtClean="0">
+                <a:latin typeface="Montserrat" panose="020B0604020202020204" charset="0"/>
+              </a:rPr>
+              <a:t>The raw results without post process are actually not ideal in this paper</a:t>
+            </a:r>
+          </a:p>
+          <a:p>
+            <a:pPr marL="457200" indent="-457200">
+              <a:spcBef>
+                <a:spcPts val="0"/>
+              </a:spcBef>
+            </a:pPr>
+            <a:endParaRPr lang="en-US" sz="1600" dirty="0">
+              <a:latin typeface="Montserrat" panose="020B0604020202020204" charset="0"/>
+            </a:endParaRPr>
+          </a:p>
+          <a:p>
+            <a:pPr marL="457200" indent="-457200">
+              <a:spcBef>
+                <a:spcPts val="0"/>
+              </a:spcBef>
+            </a:pPr>
+            <a:r>
+              <a:rPr lang="en-US" sz="1600" dirty="0" smtClean="0">
+                <a:latin typeface="Montserrat" panose="020B0604020202020204" charset="0"/>
+              </a:rPr>
+              <a:t>Most work on text detection still focuses on origin FCN and this structure hinders more delicate processing like </a:t>
+            </a:r>
+            <a:r>
+              <a:rPr lang="en-US" sz="1600" dirty="0" err="1" smtClean="0">
+                <a:latin typeface="Montserrat" panose="020B0604020202020204" charset="0"/>
+              </a:rPr>
+              <a:t>Densebox</a:t>
+            </a:r>
+            <a:r>
+              <a:rPr lang="en-US" sz="1600" dirty="0" smtClean="0">
+                <a:latin typeface="Montserrat" panose="020B0604020202020204" charset="0"/>
+              </a:rPr>
+              <a:t>, YOLO and FCRN</a:t>
+            </a:r>
+            <a:endParaRPr lang="en-US" sz="1600" dirty="0">
+              <a:latin typeface="Montserrat" panose="020B0604020202020204" charset="0"/>
+            </a:endParaRPr>
+          </a:p>
+        </p:txBody>
+      </p:sp>
+    </p:spTree>
+    <p:extLst>
+      <p:ext uri="{BB962C8B-B14F-4D97-AF65-F5344CB8AC3E}">
+        <p14:creationId xmlns:p14="http://schemas.microsoft.com/office/powerpoint/2010/main" val="587446059"/>
+      </p:ext>
+    </p:extLst>
   </p:cSld>
   <p:clrMapOvr>
     <a:masterClrMapping/>
@@ -4607,16 +9722,10 @@
               </a:spcBef>
             </a:pPr>
             <a:r>
-              <a:rPr lang="en" sz="3200" dirty="0" smtClean="0">
-                <a:latin typeface="Montserrat" panose="020B0604020202020204" charset="0"/>
-              </a:rPr>
-              <a:t>Review of </a:t>
-            </a:r>
-            <a:r>
-              <a:rPr lang="en" sz="3200" dirty="0" smtClean="0">
-                <a:latin typeface="Montserrat" panose="020B0604020202020204" charset="0"/>
-              </a:rPr>
-              <a:t>my previous reports</a:t>
+              <a:rPr lang="en" altLang="zh-CN" sz="3200" dirty="0">
+                <a:latin typeface="Montserrat" panose="020B0604020202020204" charset="0"/>
+              </a:rPr>
+              <a:t>Review of my previous reports</a:t>
             </a:r>
           </a:p>
           <a:p>
@@ -4626,11 +9735,27 @@
               </a:spcBef>
             </a:pPr>
             <a:r>
-              <a:rPr lang="en" altLang="zh-CN" sz="3200" dirty="0" smtClean="0">
-                <a:latin typeface="Montserrat" panose="020B0604020202020204" charset="0"/>
-              </a:rPr>
-              <a:t>Y(ou)O(nly)L(ook)O(nce)</a:t>
-            </a:r>
+              <a:rPr lang="en-US" altLang="zh-CN" sz="3200" dirty="0">
+                <a:latin typeface="Montserrat" panose="020B0604020202020204" charset="0"/>
+              </a:rPr>
+              <a:t>You Only Look Once: Unified, Real-Time Object Detection</a:t>
+            </a:r>
+          </a:p>
+          <a:p>
+            <a:pPr marL="457200" indent="-457200">
+              <a:spcBef>
+                <a:spcPts val="0"/>
+              </a:spcBef>
+            </a:pPr>
+            <a:r>
+              <a:rPr lang="en-US" altLang="zh-CN" sz="3200" dirty="0">
+                <a:latin typeface="Montserrat" panose="020B0604020202020204" charset="0"/>
+              </a:rPr>
+              <a:t>Synthetic Data for Text Localization in Natural Images</a:t>
+            </a:r>
+            <a:endParaRPr lang="en" altLang="zh-CN" sz="3200" dirty="0">
+              <a:latin typeface="Montserrat" panose="020B0604020202020204" charset="0"/>
+            </a:endParaRPr>
           </a:p>
           <a:p>
             <a:pPr marL="457200" indent="-457200">
@@ -4671,6 +9796,1250 @@
         <p14:creationId xmlns:p14="http://schemas.microsoft.com/office/powerpoint/2010/main" val="482088468"/>
       </p:ext>
     </p:extLst>
+  </p:cSld>
+  <p:clrMapOvr>
+    <a:masterClrMapping/>
+  </p:clrMapOvr>
+  <p:transition spd="slow">
+    <p:cut/>
+  </p:transition>
+  <p:timing>
+    <p:tnLst>
+      <p:par>
+        <p:cTn id="1" dur="indefinite" restart="never" nodeType="tmRoot"/>
+      </p:par>
+    </p:tnLst>
+  </p:timing>
+</p:sld>
+</file>
+
+<file path=ppt/slides/slide20.xml><?xml version="1.0" encoding="utf-8"?>
+<p:sld xmlns:a="http://schemas.openxmlformats.org/drawingml/2006/main" xmlns:r="http://schemas.openxmlformats.org/officeDocument/2006/relationships" xmlns:p="http://schemas.openxmlformats.org/presentationml/2006/main">
+  <p:cSld>
+    <p:bg>
+      <p:bgPr>
+        <a:solidFill>
+          <a:srgbClr val="182A2E"/>
+        </a:solidFill>
+        <a:effectLst/>
+      </p:bgPr>
+    </p:bg>
+    <p:spTree>
+      <p:nvGrpSpPr>
+        <p:cNvPr id="1" name="Shape 300"/>
+        <p:cNvGrpSpPr/>
+        <p:nvPr/>
+      </p:nvGrpSpPr>
+      <p:grpSpPr>
+        <a:xfrm>
+          <a:off x="0" y="0"/>
+          <a:ext cx="0" cy="0"/>
+          <a:chOff x="0" y="0"/>
+          <a:chExt cx="0" cy="0"/>
+        </a:xfrm>
+      </p:grpSpPr>
+      <p:pic>
+        <p:nvPicPr>
+          <p:cNvPr id="301" name="Shape 301"/>
+          <p:cNvPicPr preferRelativeResize="0"/>
+          <p:nvPr/>
+        </p:nvPicPr>
+        <p:blipFill rotWithShape="1">
+          <a:blip r:embed="rId3">
+            <a:alphaModFix amt="11000"/>
+          </a:blip>
+          <a:srcRect t="28895" b="14855"/>
+          <a:stretch/>
+        </p:blipFill>
+        <p:spPr>
+          <a:xfrm>
+            <a:off x="0" y="0"/>
+            <a:ext cx="9144000" cy="5143500"/>
+          </a:xfrm>
+          <a:prstGeom prst="rect">
+            <a:avLst/>
+          </a:prstGeom>
+          <a:gradFill>
+            <a:gsLst>
+              <a:gs pos="0">
+                <a:schemeClr val="accent1">
+                  <a:lumMod val="5000"/>
+                  <a:lumOff val="95000"/>
+                </a:schemeClr>
+              </a:gs>
+              <a:gs pos="74000">
+                <a:schemeClr val="accent1">
+                  <a:lumMod val="45000"/>
+                  <a:lumOff val="55000"/>
+                </a:schemeClr>
+              </a:gs>
+              <a:gs pos="83000">
+                <a:schemeClr val="accent1">
+                  <a:lumMod val="45000"/>
+                  <a:lumOff val="55000"/>
+                </a:schemeClr>
+              </a:gs>
+              <a:gs pos="100000">
+                <a:schemeClr val="accent1">
+                  <a:lumMod val="30000"/>
+                  <a:lumOff val="70000"/>
+                </a:schemeClr>
+              </a:gs>
+            </a:gsLst>
+            <a:lin ang="5400000" scaled="1"/>
+          </a:gradFill>
+          <a:ln>
+            <a:noFill/>
+          </a:ln>
+        </p:spPr>
+      </p:pic>
+      <p:sp>
+        <p:nvSpPr>
+          <p:cNvPr id="302" name="Shape 302"/>
+          <p:cNvSpPr txBox="1">
+            <a:spLocks noGrp="1"/>
+          </p:cNvSpPr>
+          <p:nvPr>
+            <p:ph type="ctrTitle" idx="4294967295"/>
+          </p:nvPr>
+        </p:nvSpPr>
+        <p:spPr>
+          <a:xfrm>
+            <a:off x="-153470" y="821350"/>
+            <a:ext cx="9020100" cy="1159799"/>
+          </a:xfrm>
+          <a:prstGeom prst="rect">
+            <a:avLst/>
+          </a:prstGeom>
+          <a:noFill/>
+          <a:ln>
+            <a:noFill/>
+          </a:ln>
+        </p:spPr>
+        <p:txBody>
+          <a:bodyPr lIns="91425" tIns="91425" rIns="91425" bIns="91425" anchor="t" anchorCtr="0">
+            <a:noAutofit/>
+          </a:bodyPr>
+          <a:lstStyle/>
+          <a:p>
+            <a:pPr lvl="0" rtl="0">
+              <a:spcBef>
+                <a:spcPts val="0"/>
+              </a:spcBef>
+              <a:buNone/>
+            </a:pPr>
+            <a:r>
+              <a:rPr lang="en" sz="15000" dirty="0" smtClean="0"/>
+              <a:t>THANKS</a:t>
+            </a:r>
+            <a:r>
+              <a:rPr lang="en" sz="15000" dirty="0"/>
+              <a:t>!</a:t>
+            </a:r>
+          </a:p>
+        </p:txBody>
+      </p:sp>
+      <p:sp>
+        <p:nvSpPr>
+          <p:cNvPr id="303" name="Shape 303"/>
+          <p:cNvSpPr txBox="1">
+            <a:spLocks noGrp="1"/>
+          </p:cNvSpPr>
+          <p:nvPr>
+            <p:ph type="subTitle" idx="4294967295"/>
+          </p:nvPr>
+        </p:nvSpPr>
+        <p:spPr>
+          <a:xfrm>
+            <a:off x="866775" y="2990850"/>
+            <a:ext cx="6412799" cy="1723500"/>
+          </a:xfrm>
+          <a:prstGeom prst="rect">
+            <a:avLst/>
+          </a:prstGeom>
+          <a:noFill/>
+          <a:ln>
+            <a:noFill/>
+          </a:ln>
+        </p:spPr>
+        <p:txBody>
+          <a:bodyPr lIns="91425" tIns="91425" rIns="91425" bIns="91425" anchor="t" anchorCtr="0">
+            <a:noAutofit/>
+          </a:bodyPr>
+          <a:lstStyle/>
+          <a:p>
+            <a:pPr lvl="0" rtl="0">
+              <a:spcBef>
+                <a:spcPts val="0"/>
+              </a:spcBef>
+              <a:buNone/>
+            </a:pPr>
+            <a:r>
+              <a:rPr lang="en" sz="3600" b="1" dirty="0"/>
+              <a:t>Any questions</a:t>
+            </a:r>
+            <a:r>
+              <a:rPr lang="en" sz="3600" b="1" dirty="0" smtClean="0"/>
+              <a:t>?</a:t>
+            </a:r>
+            <a:endParaRPr lang="en" sz="3600" b="1" dirty="0"/>
+          </a:p>
+        </p:txBody>
+      </p:sp>
+      <p:grpSp>
+        <p:nvGrpSpPr>
+          <p:cNvPr id="5" name="Shape 758"/>
+          <p:cNvGrpSpPr/>
+          <p:nvPr/>
+        </p:nvGrpSpPr>
+        <p:grpSpPr>
+          <a:xfrm>
+            <a:off x="473482" y="357744"/>
+            <a:ext cx="433992" cy="422729"/>
+            <a:chOff x="5916675" y="927975"/>
+            <a:chExt cx="516350" cy="502950"/>
+          </a:xfrm>
+        </p:grpSpPr>
+        <p:sp>
+          <p:nvSpPr>
+            <p:cNvPr id="6" name="Shape 759"/>
+            <p:cNvSpPr/>
+            <p:nvPr/>
+          </p:nvSpPr>
+          <p:spPr>
+            <a:xfrm>
+              <a:off x="5916675" y="927975"/>
+              <a:ext cx="516350" cy="502950"/>
+            </a:xfrm>
+            <a:custGeom>
+              <a:avLst/>
+              <a:gdLst/>
+              <a:ahLst/>
+              <a:cxnLst/>
+              <a:rect l="0" t="0" r="0" b="0"/>
+              <a:pathLst>
+                <a:path w="20654" h="20118" fill="none" extrusionOk="0">
+                  <a:moveTo>
+                    <a:pt x="20654" y="10059"/>
+                  </a:moveTo>
+                  <a:lnTo>
+                    <a:pt x="18486" y="8183"/>
+                  </a:lnTo>
+                  <a:lnTo>
+                    <a:pt x="19631" y="5577"/>
+                  </a:lnTo>
+                  <a:lnTo>
+                    <a:pt x="16879" y="4847"/>
+                  </a:lnTo>
+                  <a:lnTo>
+                    <a:pt x="16757" y="1997"/>
+                  </a:lnTo>
+                  <a:lnTo>
+                    <a:pt x="13956" y="2509"/>
+                  </a:lnTo>
+                  <a:lnTo>
+                    <a:pt x="12616" y="0"/>
+                  </a:lnTo>
+                  <a:lnTo>
+                    <a:pt x="10327" y="1681"/>
+                  </a:lnTo>
+                  <a:lnTo>
+                    <a:pt x="8038" y="0"/>
+                  </a:lnTo>
+                  <a:lnTo>
+                    <a:pt x="6698" y="2509"/>
+                  </a:lnTo>
+                  <a:lnTo>
+                    <a:pt x="3897" y="1997"/>
+                  </a:lnTo>
+                  <a:lnTo>
+                    <a:pt x="3776" y="4847"/>
+                  </a:lnTo>
+                  <a:lnTo>
+                    <a:pt x="1023" y="5577"/>
+                  </a:lnTo>
+                  <a:lnTo>
+                    <a:pt x="2168" y="8183"/>
+                  </a:lnTo>
+                  <a:lnTo>
+                    <a:pt x="1" y="10059"/>
+                  </a:lnTo>
+                  <a:lnTo>
+                    <a:pt x="2168" y="11934"/>
+                  </a:lnTo>
+                  <a:lnTo>
+                    <a:pt x="1023" y="14540"/>
+                  </a:lnTo>
+                  <a:lnTo>
+                    <a:pt x="3776" y="15271"/>
+                  </a:lnTo>
+                  <a:lnTo>
+                    <a:pt x="3897" y="18120"/>
+                  </a:lnTo>
+                  <a:lnTo>
+                    <a:pt x="6698" y="17609"/>
+                  </a:lnTo>
+                  <a:lnTo>
+                    <a:pt x="8038" y="20117"/>
+                  </a:lnTo>
+                  <a:lnTo>
+                    <a:pt x="10327" y="18437"/>
+                  </a:lnTo>
+                  <a:lnTo>
+                    <a:pt x="12616" y="20117"/>
+                  </a:lnTo>
+                  <a:lnTo>
+                    <a:pt x="13956" y="17609"/>
+                  </a:lnTo>
+                  <a:lnTo>
+                    <a:pt x="16757" y="18120"/>
+                  </a:lnTo>
+                  <a:lnTo>
+                    <a:pt x="16879" y="15271"/>
+                  </a:lnTo>
+                  <a:lnTo>
+                    <a:pt x="19631" y="14540"/>
+                  </a:lnTo>
+                  <a:lnTo>
+                    <a:pt x="18486" y="11934"/>
+                  </a:lnTo>
+                  <a:lnTo>
+                    <a:pt x="20654" y="10059"/>
+                  </a:lnTo>
+                  <a:close/>
+                </a:path>
+              </a:pathLst>
+            </a:custGeom>
+            <a:noFill/>
+            <a:ln w="38100" cap="rnd" cmpd="sng">
+              <a:solidFill>
+                <a:srgbClr val="FFFF00"/>
+              </a:solidFill>
+              <a:prstDash val="solid"/>
+              <a:round/>
+              <a:headEnd type="none" w="med" len="med"/>
+              <a:tailEnd type="none" w="med" len="med"/>
+            </a:ln>
+          </p:spPr>
+          <p:txBody>
+            <a:bodyPr lIns="91425" tIns="91425" rIns="91425" bIns="91425" anchor="ctr" anchorCtr="0">
+              <a:noAutofit/>
+            </a:bodyPr>
+            <a:lstStyle/>
+            <a:p>
+              <a:pPr lvl="0">
+                <a:spcBef>
+                  <a:spcPts val="0"/>
+                </a:spcBef>
+                <a:buNone/>
+              </a:pPr>
+              <a:endParaRPr/>
+            </a:p>
+          </p:txBody>
+        </p:sp>
+        <p:sp>
+          <p:nvSpPr>
+            <p:cNvPr id="7" name="Shape 760"/>
+            <p:cNvSpPr/>
+            <p:nvPr/>
+          </p:nvSpPr>
+          <p:spPr>
+            <a:xfrm>
+              <a:off x="6006800" y="1011375"/>
+              <a:ext cx="336125" cy="336125"/>
+            </a:xfrm>
+            <a:custGeom>
+              <a:avLst/>
+              <a:gdLst/>
+              <a:ahLst/>
+              <a:cxnLst/>
+              <a:rect l="0" t="0" r="0" b="0"/>
+              <a:pathLst>
+                <a:path w="13445" h="13445" fill="none" extrusionOk="0">
+                  <a:moveTo>
+                    <a:pt x="6722" y="13445"/>
+                  </a:moveTo>
+                  <a:lnTo>
+                    <a:pt x="6722" y="13445"/>
+                  </a:lnTo>
+                  <a:lnTo>
+                    <a:pt x="6381" y="13420"/>
+                  </a:lnTo>
+                  <a:lnTo>
+                    <a:pt x="6040" y="13396"/>
+                  </a:lnTo>
+                  <a:lnTo>
+                    <a:pt x="5699" y="13347"/>
+                  </a:lnTo>
+                  <a:lnTo>
+                    <a:pt x="5383" y="13299"/>
+                  </a:lnTo>
+                  <a:lnTo>
+                    <a:pt x="5042" y="13226"/>
+                  </a:lnTo>
+                  <a:lnTo>
+                    <a:pt x="4725" y="13128"/>
+                  </a:lnTo>
+                  <a:lnTo>
+                    <a:pt x="4408" y="13031"/>
+                  </a:lnTo>
+                  <a:lnTo>
+                    <a:pt x="4116" y="12909"/>
+                  </a:lnTo>
+                  <a:lnTo>
+                    <a:pt x="3824" y="12763"/>
+                  </a:lnTo>
+                  <a:lnTo>
+                    <a:pt x="3532" y="12617"/>
+                  </a:lnTo>
+                  <a:lnTo>
+                    <a:pt x="3239" y="12471"/>
+                  </a:lnTo>
+                  <a:lnTo>
+                    <a:pt x="2971" y="12276"/>
+                  </a:lnTo>
+                  <a:lnTo>
+                    <a:pt x="2703" y="12105"/>
+                  </a:lnTo>
+                  <a:lnTo>
+                    <a:pt x="2460" y="11910"/>
+                  </a:lnTo>
+                  <a:lnTo>
+                    <a:pt x="2216" y="11691"/>
+                  </a:lnTo>
+                  <a:lnTo>
+                    <a:pt x="1973" y="11472"/>
+                  </a:lnTo>
+                  <a:lnTo>
+                    <a:pt x="1754" y="11228"/>
+                  </a:lnTo>
+                  <a:lnTo>
+                    <a:pt x="1534" y="10985"/>
+                  </a:lnTo>
+                  <a:lnTo>
+                    <a:pt x="1340" y="10741"/>
+                  </a:lnTo>
+                  <a:lnTo>
+                    <a:pt x="1169" y="10473"/>
+                  </a:lnTo>
+                  <a:lnTo>
+                    <a:pt x="974" y="10206"/>
+                  </a:lnTo>
+                  <a:lnTo>
+                    <a:pt x="828" y="9913"/>
+                  </a:lnTo>
+                  <a:lnTo>
+                    <a:pt x="682" y="9621"/>
+                  </a:lnTo>
+                  <a:lnTo>
+                    <a:pt x="536" y="9329"/>
+                  </a:lnTo>
+                  <a:lnTo>
+                    <a:pt x="414" y="9036"/>
+                  </a:lnTo>
+                  <a:lnTo>
+                    <a:pt x="317" y="8720"/>
+                  </a:lnTo>
+                  <a:lnTo>
+                    <a:pt x="219" y="8403"/>
+                  </a:lnTo>
+                  <a:lnTo>
+                    <a:pt x="146" y="8062"/>
+                  </a:lnTo>
+                  <a:lnTo>
+                    <a:pt x="98" y="7746"/>
+                  </a:lnTo>
+                  <a:lnTo>
+                    <a:pt x="49" y="7405"/>
+                  </a:lnTo>
+                  <a:lnTo>
+                    <a:pt x="24" y="7064"/>
+                  </a:lnTo>
+                  <a:lnTo>
+                    <a:pt x="0" y="6723"/>
+                  </a:lnTo>
+                  <a:lnTo>
+                    <a:pt x="0" y="6723"/>
+                  </a:lnTo>
+                  <a:lnTo>
+                    <a:pt x="24" y="6382"/>
+                  </a:lnTo>
+                  <a:lnTo>
+                    <a:pt x="49" y="6041"/>
+                  </a:lnTo>
+                  <a:lnTo>
+                    <a:pt x="98" y="5700"/>
+                  </a:lnTo>
+                  <a:lnTo>
+                    <a:pt x="146" y="5383"/>
+                  </a:lnTo>
+                  <a:lnTo>
+                    <a:pt x="219" y="5042"/>
+                  </a:lnTo>
+                  <a:lnTo>
+                    <a:pt x="317" y="4726"/>
+                  </a:lnTo>
+                  <a:lnTo>
+                    <a:pt x="414" y="4409"/>
+                  </a:lnTo>
+                  <a:lnTo>
+                    <a:pt x="536" y="4117"/>
+                  </a:lnTo>
+                  <a:lnTo>
+                    <a:pt x="682" y="3825"/>
+                  </a:lnTo>
+                  <a:lnTo>
+                    <a:pt x="828" y="3532"/>
+                  </a:lnTo>
+                  <a:lnTo>
+                    <a:pt x="974" y="3240"/>
+                  </a:lnTo>
+                  <a:lnTo>
+                    <a:pt x="1169" y="2972"/>
+                  </a:lnTo>
+                  <a:lnTo>
+                    <a:pt x="1340" y="2704"/>
+                  </a:lnTo>
+                  <a:lnTo>
+                    <a:pt x="1534" y="2461"/>
+                  </a:lnTo>
+                  <a:lnTo>
+                    <a:pt x="1754" y="2217"/>
+                  </a:lnTo>
+                  <a:lnTo>
+                    <a:pt x="1973" y="1974"/>
+                  </a:lnTo>
+                  <a:lnTo>
+                    <a:pt x="2216" y="1754"/>
+                  </a:lnTo>
+                  <a:lnTo>
+                    <a:pt x="2460" y="1535"/>
+                  </a:lnTo>
+                  <a:lnTo>
+                    <a:pt x="2703" y="1340"/>
+                  </a:lnTo>
+                  <a:lnTo>
+                    <a:pt x="2971" y="1170"/>
+                  </a:lnTo>
+                  <a:lnTo>
+                    <a:pt x="3239" y="975"/>
+                  </a:lnTo>
+                  <a:lnTo>
+                    <a:pt x="3532" y="829"/>
+                  </a:lnTo>
+                  <a:lnTo>
+                    <a:pt x="3824" y="683"/>
+                  </a:lnTo>
+                  <a:lnTo>
+                    <a:pt x="4116" y="537"/>
+                  </a:lnTo>
+                  <a:lnTo>
+                    <a:pt x="4408" y="415"/>
+                  </a:lnTo>
+                  <a:lnTo>
+                    <a:pt x="4725" y="317"/>
+                  </a:lnTo>
+                  <a:lnTo>
+                    <a:pt x="5042" y="220"/>
+                  </a:lnTo>
+                  <a:lnTo>
+                    <a:pt x="5383" y="147"/>
+                  </a:lnTo>
+                  <a:lnTo>
+                    <a:pt x="5699" y="98"/>
+                  </a:lnTo>
+                  <a:lnTo>
+                    <a:pt x="6040" y="49"/>
+                  </a:lnTo>
+                  <a:lnTo>
+                    <a:pt x="6381" y="25"/>
+                  </a:lnTo>
+                  <a:lnTo>
+                    <a:pt x="6722" y="1"/>
+                  </a:lnTo>
+                  <a:lnTo>
+                    <a:pt x="6722" y="1"/>
+                  </a:lnTo>
+                  <a:lnTo>
+                    <a:pt x="7063" y="25"/>
+                  </a:lnTo>
+                  <a:lnTo>
+                    <a:pt x="7404" y="49"/>
+                  </a:lnTo>
+                  <a:lnTo>
+                    <a:pt x="7745" y="98"/>
+                  </a:lnTo>
+                  <a:lnTo>
+                    <a:pt x="8062" y="147"/>
+                  </a:lnTo>
+                  <a:lnTo>
+                    <a:pt x="8403" y="220"/>
+                  </a:lnTo>
+                  <a:lnTo>
+                    <a:pt x="8719" y="317"/>
+                  </a:lnTo>
+                  <a:lnTo>
+                    <a:pt x="9036" y="415"/>
+                  </a:lnTo>
+                  <a:lnTo>
+                    <a:pt x="9328" y="537"/>
+                  </a:lnTo>
+                  <a:lnTo>
+                    <a:pt x="9620" y="683"/>
+                  </a:lnTo>
+                  <a:lnTo>
+                    <a:pt x="9913" y="829"/>
+                  </a:lnTo>
+                  <a:lnTo>
+                    <a:pt x="10205" y="975"/>
+                  </a:lnTo>
+                  <a:lnTo>
+                    <a:pt x="10473" y="1170"/>
+                  </a:lnTo>
+                  <a:lnTo>
+                    <a:pt x="10741" y="1340"/>
+                  </a:lnTo>
+                  <a:lnTo>
+                    <a:pt x="10984" y="1535"/>
+                  </a:lnTo>
+                  <a:lnTo>
+                    <a:pt x="11228" y="1754"/>
+                  </a:lnTo>
+                  <a:lnTo>
+                    <a:pt x="11471" y="1974"/>
+                  </a:lnTo>
+                  <a:lnTo>
+                    <a:pt x="11690" y="2217"/>
+                  </a:lnTo>
+                  <a:lnTo>
+                    <a:pt x="11910" y="2461"/>
+                  </a:lnTo>
+                  <a:lnTo>
+                    <a:pt x="12105" y="2704"/>
+                  </a:lnTo>
+                  <a:lnTo>
+                    <a:pt x="12275" y="2972"/>
+                  </a:lnTo>
+                  <a:lnTo>
+                    <a:pt x="12470" y="3240"/>
+                  </a:lnTo>
+                  <a:lnTo>
+                    <a:pt x="12616" y="3532"/>
+                  </a:lnTo>
+                  <a:lnTo>
+                    <a:pt x="12762" y="3825"/>
+                  </a:lnTo>
+                  <a:lnTo>
+                    <a:pt x="12908" y="4117"/>
+                  </a:lnTo>
+                  <a:lnTo>
+                    <a:pt x="13030" y="4409"/>
+                  </a:lnTo>
+                  <a:lnTo>
+                    <a:pt x="13127" y="4726"/>
+                  </a:lnTo>
+                  <a:lnTo>
+                    <a:pt x="13225" y="5042"/>
+                  </a:lnTo>
+                  <a:lnTo>
+                    <a:pt x="13298" y="5383"/>
+                  </a:lnTo>
+                  <a:lnTo>
+                    <a:pt x="13347" y="5700"/>
+                  </a:lnTo>
+                  <a:lnTo>
+                    <a:pt x="13395" y="6041"/>
+                  </a:lnTo>
+                  <a:lnTo>
+                    <a:pt x="13420" y="6382"/>
+                  </a:lnTo>
+                  <a:lnTo>
+                    <a:pt x="13444" y="6723"/>
+                  </a:lnTo>
+                  <a:lnTo>
+                    <a:pt x="13444" y="6723"/>
+                  </a:lnTo>
+                  <a:lnTo>
+                    <a:pt x="13420" y="7064"/>
+                  </a:lnTo>
+                  <a:lnTo>
+                    <a:pt x="13395" y="7405"/>
+                  </a:lnTo>
+                  <a:lnTo>
+                    <a:pt x="13347" y="7746"/>
+                  </a:lnTo>
+                  <a:lnTo>
+                    <a:pt x="13298" y="8062"/>
+                  </a:lnTo>
+                  <a:lnTo>
+                    <a:pt x="13225" y="8403"/>
+                  </a:lnTo>
+                  <a:lnTo>
+                    <a:pt x="13127" y="8720"/>
+                  </a:lnTo>
+                  <a:lnTo>
+                    <a:pt x="13030" y="9036"/>
+                  </a:lnTo>
+                  <a:lnTo>
+                    <a:pt x="12908" y="9329"/>
+                  </a:lnTo>
+                  <a:lnTo>
+                    <a:pt x="12762" y="9621"/>
+                  </a:lnTo>
+                  <a:lnTo>
+                    <a:pt x="12616" y="9913"/>
+                  </a:lnTo>
+                  <a:lnTo>
+                    <a:pt x="12470" y="10206"/>
+                  </a:lnTo>
+                  <a:lnTo>
+                    <a:pt x="12275" y="10473"/>
+                  </a:lnTo>
+                  <a:lnTo>
+                    <a:pt x="12105" y="10741"/>
+                  </a:lnTo>
+                  <a:lnTo>
+                    <a:pt x="11910" y="10985"/>
+                  </a:lnTo>
+                  <a:lnTo>
+                    <a:pt x="11690" y="11228"/>
+                  </a:lnTo>
+                  <a:lnTo>
+                    <a:pt x="11471" y="11472"/>
+                  </a:lnTo>
+                  <a:lnTo>
+                    <a:pt x="11228" y="11691"/>
+                  </a:lnTo>
+                  <a:lnTo>
+                    <a:pt x="10984" y="11910"/>
+                  </a:lnTo>
+                  <a:lnTo>
+                    <a:pt x="10741" y="12105"/>
+                  </a:lnTo>
+                  <a:lnTo>
+                    <a:pt x="10473" y="12276"/>
+                  </a:lnTo>
+                  <a:lnTo>
+                    <a:pt x="10205" y="12471"/>
+                  </a:lnTo>
+                  <a:lnTo>
+                    <a:pt x="9913" y="12617"/>
+                  </a:lnTo>
+                  <a:lnTo>
+                    <a:pt x="9620" y="12763"/>
+                  </a:lnTo>
+                  <a:lnTo>
+                    <a:pt x="9328" y="12909"/>
+                  </a:lnTo>
+                  <a:lnTo>
+                    <a:pt x="9036" y="13031"/>
+                  </a:lnTo>
+                  <a:lnTo>
+                    <a:pt x="8719" y="13128"/>
+                  </a:lnTo>
+                  <a:lnTo>
+                    <a:pt x="8403" y="13226"/>
+                  </a:lnTo>
+                  <a:lnTo>
+                    <a:pt x="8062" y="13299"/>
+                  </a:lnTo>
+                  <a:lnTo>
+                    <a:pt x="7745" y="13347"/>
+                  </a:lnTo>
+                  <a:lnTo>
+                    <a:pt x="7404" y="13396"/>
+                  </a:lnTo>
+                  <a:lnTo>
+                    <a:pt x="7063" y="13420"/>
+                  </a:lnTo>
+                  <a:lnTo>
+                    <a:pt x="6722" y="13445"/>
+                  </a:lnTo>
+                  <a:lnTo>
+                    <a:pt x="6722" y="13445"/>
+                  </a:lnTo>
+                  <a:close/>
+                </a:path>
+              </a:pathLst>
+            </a:custGeom>
+            <a:noFill/>
+            <a:ln w="38100" cap="rnd" cmpd="sng">
+              <a:solidFill>
+                <a:srgbClr val="FFFF00"/>
+              </a:solidFill>
+              <a:prstDash val="solid"/>
+              <a:round/>
+              <a:headEnd type="none" w="med" len="med"/>
+              <a:tailEnd type="none" w="med" len="med"/>
+            </a:ln>
+          </p:spPr>
+          <p:txBody>
+            <a:bodyPr lIns="91425" tIns="91425" rIns="91425" bIns="91425" anchor="ctr" anchorCtr="0">
+              <a:noAutofit/>
+            </a:bodyPr>
+            <a:lstStyle/>
+            <a:p>
+              <a:pPr lvl="0">
+                <a:spcBef>
+                  <a:spcPts val="0"/>
+                </a:spcBef>
+                <a:buNone/>
+              </a:pPr>
+              <a:endParaRPr/>
+            </a:p>
+          </p:txBody>
+        </p:sp>
+      </p:grpSp>
+      <p:sp>
+        <p:nvSpPr>
+          <p:cNvPr id="8" name="Shape 767"/>
+          <p:cNvSpPr/>
+          <p:nvPr/>
+        </p:nvSpPr>
+        <p:spPr>
+          <a:xfrm>
+            <a:off x="665643" y="594121"/>
+            <a:ext cx="402263" cy="227229"/>
+          </a:xfrm>
+          <a:custGeom>
+            <a:avLst/>
+            <a:gdLst/>
+            <a:ahLst/>
+            <a:cxnLst/>
+            <a:rect l="0" t="0" r="0" b="0"/>
+            <a:pathLst>
+              <a:path w="19144" h="10814" fill="none" extrusionOk="0">
+                <a:moveTo>
+                  <a:pt x="16124" y="4774"/>
+                </a:moveTo>
+                <a:lnTo>
+                  <a:pt x="15369" y="4774"/>
+                </a:lnTo>
+                <a:lnTo>
+                  <a:pt x="15369" y="4774"/>
+                </a:lnTo>
+                <a:lnTo>
+                  <a:pt x="15393" y="4482"/>
+                </a:lnTo>
+                <a:lnTo>
+                  <a:pt x="15393" y="4482"/>
+                </a:lnTo>
+                <a:lnTo>
+                  <a:pt x="15369" y="4189"/>
+                </a:lnTo>
+                <a:lnTo>
+                  <a:pt x="15344" y="3921"/>
+                </a:lnTo>
+                <a:lnTo>
+                  <a:pt x="15271" y="3654"/>
+                </a:lnTo>
+                <a:lnTo>
+                  <a:pt x="15174" y="3410"/>
+                </a:lnTo>
+                <a:lnTo>
+                  <a:pt x="15052" y="3166"/>
+                </a:lnTo>
+                <a:lnTo>
+                  <a:pt x="14930" y="2947"/>
+                </a:lnTo>
+                <a:lnTo>
+                  <a:pt x="14760" y="2728"/>
+                </a:lnTo>
+                <a:lnTo>
+                  <a:pt x="14589" y="2533"/>
+                </a:lnTo>
+                <a:lnTo>
+                  <a:pt x="14394" y="2363"/>
+                </a:lnTo>
+                <a:lnTo>
+                  <a:pt x="14175" y="2192"/>
+                </a:lnTo>
+                <a:lnTo>
+                  <a:pt x="13956" y="2070"/>
+                </a:lnTo>
+                <a:lnTo>
+                  <a:pt x="13712" y="1949"/>
+                </a:lnTo>
+                <a:lnTo>
+                  <a:pt x="13469" y="1851"/>
+                </a:lnTo>
+                <a:lnTo>
+                  <a:pt x="13201" y="1778"/>
+                </a:lnTo>
+                <a:lnTo>
+                  <a:pt x="12933" y="1754"/>
+                </a:lnTo>
+                <a:lnTo>
+                  <a:pt x="12641" y="1729"/>
+                </a:lnTo>
+                <a:lnTo>
+                  <a:pt x="12641" y="1729"/>
+                </a:lnTo>
+                <a:lnTo>
+                  <a:pt x="12300" y="1754"/>
+                </a:lnTo>
+                <a:lnTo>
+                  <a:pt x="11959" y="1827"/>
+                </a:lnTo>
+                <a:lnTo>
+                  <a:pt x="11618" y="1924"/>
+                </a:lnTo>
+                <a:lnTo>
+                  <a:pt x="11326" y="2070"/>
+                </a:lnTo>
+                <a:lnTo>
+                  <a:pt x="11326" y="2070"/>
+                </a:lnTo>
+                <a:lnTo>
+                  <a:pt x="11155" y="1851"/>
+                </a:lnTo>
+                <a:lnTo>
+                  <a:pt x="10985" y="1632"/>
+                </a:lnTo>
+                <a:lnTo>
+                  <a:pt x="10814" y="1413"/>
+                </a:lnTo>
+                <a:lnTo>
+                  <a:pt x="10619" y="1218"/>
+                </a:lnTo>
+                <a:lnTo>
+                  <a:pt x="10425" y="1048"/>
+                </a:lnTo>
+                <a:lnTo>
+                  <a:pt x="10205" y="877"/>
+                </a:lnTo>
+                <a:lnTo>
+                  <a:pt x="9962" y="707"/>
+                </a:lnTo>
+                <a:lnTo>
+                  <a:pt x="9718" y="560"/>
+                </a:lnTo>
+                <a:lnTo>
+                  <a:pt x="9475" y="439"/>
+                </a:lnTo>
+                <a:lnTo>
+                  <a:pt x="9231" y="317"/>
+                </a:lnTo>
+                <a:lnTo>
+                  <a:pt x="8963" y="219"/>
+                </a:lnTo>
+                <a:lnTo>
+                  <a:pt x="8695" y="146"/>
+                </a:lnTo>
+                <a:lnTo>
+                  <a:pt x="8403" y="73"/>
+                </a:lnTo>
+                <a:lnTo>
+                  <a:pt x="8135" y="25"/>
+                </a:lnTo>
+                <a:lnTo>
+                  <a:pt x="7843" y="0"/>
+                </a:lnTo>
+                <a:lnTo>
+                  <a:pt x="7551" y="0"/>
+                </a:lnTo>
+                <a:lnTo>
+                  <a:pt x="7551" y="0"/>
+                </a:lnTo>
+                <a:lnTo>
+                  <a:pt x="7088" y="25"/>
+                </a:lnTo>
+                <a:lnTo>
+                  <a:pt x="6650" y="98"/>
+                </a:lnTo>
+                <a:lnTo>
+                  <a:pt x="6211" y="195"/>
+                </a:lnTo>
+                <a:lnTo>
+                  <a:pt x="5797" y="341"/>
+                </a:lnTo>
+                <a:lnTo>
+                  <a:pt x="5407" y="536"/>
+                </a:lnTo>
+                <a:lnTo>
+                  <a:pt x="5042" y="755"/>
+                </a:lnTo>
+                <a:lnTo>
+                  <a:pt x="4701" y="1023"/>
+                </a:lnTo>
+                <a:lnTo>
+                  <a:pt x="4385" y="1315"/>
+                </a:lnTo>
+                <a:lnTo>
+                  <a:pt x="4092" y="1632"/>
+                </a:lnTo>
+                <a:lnTo>
+                  <a:pt x="3824" y="1973"/>
+                </a:lnTo>
+                <a:lnTo>
+                  <a:pt x="3605" y="2338"/>
+                </a:lnTo>
+                <a:lnTo>
+                  <a:pt x="3410" y="2728"/>
+                </a:lnTo>
+                <a:lnTo>
+                  <a:pt x="3264" y="3142"/>
+                </a:lnTo>
+                <a:lnTo>
+                  <a:pt x="3142" y="3580"/>
+                </a:lnTo>
+                <a:lnTo>
+                  <a:pt x="3094" y="4019"/>
+                </a:lnTo>
+                <a:lnTo>
+                  <a:pt x="3069" y="4482"/>
+                </a:lnTo>
+                <a:lnTo>
+                  <a:pt x="3069" y="4482"/>
+                </a:lnTo>
+                <a:lnTo>
+                  <a:pt x="3069" y="4774"/>
+                </a:lnTo>
+                <a:lnTo>
+                  <a:pt x="3021" y="4774"/>
+                </a:lnTo>
+                <a:lnTo>
+                  <a:pt x="3021" y="4774"/>
+                </a:lnTo>
+                <a:lnTo>
+                  <a:pt x="2704" y="4774"/>
+                </a:lnTo>
+                <a:lnTo>
+                  <a:pt x="2412" y="4823"/>
+                </a:lnTo>
+                <a:lnTo>
+                  <a:pt x="2120" y="4896"/>
+                </a:lnTo>
+                <a:lnTo>
+                  <a:pt x="1827" y="5017"/>
+                </a:lnTo>
+                <a:lnTo>
+                  <a:pt x="1584" y="5139"/>
+                </a:lnTo>
+                <a:lnTo>
+                  <a:pt x="1316" y="5285"/>
+                </a:lnTo>
+                <a:lnTo>
+                  <a:pt x="1097" y="5456"/>
+                </a:lnTo>
+                <a:lnTo>
+                  <a:pt x="877" y="5651"/>
+                </a:lnTo>
+                <a:lnTo>
+                  <a:pt x="683" y="5870"/>
+                </a:lnTo>
+                <a:lnTo>
+                  <a:pt x="512" y="6113"/>
+                </a:lnTo>
+                <a:lnTo>
+                  <a:pt x="366" y="6357"/>
+                </a:lnTo>
+                <a:lnTo>
+                  <a:pt x="220" y="6625"/>
+                </a:lnTo>
+                <a:lnTo>
+                  <a:pt x="122" y="6893"/>
+                </a:lnTo>
+                <a:lnTo>
+                  <a:pt x="49" y="7185"/>
+                </a:lnTo>
+                <a:lnTo>
+                  <a:pt x="1" y="7477"/>
+                </a:lnTo>
+                <a:lnTo>
+                  <a:pt x="1" y="7794"/>
+                </a:lnTo>
+                <a:lnTo>
+                  <a:pt x="1" y="7794"/>
+                </a:lnTo>
+                <a:lnTo>
+                  <a:pt x="1" y="8110"/>
+                </a:lnTo>
+                <a:lnTo>
+                  <a:pt x="49" y="8403"/>
+                </a:lnTo>
+                <a:lnTo>
+                  <a:pt x="122" y="8695"/>
+                </a:lnTo>
+                <a:lnTo>
+                  <a:pt x="220" y="8963"/>
+                </a:lnTo>
+                <a:lnTo>
+                  <a:pt x="366" y="9231"/>
+                </a:lnTo>
+                <a:lnTo>
+                  <a:pt x="512" y="9474"/>
+                </a:lnTo>
+                <a:lnTo>
+                  <a:pt x="683" y="9718"/>
+                </a:lnTo>
+                <a:lnTo>
+                  <a:pt x="877" y="9937"/>
+                </a:lnTo>
+                <a:lnTo>
+                  <a:pt x="1097" y="10132"/>
+                </a:lnTo>
+                <a:lnTo>
+                  <a:pt x="1316" y="10302"/>
+                </a:lnTo>
+                <a:lnTo>
+                  <a:pt x="1584" y="10449"/>
+                </a:lnTo>
+                <a:lnTo>
+                  <a:pt x="1827" y="10570"/>
+                </a:lnTo>
+                <a:lnTo>
+                  <a:pt x="2120" y="10692"/>
+                </a:lnTo>
+                <a:lnTo>
+                  <a:pt x="2412" y="10765"/>
+                </a:lnTo>
+                <a:lnTo>
+                  <a:pt x="2704" y="10814"/>
+                </a:lnTo>
+                <a:lnTo>
+                  <a:pt x="3021" y="10814"/>
+                </a:lnTo>
+                <a:lnTo>
+                  <a:pt x="16124" y="10814"/>
+                </a:lnTo>
+                <a:lnTo>
+                  <a:pt x="16124" y="10814"/>
+                </a:lnTo>
+                <a:lnTo>
+                  <a:pt x="16440" y="10814"/>
+                </a:lnTo>
+                <a:lnTo>
+                  <a:pt x="16732" y="10765"/>
+                </a:lnTo>
+                <a:lnTo>
+                  <a:pt x="17025" y="10692"/>
+                </a:lnTo>
+                <a:lnTo>
+                  <a:pt x="17317" y="10570"/>
+                </a:lnTo>
+                <a:lnTo>
+                  <a:pt x="17561" y="10449"/>
+                </a:lnTo>
+                <a:lnTo>
+                  <a:pt x="17828" y="10302"/>
+                </a:lnTo>
+                <a:lnTo>
+                  <a:pt x="18048" y="10132"/>
+                </a:lnTo>
+                <a:lnTo>
+                  <a:pt x="18267" y="9937"/>
+                </a:lnTo>
+                <a:lnTo>
+                  <a:pt x="18462" y="9718"/>
+                </a:lnTo>
+                <a:lnTo>
+                  <a:pt x="18632" y="9474"/>
+                </a:lnTo>
+                <a:lnTo>
+                  <a:pt x="18778" y="9231"/>
+                </a:lnTo>
+                <a:lnTo>
+                  <a:pt x="18924" y="8963"/>
+                </a:lnTo>
+                <a:lnTo>
+                  <a:pt x="19022" y="8695"/>
+                </a:lnTo>
+                <a:lnTo>
+                  <a:pt x="19095" y="8403"/>
+                </a:lnTo>
+                <a:lnTo>
+                  <a:pt x="19144" y="8110"/>
+                </a:lnTo>
+                <a:lnTo>
+                  <a:pt x="19144" y="7794"/>
+                </a:lnTo>
+                <a:lnTo>
+                  <a:pt x="19144" y="7794"/>
+                </a:lnTo>
+                <a:lnTo>
+                  <a:pt x="19144" y="7477"/>
+                </a:lnTo>
+                <a:lnTo>
+                  <a:pt x="19095" y="7185"/>
+                </a:lnTo>
+                <a:lnTo>
+                  <a:pt x="19022" y="6893"/>
+                </a:lnTo>
+                <a:lnTo>
+                  <a:pt x="18924" y="6625"/>
+                </a:lnTo>
+                <a:lnTo>
+                  <a:pt x="18778" y="6357"/>
+                </a:lnTo>
+                <a:lnTo>
+                  <a:pt x="18632" y="6113"/>
+                </a:lnTo>
+                <a:lnTo>
+                  <a:pt x="18462" y="5870"/>
+                </a:lnTo>
+                <a:lnTo>
+                  <a:pt x="18267" y="5651"/>
+                </a:lnTo>
+                <a:lnTo>
+                  <a:pt x="18048" y="5456"/>
+                </a:lnTo>
+                <a:lnTo>
+                  <a:pt x="17828" y="5285"/>
+                </a:lnTo>
+                <a:lnTo>
+                  <a:pt x="17561" y="5139"/>
+                </a:lnTo>
+                <a:lnTo>
+                  <a:pt x="17317" y="5017"/>
+                </a:lnTo>
+                <a:lnTo>
+                  <a:pt x="17025" y="4896"/>
+                </a:lnTo>
+                <a:lnTo>
+                  <a:pt x="16732" y="4823"/>
+                </a:lnTo>
+                <a:lnTo>
+                  <a:pt x="16440" y="4774"/>
+                </a:lnTo>
+                <a:lnTo>
+                  <a:pt x="16124" y="4774"/>
+                </a:lnTo>
+                <a:lnTo>
+                  <a:pt x="16124" y="4774"/>
+                </a:lnTo>
+                <a:close/>
+              </a:path>
+            </a:pathLst>
+          </a:custGeom>
+          <a:noFill/>
+          <a:ln w="38100" cap="rnd" cmpd="sng">
+            <a:solidFill>
+              <a:srgbClr val="FFFFFF"/>
+            </a:solidFill>
+            <a:prstDash val="solid"/>
+            <a:round/>
+            <a:headEnd type="none" w="med" len="med"/>
+            <a:tailEnd type="none" w="med" len="med"/>
+          </a:ln>
+        </p:spPr>
+        <p:txBody>
+          <a:bodyPr lIns="91425" tIns="91425" rIns="91425" bIns="91425" anchor="ctr" anchorCtr="0">
+            <a:noAutofit/>
+          </a:bodyPr>
+          <a:lstStyle/>
+          <a:p>
+            <a:pPr lvl="0">
+              <a:spcBef>
+                <a:spcPts val="0"/>
+              </a:spcBef>
+              <a:buNone/>
+            </a:pPr>
+            <a:endParaRPr/>
+          </a:p>
+        </p:txBody>
+      </p:sp>
+    </p:spTree>
   </p:cSld>
   <p:clrMapOvr>
     <a:masterClrMapping/>
@@ -4796,10 +11165,10 @@
               <a:buNone/>
             </a:pPr>
             <a:r>
-              <a:rPr lang="en" sz="5400" dirty="0" smtClean="0"/>
-              <a:t>Sliding Window Model</a:t>
-            </a:r>
-            <a:endParaRPr lang="en" sz="5400" dirty="0"/>
+              <a:rPr lang="en-US" altLang="zh-CN" dirty="0" smtClean="0"/>
+              <a:t>Previous Reports</a:t>
+            </a:r>
+            <a:endParaRPr lang="en" dirty="0"/>
           </a:p>
         </p:txBody>
       </p:sp>
@@ -4838,38 +11207,80 @@
               </a:spcBef>
             </a:pPr>
             <a:r>
-              <a:rPr lang="en" sz="3200" dirty="0" smtClean="0">
-                <a:latin typeface="Montserrat" panose="020B0604020202020204" charset="0"/>
-              </a:rPr>
-              <a:t>Review of </a:t>
-            </a:r>
-            <a:r>
-              <a:rPr lang="en" sz="3200" dirty="0" smtClean="0">
-                <a:latin typeface="Montserrat" panose="020B0604020202020204" charset="0"/>
-              </a:rPr>
-              <a:t>my previous reports</a:t>
-            </a:r>
-          </a:p>
-          <a:p>
-            <a:pPr marL="457200" indent="-457200">
-              <a:spcBef>
-                <a:spcPts val="0"/>
-              </a:spcBef>
-            </a:pPr>
-            <a:r>
-              <a:rPr lang="en" altLang="zh-CN" sz="3200" dirty="0" smtClean="0">
-                <a:latin typeface="Montserrat" panose="020B0604020202020204" charset="0"/>
-              </a:rPr>
-              <a:t>Y(ou)O(nly)L(ook)O(nce)</a:t>
-            </a:r>
-          </a:p>
-          <a:p>
-            <a:pPr marL="457200" indent="-457200">
-              <a:spcBef>
-                <a:spcPts val="0"/>
-              </a:spcBef>
-            </a:pPr>
-            <a:endParaRPr lang="en" altLang="zh-CN" sz="3200" dirty="0">
+              <a:rPr lang="en-US" altLang="zh-CN" sz="3200" dirty="0" smtClean="0">
+                <a:latin typeface="Montserrat" panose="020B0604020202020204" charset="0"/>
+              </a:rPr>
+              <a:t>Object detection (CNN based)</a:t>
+            </a:r>
+          </a:p>
+          <a:p>
+            <a:pPr marL="457200" lvl="1" indent="-457200">
+              <a:spcBef>
+                <a:spcPts val="0"/>
+              </a:spcBef>
+            </a:pPr>
+            <a:r>
+              <a:rPr lang="en-US" altLang="zh-CN" sz="3200" dirty="0" smtClean="0">
+                <a:latin typeface="Montserrat" panose="020B0604020202020204" charset="0"/>
+              </a:rPr>
+              <a:t>Proposal based</a:t>
+            </a:r>
+          </a:p>
+          <a:p>
+            <a:pPr marL="457200" lvl="3" indent="-457200">
+              <a:spcBef>
+                <a:spcPts val="0"/>
+              </a:spcBef>
+            </a:pPr>
+            <a:r>
+              <a:rPr lang="en-US" altLang="zh-CN" sz="2400" dirty="0" smtClean="0">
+                <a:latin typeface="Montserrat" panose="020B0604020202020204" charset="0"/>
+              </a:rPr>
+              <a:t>RCNN-&gt;SPP-&gt;Fast-&gt;Faster</a:t>
+            </a:r>
+          </a:p>
+          <a:p>
+            <a:pPr marL="457200" lvl="3" indent="-457200">
+              <a:spcBef>
+                <a:spcPts val="0"/>
+              </a:spcBef>
+            </a:pPr>
+            <a:endParaRPr lang="en-US" altLang="zh-CN" sz="3200" dirty="0" smtClean="0">
+              <a:latin typeface="Montserrat" panose="020B0604020202020204" charset="0"/>
+            </a:endParaRPr>
+          </a:p>
+          <a:p>
+            <a:pPr marL="457200" lvl="1" indent="-457200">
+              <a:spcBef>
+                <a:spcPts val="0"/>
+              </a:spcBef>
+            </a:pPr>
+            <a:r>
+              <a:rPr lang="en-US" altLang="zh-CN" sz="3200" dirty="0" smtClean="0">
+                <a:latin typeface="Montserrat" panose="020B0604020202020204" charset="0"/>
+              </a:rPr>
+              <a:t>Sliding window based</a:t>
+            </a:r>
+          </a:p>
+          <a:p>
+            <a:pPr marL="457200" lvl="3" indent="-457200">
+              <a:spcBef>
+                <a:spcPts val="0"/>
+              </a:spcBef>
+            </a:pPr>
+            <a:r>
+              <a:rPr lang="en-US" altLang="zh-CN" sz="2400" dirty="0" err="1" smtClean="0">
+                <a:latin typeface="Montserrat" panose="020B0604020202020204" charset="0"/>
+              </a:rPr>
+              <a:t>Densebox</a:t>
+            </a:r>
+            <a:r>
+              <a:rPr lang="en-US" altLang="zh-CN" sz="2400" dirty="0" smtClean="0">
+                <a:latin typeface="Montserrat" panose="020B0604020202020204" charset="0"/>
+              </a:rPr>
+              <a:t>, YOLO, etc.</a:t>
+            </a:r>
+            <a:endParaRPr lang="en" altLang="zh-CN" sz="2400" dirty="0" smtClean="0">
               <a:latin typeface="Montserrat" panose="020B0604020202020204" charset="0"/>
             </a:endParaRPr>
           </a:p>
@@ -4899,7 +11310,7 @@
     </p:spTree>
     <p:extLst>
       <p:ext uri="{BB962C8B-B14F-4D97-AF65-F5344CB8AC3E}">
-        <p14:creationId xmlns:p14="http://schemas.microsoft.com/office/powerpoint/2010/main" val="1841470693"/>
+        <p14:creationId xmlns:p14="http://schemas.microsoft.com/office/powerpoint/2010/main" val="4179820328"/>
       </p:ext>
     </p:extLst>
   </p:cSld>
@@ -5020,15 +11431,10 @@
           </a:bodyPr>
           <a:lstStyle/>
           <a:p>
-            <a:pPr lvl="0" rtl="0">
-              <a:spcBef>
-                <a:spcPts val="0"/>
-              </a:spcBef>
-              <a:buNone/>
-            </a:pPr>
-            <a:r>
-              <a:rPr lang="en" sz="5400" dirty="0" smtClean="0"/>
-              <a:t>YOLO</a:t>
+            <a:pPr lvl="0"/>
+            <a:r>
+              <a:rPr lang="en-US" altLang="zh-CN" sz="5400" dirty="0"/>
+              <a:t>Previous Reports</a:t>
             </a:r>
             <a:endParaRPr lang="en" sz="5400" dirty="0"/>
           </a:p>
@@ -5068,153 +11474,16 @@
                 <a:spcPts val="0"/>
               </a:spcBef>
             </a:pPr>
-            <a:r>
-              <a:rPr lang="en-US" altLang="zh-CN" sz="3200" dirty="0">
-                <a:latin typeface="Montserrat" panose="020B0604020202020204" charset="0"/>
-              </a:rPr>
-              <a:t>You Only Look </a:t>
-            </a:r>
-            <a:r>
-              <a:rPr lang="en-US" altLang="zh-CN" sz="3200" dirty="0" smtClean="0">
-                <a:latin typeface="Montserrat" panose="020B0604020202020204" charset="0"/>
-              </a:rPr>
-              <a:t>Once: Unified</a:t>
-            </a:r>
-            <a:r>
-              <a:rPr lang="en-US" altLang="zh-CN" sz="3200" dirty="0">
-                <a:latin typeface="Montserrat" panose="020B0604020202020204" charset="0"/>
-              </a:rPr>
-              <a:t>, Real-Time Object </a:t>
-            </a:r>
-            <a:r>
-              <a:rPr lang="en-US" altLang="zh-CN" sz="3200" dirty="0" smtClean="0">
-                <a:latin typeface="Montserrat" panose="020B0604020202020204" charset="0"/>
-              </a:rPr>
-              <a:t>Detection</a:t>
-            </a:r>
-          </a:p>
-          <a:p>
-            <a:pPr marL="457200" indent="-457200">
-              <a:spcBef>
-                <a:spcPts val="0"/>
-              </a:spcBef>
-            </a:pPr>
-            <a:r>
-              <a:rPr lang="en-US" altLang="zh-CN" sz="3200" dirty="0" smtClean="0">
-                <a:latin typeface="Montserrat" panose="020B0604020202020204" charset="0"/>
-              </a:rPr>
-              <a:t>Authors</a:t>
-            </a:r>
-            <a:r>
-              <a:rPr lang="en-US" altLang="zh-CN" sz="3200" dirty="0">
-                <a:latin typeface="Montserrat" panose="020B0604020202020204" charset="0"/>
-              </a:rPr>
-              <a:t>: Joseph </a:t>
-            </a:r>
-            <a:r>
-              <a:rPr lang="en-US" altLang="zh-CN" sz="3200" dirty="0" err="1" smtClean="0">
-                <a:latin typeface="Montserrat" panose="020B0604020202020204" charset="0"/>
-              </a:rPr>
-              <a:t>Redmon</a:t>
-            </a:r>
-            <a:r>
-              <a:rPr lang="en-US" altLang="zh-CN" sz="3200" dirty="0">
-                <a:latin typeface="Montserrat" panose="020B0604020202020204" charset="0"/>
-              </a:rPr>
-              <a:t>, Santosh </a:t>
-            </a:r>
-            <a:r>
-              <a:rPr lang="en-US" altLang="zh-CN" sz="3200" dirty="0" err="1" smtClean="0">
-                <a:latin typeface="Montserrat" panose="020B0604020202020204" charset="0"/>
-              </a:rPr>
-              <a:t>Divvala</a:t>
-            </a:r>
-            <a:r>
-              <a:rPr lang="en-US" altLang="zh-CN" sz="3200" dirty="0">
-                <a:latin typeface="Montserrat" panose="020B0604020202020204" charset="0"/>
-              </a:rPr>
-              <a:t>, </a:t>
-            </a:r>
-            <a:r>
-              <a:rPr lang="en-US" altLang="zh-CN" sz="3200" dirty="0">
-                <a:solidFill>
-                  <a:srgbClr val="FF0000"/>
-                </a:solidFill>
-                <a:latin typeface="Montserrat" panose="020B0604020202020204" charset="0"/>
-              </a:rPr>
-              <a:t>Ross </a:t>
-            </a:r>
-            <a:r>
-              <a:rPr lang="en-US" altLang="zh-CN" sz="3200" dirty="0" err="1" smtClean="0">
-                <a:solidFill>
-                  <a:srgbClr val="FF0000"/>
-                </a:solidFill>
-                <a:latin typeface="Montserrat" panose="020B0604020202020204" charset="0"/>
-              </a:rPr>
-              <a:t>Girshick</a:t>
-            </a:r>
-            <a:r>
-              <a:rPr lang="en-US" altLang="zh-CN" sz="3200" dirty="0" smtClean="0">
-                <a:latin typeface="Montserrat" panose="020B0604020202020204" charset="0"/>
-              </a:rPr>
-              <a:t>, Ali </a:t>
-            </a:r>
-            <a:r>
-              <a:rPr lang="en-US" altLang="zh-CN" sz="3200" dirty="0" err="1" smtClean="0">
-                <a:latin typeface="Montserrat" panose="020B0604020202020204" charset="0"/>
-              </a:rPr>
-              <a:t>Farhadi</a:t>
-            </a:r>
-            <a:endParaRPr lang="en-US" altLang="zh-CN" sz="3200" dirty="0" smtClean="0">
-              <a:latin typeface="Montserrat" panose="020B0604020202020204" charset="0"/>
-            </a:endParaRPr>
-          </a:p>
-          <a:p>
-            <a:pPr marL="457200" indent="-457200">
-              <a:spcBef>
-                <a:spcPts val="0"/>
-              </a:spcBef>
-            </a:pPr>
-            <a:r>
-              <a:rPr lang="en-US" altLang="zh-CN" sz="3200" dirty="0">
-                <a:latin typeface="Montserrat" panose="020B0604020202020204" charset="0"/>
-              </a:rPr>
-              <a:t>Ross </a:t>
-            </a:r>
-            <a:r>
-              <a:rPr lang="en-US" altLang="zh-CN" sz="3200" dirty="0" err="1" smtClean="0">
-                <a:latin typeface="Montserrat" panose="020B0604020202020204" charset="0"/>
-              </a:rPr>
-              <a:t>Girshick</a:t>
-            </a:r>
-            <a:r>
-              <a:rPr lang="en-US" altLang="zh-CN" sz="3200" dirty="0">
-                <a:latin typeface="Montserrat" panose="020B0604020202020204" charset="0"/>
-              </a:rPr>
-              <a:t>: Facebook AI </a:t>
-            </a:r>
-            <a:r>
-              <a:rPr lang="en-US" altLang="zh-CN" sz="3200" dirty="0" smtClean="0">
-                <a:latin typeface="Montserrat" panose="020B0604020202020204" charset="0"/>
-              </a:rPr>
-              <a:t>Research, rbg@fb.com</a:t>
-            </a:r>
             <a:endParaRPr lang="en" altLang="zh-CN" sz="3200" dirty="0">
               <a:latin typeface="Montserrat" panose="020B0604020202020204" charset="0"/>
             </a:endParaRPr>
           </a:p>
           <a:p>
-            <a:pPr marL="457200" lvl="1" indent="-457200">
-              <a:spcBef>
-                <a:spcPts val="0"/>
-              </a:spcBef>
-            </a:pPr>
-            <a:r>
-              <a:rPr lang="en" sz="3200" dirty="0" smtClean="0">
-                <a:latin typeface="Montserrat" panose="020B0604020202020204" charset="0"/>
-              </a:rPr>
-              <a:t>(Fast, Faster) RCNN</a:t>
-            </a:r>
+            <a:pPr marL="457200" indent="-457200">
+              <a:spcBef>
+                <a:spcPts val="0"/>
+              </a:spcBef>
+            </a:pPr>
             <a:endParaRPr lang="en" sz="3200" dirty="0" smtClean="0">
               <a:latin typeface="Montserrat" panose="020B0604020202020204" charset="0"/>
             </a:endParaRPr>
@@ -5232,10 +11501,34 @@
           </a:p>
         </p:txBody>
       </p:sp>
+      <p:pic>
+        <p:nvPicPr>
+          <p:cNvPr id="2" name="图片 1"/>
+          <p:cNvPicPr>
+            <a:picLocks noChangeAspect="1"/>
+          </p:cNvPicPr>
+          <p:nvPr/>
+        </p:nvPicPr>
+        <p:blipFill>
+          <a:blip r:embed="rId4"/>
+          <a:stretch>
+            <a:fillRect/>
+          </a:stretch>
+        </p:blipFill>
+        <p:spPr>
+          <a:xfrm>
+            <a:off x="638931" y="985235"/>
+            <a:ext cx="7342187" cy="4158265"/>
+          </a:xfrm>
+          <a:prstGeom prst="rect">
+            <a:avLst/>
+          </a:prstGeom>
+        </p:spPr>
+      </p:pic>
     </p:spTree>
     <p:extLst>
       <p:ext uri="{BB962C8B-B14F-4D97-AF65-F5344CB8AC3E}">
-        <p14:creationId xmlns:p14="http://schemas.microsoft.com/office/powerpoint/2010/main" val="3273475143"/>
+        <p14:creationId xmlns:p14="http://schemas.microsoft.com/office/powerpoint/2010/main" val="1841470693"/>
       </p:ext>
     </p:extLst>
   </p:cSld>
@@ -5356,15 +11649,10 @@
           </a:bodyPr>
           <a:lstStyle/>
           <a:p>
-            <a:pPr lvl="0" rtl="0">
-              <a:spcBef>
-                <a:spcPts val="0"/>
-              </a:spcBef>
-              <a:buNone/>
-            </a:pPr>
-            <a:r>
-              <a:rPr lang="en" sz="5400" dirty="0" smtClean="0"/>
-              <a:t>YOLO</a:t>
+            <a:pPr lvl="0"/>
+            <a:r>
+              <a:rPr lang="en-US" altLang="zh-CN" sz="5400" dirty="0"/>
+              <a:t>Previous Reports</a:t>
             </a:r>
             <a:endParaRPr lang="en" sz="5400" dirty="0"/>
           </a:p>
@@ -5382,8 +11670,8 @@
         </p:nvSpPr>
         <p:spPr>
           <a:xfrm>
-            <a:off x="0" y="872836"/>
-            <a:ext cx="3076575" cy="4270663"/>
+            <a:off x="0" y="1159798"/>
+            <a:ext cx="9144000" cy="3983701"/>
           </a:xfrm>
           <a:prstGeom prst="rect">
             <a:avLst/>
@@ -5404,25 +11692,9 @@
                 <a:spcPts val="0"/>
               </a:spcBef>
             </a:pPr>
-            <a:r>
-              <a:rPr lang="en" sz="1600" dirty="0" smtClean="0">
-                <a:latin typeface="Montserrat" panose="020B0604020202020204" charset="0"/>
-              </a:rPr>
-              <a:t>5-dim vector =&gt; </a:t>
-            </a:r>
-          </a:p>
-          <a:p>
-            <a:pPr marL="457200" lvl="1" indent="-457200">
-              <a:spcBef>
-                <a:spcPts val="0"/>
-              </a:spcBef>
-            </a:pPr>
-            <a:r>
-              <a:rPr lang="en" sz="1600" dirty="0" smtClean="0">
-                <a:latin typeface="Montserrat" panose="020B0604020202020204" charset="0"/>
-              </a:rPr>
-              <a:t>(conf, x1, y1, x2, y2)</a:t>
-            </a:r>
+            <a:endParaRPr lang="en" altLang="zh-CN" sz="3200" dirty="0">
+              <a:latin typeface="Montserrat" panose="020B0604020202020204" charset="0"/>
+            </a:endParaRPr>
           </a:p>
           <a:p>
             <a:pPr marL="457200" indent="-457200">
@@ -5430,32 +11702,18 @@
                 <a:spcPts val="0"/>
               </a:spcBef>
             </a:pPr>
-            <a:r>
-              <a:rPr lang="en" sz="1600" dirty="0" smtClean="0">
-                <a:latin typeface="Montserrat" panose="020B0604020202020204" charset="0"/>
-              </a:rPr>
-              <a:t>C-dim vector =&gt;</a:t>
-            </a:r>
-          </a:p>
-          <a:p>
-            <a:pPr marL="457200" lvl="1" indent="-457200">
-              <a:spcBef>
-                <a:spcPts val="0"/>
-              </a:spcBef>
-            </a:pPr>
-            <a:r>
-              <a:rPr lang="en-US" sz="1600" dirty="0" smtClean="0">
-                <a:latin typeface="Montserrat" panose="020B0604020202020204" charset="0"/>
-              </a:rPr>
-              <a:t>P</a:t>
-            </a:r>
-            <a:r>
-              <a:rPr lang="en" sz="1600" smtClean="0">
-                <a:latin typeface="Montserrat" panose="020B0604020202020204" charset="0"/>
-              </a:rPr>
-              <a:t>robability distribution</a:t>
-            </a:r>
-            <a:endParaRPr lang="en" sz="1600" dirty="0" smtClean="0">
+            <a:endParaRPr lang="en" sz="3200" dirty="0" smtClean="0">
+              <a:latin typeface="Montserrat" panose="020B0604020202020204" charset="0"/>
+            </a:endParaRPr>
+          </a:p>
+          <a:p>
+            <a:pPr lvl="0" rtl="0">
+              <a:spcBef>
+                <a:spcPts val="0"/>
+              </a:spcBef>
+              <a:buNone/>
+            </a:pPr>
+            <a:endParaRPr lang="en" sz="3200" dirty="0" smtClean="0">
               <a:latin typeface="Montserrat" panose="020B0604020202020204" charset="0"/>
             </a:endParaRPr>
           </a:p>
@@ -5477,32 +11735,8 @@
         </p:blipFill>
         <p:spPr>
           <a:xfrm>
-            <a:off x="3076575" y="26270"/>
-            <a:ext cx="6067425" cy="3690784"/>
-          </a:xfrm>
-          <a:prstGeom prst="rect">
-            <a:avLst/>
-          </a:prstGeom>
-        </p:spPr>
-      </p:pic>
-      <p:pic>
-        <p:nvPicPr>
-          <p:cNvPr id="4" name="图片 3"/>
-          <p:cNvPicPr>
-            <a:picLocks noChangeAspect="1"/>
-          </p:cNvPicPr>
-          <p:nvPr/>
-        </p:nvPicPr>
-        <p:blipFill>
-          <a:blip r:embed="rId5"/>
-          <a:stretch>
-            <a:fillRect/>
-          </a:stretch>
-        </p:blipFill>
-        <p:spPr>
-          <a:xfrm>
-            <a:off x="3076575" y="3717054"/>
-            <a:ext cx="6067425" cy="1400175"/>
+            <a:off x="873937" y="962381"/>
+            <a:ext cx="7396125" cy="4181119"/>
           </a:xfrm>
           <a:prstGeom prst="rect">
             <a:avLst/>
@@ -5512,7 +11746,7 @@
     </p:spTree>
     <p:extLst>
       <p:ext uri="{BB962C8B-B14F-4D97-AF65-F5344CB8AC3E}">
-        <p14:creationId xmlns:p14="http://schemas.microsoft.com/office/powerpoint/2010/main" val="430523115"/>
+        <p14:creationId xmlns:p14="http://schemas.microsoft.com/office/powerpoint/2010/main" val="3151928053"/>
       </p:ext>
     </p:extLst>
   </p:cSld>
@@ -5681,6 +11915,180 @@
                 <a:spcPts val="0"/>
               </a:spcBef>
             </a:pPr>
+            <a:r>
+              <a:rPr lang="en-US" altLang="zh-CN" sz="3200" dirty="0">
+                <a:latin typeface="Montserrat" panose="020B0604020202020204" charset="0"/>
+              </a:rPr>
+              <a:t>You Only Look </a:t>
+            </a:r>
+            <a:r>
+              <a:rPr lang="en-US" altLang="zh-CN" sz="3200" dirty="0" smtClean="0">
+                <a:latin typeface="Montserrat" panose="020B0604020202020204" charset="0"/>
+              </a:rPr>
+              <a:t>Once: Unified</a:t>
+            </a:r>
+            <a:r>
+              <a:rPr lang="en-US" altLang="zh-CN" sz="3200" dirty="0">
+                <a:latin typeface="Montserrat" panose="020B0604020202020204" charset="0"/>
+              </a:rPr>
+              <a:t>, Real-Time Object </a:t>
+            </a:r>
+            <a:r>
+              <a:rPr lang="en-US" altLang="zh-CN" sz="3200" dirty="0" smtClean="0">
+                <a:latin typeface="Montserrat" panose="020B0604020202020204" charset="0"/>
+              </a:rPr>
+              <a:t>Detection (8</a:t>
+            </a:r>
+            <a:r>
+              <a:rPr lang="en-US" altLang="zh-CN" sz="3200" baseline="30000" dirty="0" smtClean="0">
+                <a:latin typeface="Montserrat" panose="020B0604020202020204" charset="0"/>
+              </a:rPr>
+              <a:t>th</a:t>
+            </a:r>
+            <a:r>
+              <a:rPr lang="en-US" altLang="zh-CN" sz="3200" dirty="0" smtClean="0">
+                <a:latin typeface="Montserrat" panose="020B0604020202020204" charset="0"/>
+              </a:rPr>
+              <a:t> Jun 2015)</a:t>
+            </a:r>
+          </a:p>
+          <a:p>
+            <a:pPr marL="457200" lvl="1" indent="-457200">
+              <a:spcBef>
+                <a:spcPts val="0"/>
+              </a:spcBef>
+            </a:pPr>
+            <a:r>
+              <a:rPr lang="en-US" altLang="zh-CN" sz="2400" dirty="0" smtClean="0">
+                <a:latin typeface="Montserrat" panose="020B0604020202020204" charset="0"/>
+              </a:rPr>
+              <a:t>Authors</a:t>
+            </a:r>
+            <a:r>
+              <a:rPr lang="en-US" altLang="zh-CN" sz="2400" dirty="0">
+                <a:latin typeface="Montserrat" panose="020B0604020202020204" charset="0"/>
+              </a:rPr>
+              <a:t>: Joseph </a:t>
+            </a:r>
+            <a:r>
+              <a:rPr lang="en-US" altLang="zh-CN" sz="2400" dirty="0" err="1" smtClean="0">
+                <a:latin typeface="Montserrat" panose="020B0604020202020204" charset="0"/>
+              </a:rPr>
+              <a:t>Redmon</a:t>
+            </a:r>
+            <a:r>
+              <a:rPr lang="en-US" altLang="zh-CN" sz="2400" dirty="0">
+                <a:latin typeface="Montserrat" panose="020B0604020202020204" charset="0"/>
+              </a:rPr>
+              <a:t>, Santosh </a:t>
+            </a:r>
+            <a:r>
+              <a:rPr lang="en-US" altLang="zh-CN" sz="2400" dirty="0" err="1" smtClean="0">
+                <a:latin typeface="Montserrat" panose="020B0604020202020204" charset="0"/>
+              </a:rPr>
+              <a:t>Divvala</a:t>
+            </a:r>
+            <a:r>
+              <a:rPr lang="en-US" altLang="zh-CN" sz="2400" dirty="0">
+                <a:latin typeface="Montserrat" panose="020B0604020202020204" charset="0"/>
+              </a:rPr>
+              <a:t>, </a:t>
+            </a:r>
+            <a:r>
+              <a:rPr lang="en-US" altLang="zh-CN" sz="2400" dirty="0">
+                <a:solidFill>
+                  <a:srgbClr val="FF0000"/>
+                </a:solidFill>
+                <a:latin typeface="Montserrat" panose="020B0604020202020204" charset="0"/>
+              </a:rPr>
+              <a:t>Ross </a:t>
+            </a:r>
+            <a:r>
+              <a:rPr lang="en-US" altLang="zh-CN" sz="2400" dirty="0" err="1" smtClean="0">
+                <a:solidFill>
+                  <a:srgbClr val="FF0000"/>
+                </a:solidFill>
+                <a:latin typeface="Montserrat" panose="020B0604020202020204" charset="0"/>
+              </a:rPr>
+              <a:t>Girshick</a:t>
+            </a:r>
+            <a:r>
+              <a:rPr lang="en-US" altLang="zh-CN" sz="2400" dirty="0" smtClean="0">
+                <a:latin typeface="Montserrat" panose="020B0604020202020204" charset="0"/>
+              </a:rPr>
+              <a:t>, Ali </a:t>
+            </a:r>
+            <a:r>
+              <a:rPr lang="en-US" altLang="zh-CN" sz="2400" dirty="0" err="1" smtClean="0">
+                <a:latin typeface="Montserrat" panose="020B0604020202020204" charset="0"/>
+              </a:rPr>
+              <a:t>Farhadi</a:t>
+            </a:r>
+            <a:endParaRPr lang="en-US" altLang="zh-CN" sz="2400" dirty="0" smtClean="0">
+              <a:latin typeface="Montserrat" panose="020B0604020202020204" charset="0"/>
+            </a:endParaRPr>
+          </a:p>
+          <a:p>
+            <a:pPr marL="457200" lvl="1" indent="-457200">
+              <a:spcBef>
+                <a:spcPts val="0"/>
+              </a:spcBef>
+            </a:pPr>
+            <a:r>
+              <a:rPr lang="en-US" altLang="zh-CN" sz="2400" dirty="0">
+                <a:latin typeface="Montserrat" panose="020B0604020202020204" charset="0"/>
+              </a:rPr>
+              <a:t>Ross </a:t>
+            </a:r>
+            <a:r>
+              <a:rPr lang="en-US" altLang="zh-CN" sz="2400" dirty="0" err="1" smtClean="0">
+                <a:latin typeface="Montserrat" panose="020B0604020202020204" charset="0"/>
+              </a:rPr>
+              <a:t>Girshick</a:t>
+            </a:r>
+            <a:r>
+              <a:rPr lang="en-US" altLang="zh-CN" sz="2400" dirty="0">
+                <a:latin typeface="Montserrat" panose="020B0604020202020204" charset="0"/>
+              </a:rPr>
+              <a:t>: Facebook AI </a:t>
+            </a:r>
+            <a:r>
+              <a:rPr lang="en-US" altLang="zh-CN" sz="2400" dirty="0" smtClean="0">
+                <a:latin typeface="Montserrat" panose="020B0604020202020204" charset="0"/>
+              </a:rPr>
+              <a:t>Research, rbg@fb.com</a:t>
+            </a:r>
+            <a:endParaRPr lang="en" altLang="zh-CN" sz="2400" dirty="0">
+              <a:latin typeface="Montserrat" panose="020B0604020202020204" charset="0"/>
+            </a:endParaRPr>
+          </a:p>
+          <a:p>
+            <a:pPr lvl="1">
+              <a:spcBef>
+                <a:spcPts val="0"/>
+              </a:spcBef>
+              <a:buNone/>
+            </a:pPr>
+            <a:r>
+              <a:rPr lang="en" sz="2400" dirty="0">
+                <a:latin typeface="Montserrat" panose="020B0604020202020204" charset="0"/>
+              </a:rPr>
+              <a:t> </a:t>
+            </a:r>
+            <a:r>
+              <a:rPr lang="en" sz="2400" dirty="0" smtClean="0">
+                <a:latin typeface="Montserrat" panose="020B0604020202020204" charset="0"/>
+              </a:rPr>
+              <a:t>     RCNN related models</a:t>
+            </a:r>
+          </a:p>
+          <a:p>
+            <a:pPr lvl="0" rtl="0">
+              <a:spcBef>
+                <a:spcPts val="0"/>
+              </a:spcBef>
+              <a:buNone/>
+            </a:pPr>
             <a:endParaRPr lang="en" sz="3200" dirty="0" smtClean="0">
               <a:latin typeface="Montserrat" panose="020B0604020202020204" charset="0"/>
             </a:endParaRPr>
@@ -5690,7 +12098,7 @@
     </p:spTree>
     <p:extLst>
       <p:ext uri="{BB962C8B-B14F-4D97-AF65-F5344CB8AC3E}">
-        <p14:creationId xmlns:p14="http://schemas.microsoft.com/office/powerpoint/2010/main" val="1109354625"/>
+        <p14:creationId xmlns:p14="http://schemas.microsoft.com/office/powerpoint/2010/main" val="3273475143"/>
       </p:ext>
     </p:extLst>
   </p:cSld>
@@ -5713,14 +12121,6 @@
 <file path=ppt/slides/slide7.xml><?xml version="1.0" encoding="utf-8"?>
 <p:sld xmlns:a="http://schemas.openxmlformats.org/drawingml/2006/main" xmlns:r="http://schemas.openxmlformats.org/officeDocument/2006/relationships" xmlns:p="http://schemas.openxmlformats.org/presentationml/2006/main">
   <p:cSld>
-    <p:bg>
-      <p:bgPr>
-        <a:solidFill>
-          <a:srgbClr val="182A2E"/>
-        </a:solidFill>
-        <a:effectLst/>
-      </p:bgPr>
-    </p:bg>
     <p:spTree>
       <p:nvGrpSpPr>
         <p:cNvPr id="1" name="Shape 300"/>
@@ -5802,8 +12202,8 @@
         </p:nvSpPr>
         <p:spPr>
           <a:xfrm>
-            <a:off x="-153470" y="821350"/>
-            <a:ext cx="9020100" cy="1159799"/>
+            <a:off x="0" y="0"/>
+            <a:ext cx="8620050" cy="1159799"/>
           </a:xfrm>
           <a:prstGeom prst="rect">
             <a:avLst/>
@@ -5826,13 +12226,10 @@
               <a:buNone/>
             </a:pPr>
             <a:r>
-              <a:rPr lang="en" sz="15000" dirty="0" smtClean="0"/>
-              <a:t>THANKS</a:t>
-            </a:r>
-            <a:r>
-              <a:rPr lang="en" sz="15000" dirty="0"/>
-              <a:t>!</a:t>
-            </a:r>
+              <a:rPr lang="en" sz="5400" dirty="0" smtClean="0"/>
+              <a:t>YOLO</a:t>
+            </a:r>
+            <a:endParaRPr lang="en" sz="5400" dirty="0"/>
           </a:p>
         </p:txBody>
       </p:sp>
@@ -5848,8 +12245,8 @@
         </p:nvSpPr>
         <p:spPr>
           <a:xfrm>
-            <a:off x="866775" y="2990850"/>
-            <a:ext cx="6412799" cy="1723500"/>
+            <a:off x="0" y="872836"/>
+            <a:ext cx="9144000" cy="4270663"/>
           </a:xfrm>
           <a:prstGeom prst="rect">
             <a:avLst/>
@@ -5865,1078 +12262,793 @@
           </a:bodyPr>
           <a:lstStyle/>
           <a:p>
-            <a:pPr lvl="0" rtl="0">
-              <a:spcBef>
-                <a:spcPts val="0"/>
-              </a:spcBef>
-              <a:buNone/>
-            </a:pPr>
-            <a:r>
-              <a:rPr lang="en" sz="3600" b="1" dirty="0"/>
-              <a:t>Any questions</a:t>
-            </a:r>
-            <a:r>
-              <a:rPr lang="en" sz="3600" b="1" dirty="0" smtClean="0"/>
-              <a:t>?</a:t>
-            </a:r>
-            <a:endParaRPr lang="en" sz="3600" b="1" dirty="0"/>
+            <a:pPr marL="457200" indent="-457200">
+              <a:spcBef>
+                <a:spcPts val="0"/>
+              </a:spcBef>
+            </a:pPr>
+            <a:r>
+              <a:rPr lang="en-US" sz="2000" dirty="0" smtClean="0">
+                <a:latin typeface="Montserrat" panose="020B0604020202020204" charset="0"/>
+              </a:rPr>
+              <a:t>YOLO frames </a:t>
+            </a:r>
+            <a:r>
+              <a:rPr lang="en-US" sz="2000" dirty="0">
+                <a:latin typeface="Montserrat" panose="020B0604020202020204" charset="0"/>
+              </a:rPr>
+              <a:t>object detection as a </a:t>
+            </a:r>
+            <a:r>
+              <a:rPr lang="en-US" sz="2000" dirty="0" smtClean="0">
+                <a:latin typeface="Montserrat" panose="020B0604020202020204" charset="0"/>
+              </a:rPr>
+              <a:t>regression problem </a:t>
+            </a:r>
+            <a:r>
+              <a:rPr lang="en-US" sz="2000" dirty="0">
+                <a:latin typeface="Montserrat" panose="020B0604020202020204" charset="0"/>
+              </a:rPr>
+              <a:t>to spatially separated bounding boxes </a:t>
+            </a:r>
+            <a:r>
+              <a:rPr lang="en-US" sz="2000" dirty="0" smtClean="0">
+                <a:latin typeface="Montserrat" panose="020B0604020202020204" charset="0"/>
+              </a:rPr>
+              <a:t>and\associated </a:t>
+            </a:r>
+            <a:r>
+              <a:rPr lang="en-US" sz="2000" dirty="0">
+                <a:latin typeface="Montserrat" panose="020B0604020202020204" charset="0"/>
+              </a:rPr>
+              <a:t>class </a:t>
+            </a:r>
+            <a:r>
+              <a:rPr lang="en-US" sz="2000" dirty="0" smtClean="0">
+                <a:latin typeface="Montserrat" panose="020B0604020202020204" charset="0"/>
+              </a:rPr>
+              <a:t>probabilities.</a:t>
+            </a:r>
+          </a:p>
+          <a:p>
+            <a:pPr marL="457200" indent="-457200">
+              <a:spcBef>
+                <a:spcPts val="0"/>
+              </a:spcBef>
+            </a:pPr>
+            <a:endParaRPr lang="en-US" sz="2000" dirty="0" smtClean="0">
+              <a:latin typeface="Montserrat" panose="020B0604020202020204" charset="0"/>
+            </a:endParaRPr>
+          </a:p>
+          <a:p>
+            <a:pPr marL="457200" indent="-457200">
+              <a:spcBef>
+                <a:spcPts val="0"/>
+              </a:spcBef>
+            </a:pPr>
+            <a:r>
+              <a:rPr lang="en-US" sz="2000" dirty="0">
+                <a:latin typeface="Montserrat" panose="020B0604020202020204" charset="0"/>
+              </a:rPr>
+              <a:t>A single neural network </a:t>
+            </a:r>
+            <a:r>
+              <a:rPr lang="en-US" sz="2000" dirty="0" smtClean="0">
+                <a:latin typeface="Montserrat" panose="020B0604020202020204" charset="0"/>
+              </a:rPr>
+              <a:t>predicts bounding </a:t>
+            </a:r>
+            <a:r>
+              <a:rPr lang="en-US" sz="2000" dirty="0">
+                <a:latin typeface="Montserrat" panose="020B0604020202020204" charset="0"/>
+              </a:rPr>
+              <a:t>boxes and class probabilities directly </a:t>
+            </a:r>
+            <a:r>
+              <a:rPr lang="en-US" sz="2000" dirty="0" smtClean="0">
+                <a:latin typeface="Montserrat" panose="020B0604020202020204" charset="0"/>
+              </a:rPr>
+              <a:t>from full </a:t>
+            </a:r>
+            <a:r>
+              <a:rPr lang="en-US" sz="2000" dirty="0">
+                <a:latin typeface="Montserrat" panose="020B0604020202020204" charset="0"/>
+              </a:rPr>
+              <a:t>images in one </a:t>
+            </a:r>
+            <a:r>
+              <a:rPr lang="en-US" sz="2000" dirty="0" smtClean="0">
+                <a:latin typeface="Montserrat" panose="020B0604020202020204" charset="0"/>
+              </a:rPr>
+              <a:t>evaluation.</a:t>
+            </a:r>
           </a:p>
         </p:txBody>
       </p:sp>
-      <p:grpSp>
-        <p:nvGrpSpPr>
-          <p:cNvPr id="5" name="Shape 758"/>
-          <p:cNvGrpSpPr/>
+    </p:spTree>
+    <p:extLst>
+      <p:ext uri="{BB962C8B-B14F-4D97-AF65-F5344CB8AC3E}">
+        <p14:creationId xmlns:p14="http://schemas.microsoft.com/office/powerpoint/2010/main" val="430523115"/>
+      </p:ext>
+    </p:extLst>
+  </p:cSld>
+  <p:clrMapOvr>
+    <a:masterClrMapping/>
+  </p:clrMapOvr>
+  <p:transition spd="slow">
+    <p:cut/>
+  </p:transition>
+  <p:timing>
+    <p:tnLst>
+      <p:par>
+        <p:cTn id="1" dur="indefinite" restart="never" nodeType="tmRoot"/>
+      </p:par>
+    </p:tnLst>
+  </p:timing>
+</p:sld>
+</file>
+
+<file path=ppt/slides/slide8.xml><?xml version="1.0" encoding="utf-8"?>
+<p:sld xmlns:a="http://schemas.openxmlformats.org/drawingml/2006/main" xmlns:r="http://schemas.openxmlformats.org/officeDocument/2006/relationships" xmlns:p="http://schemas.openxmlformats.org/presentationml/2006/main">
+  <p:cSld>
+    <p:spTree>
+      <p:nvGrpSpPr>
+        <p:cNvPr id="1" name="Shape 300"/>
+        <p:cNvGrpSpPr/>
+        <p:nvPr/>
+      </p:nvGrpSpPr>
+      <p:grpSpPr>
+        <a:xfrm>
+          <a:off x="0" y="0"/>
+          <a:ext cx="0" cy="0"/>
+          <a:chOff x="0" y="0"/>
+          <a:chExt cx="0" cy="0"/>
+        </a:xfrm>
+      </p:grpSpPr>
+      <p:pic>
+        <p:nvPicPr>
+          <p:cNvPr id="301" name="Shape 301"/>
+          <p:cNvPicPr preferRelativeResize="0"/>
           <p:nvPr/>
-        </p:nvGrpSpPr>
-        <p:grpSpPr>
+        </p:nvPicPr>
+        <p:blipFill rotWithShape="1">
+          <a:blip r:embed="rId3">
+            <a:alphaModFix amt="11000"/>
+          </a:blip>
+          <a:srcRect t="28895" b="14855"/>
+          <a:stretch/>
+        </p:blipFill>
+        <p:spPr>
           <a:xfrm>
-            <a:off x="473482" y="357744"/>
-            <a:ext cx="433992" cy="422729"/>
-            <a:chOff x="5916675" y="927975"/>
-            <a:chExt cx="516350" cy="502950"/>
+            <a:off x="0" y="0"/>
+            <a:ext cx="9144000" cy="5143500"/>
           </a:xfrm>
-        </p:grpSpPr>
-        <p:sp>
-          <p:nvSpPr>
-            <p:cNvPr id="6" name="Shape 759"/>
-            <p:cNvSpPr/>
-            <p:nvPr/>
-          </p:nvSpPr>
-          <p:spPr>
-            <a:xfrm>
-              <a:off x="5916675" y="927975"/>
-              <a:ext cx="516350" cy="502950"/>
-            </a:xfrm>
-            <a:custGeom>
-              <a:avLst/>
-              <a:gdLst/>
-              <a:ahLst/>
-              <a:cxnLst/>
-              <a:rect l="0" t="0" r="0" b="0"/>
-              <a:pathLst>
-                <a:path w="20654" h="20118" fill="none" extrusionOk="0">
-                  <a:moveTo>
-                    <a:pt x="20654" y="10059"/>
-                  </a:moveTo>
-                  <a:lnTo>
-                    <a:pt x="18486" y="8183"/>
-                  </a:lnTo>
-                  <a:lnTo>
-                    <a:pt x="19631" y="5577"/>
-                  </a:lnTo>
-                  <a:lnTo>
-                    <a:pt x="16879" y="4847"/>
-                  </a:lnTo>
-                  <a:lnTo>
-                    <a:pt x="16757" y="1997"/>
-                  </a:lnTo>
-                  <a:lnTo>
-                    <a:pt x="13956" y="2509"/>
-                  </a:lnTo>
-                  <a:lnTo>
-                    <a:pt x="12616" y="0"/>
-                  </a:lnTo>
-                  <a:lnTo>
-                    <a:pt x="10327" y="1681"/>
-                  </a:lnTo>
-                  <a:lnTo>
-                    <a:pt x="8038" y="0"/>
-                  </a:lnTo>
-                  <a:lnTo>
-                    <a:pt x="6698" y="2509"/>
-                  </a:lnTo>
-                  <a:lnTo>
-                    <a:pt x="3897" y="1997"/>
-                  </a:lnTo>
-                  <a:lnTo>
-                    <a:pt x="3776" y="4847"/>
-                  </a:lnTo>
-                  <a:lnTo>
-                    <a:pt x="1023" y="5577"/>
-                  </a:lnTo>
-                  <a:lnTo>
-                    <a:pt x="2168" y="8183"/>
-                  </a:lnTo>
-                  <a:lnTo>
-                    <a:pt x="1" y="10059"/>
-                  </a:lnTo>
-                  <a:lnTo>
-                    <a:pt x="2168" y="11934"/>
-                  </a:lnTo>
-                  <a:lnTo>
-                    <a:pt x="1023" y="14540"/>
-                  </a:lnTo>
-                  <a:lnTo>
-                    <a:pt x="3776" y="15271"/>
-                  </a:lnTo>
-                  <a:lnTo>
-                    <a:pt x="3897" y="18120"/>
-                  </a:lnTo>
-                  <a:lnTo>
-                    <a:pt x="6698" y="17609"/>
-                  </a:lnTo>
-                  <a:lnTo>
-                    <a:pt x="8038" y="20117"/>
-                  </a:lnTo>
-                  <a:lnTo>
-                    <a:pt x="10327" y="18437"/>
-                  </a:lnTo>
-                  <a:lnTo>
-                    <a:pt x="12616" y="20117"/>
-                  </a:lnTo>
-                  <a:lnTo>
-                    <a:pt x="13956" y="17609"/>
-                  </a:lnTo>
-                  <a:lnTo>
-                    <a:pt x="16757" y="18120"/>
-                  </a:lnTo>
-                  <a:lnTo>
-                    <a:pt x="16879" y="15271"/>
-                  </a:lnTo>
-                  <a:lnTo>
-                    <a:pt x="19631" y="14540"/>
-                  </a:lnTo>
-                  <a:lnTo>
-                    <a:pt x="18486" y="11934"/>
-                  </a:lnTo>
-                  <a:lnTo>
-                    <a:pt x="20654" y="10059"/>
-                  </a:lnTo>
-                  <a:close/>
-                </a:path>
-              </a:pathLst>
-            </a:custGeom>
+          <a:prstGeom prst="rect">
+            <a:avLst/>
+          </a:prstGeom>
+          <a:gradFill>
+            <a:gsLst>
+              <a:gs pos="0">
+                <a:schemeClr val="accent1">
+                  <a:lumMod val="5000"/>
+                  <a:lumOff val="95000"/>
+                </a:schemeClr>
+              </a:gs>
+              <a:gs pos="74000">
+                <a:schemeClr val="accent1">
+                  <a:lumMod val="45000"/>
+                  <a:lumOff val="55000"/>
+                </a:schemeClr>
+              </a:gs>
+              <a:gs pos="83000">
+                <a:schemeClr val="accent1">
+                  <a:lumMod val="45000"/>
+                  <a:lumOff val="55000"/>
+                </a:schemeClr>
+              </a:gs>
+              <a:gs pos="100000">
+                <a:schemeClr val="accent1">
+                  <a:lumMod val="30000"/>
+                  <a:lumOff val="70000"/>
+                </a:schemeClr>
+              </a:gs>
+            </a:gsLst>
+            <a:lin ang="5400000" scaled="1"/>
+          </a:gradFill>
+          <a:ln>
             <a:noFill/>
-            <a:ln w="38100" cap="rnd" cmpd="sng">
-              <a:solidFill>
-                <a:srgbClr val="FFFF00"/>
-              </a:solidFill>
-              <a:prstDash val="solid"/>
-              <a:round/>
-              <a:headEnd type="none" w="med" len="med"/>
-              <a:tailEnd type="none" w="med" len="med"/>
-            </a:ln>
-          </p:spPr>
-          <p:txBody>
-            <a:bodyPr lIns="91425" tIns="91425" rIns="91425" bIns="91425" anchor="ctr" anchorCtr="0">
-              <a:noAutofit/>
-            </a:bodyPr>
-            <a:lstStyle/>
-            <a:p>
-              <a:pPr lvl="0">
-                <a:spcBef>
-                  <a:spcPts val="0"/>
-                </a:spcBef>
-                <a:buNone/>
-              </a:pPr>
-              <a:endParaRPr/>
-            </a:p>
-          </p:txBody>
-        </p:sp>
-        <p:sp>
-          <p:nvSpPr>
-            <p:cNvPr id="7" name="Shape 760"/>
-            <p:cNvSpPr/>
-            <p:nvPr/>
-          </p:nvSpPr>
-          <p:spPr>
-            <a:xfrm>
-              <a:off x="6006800" y="1011375"/>
-              <a:ext cx="336125" cy="336125"/>
-            </a:xfrm>
-            <a:custGeom>
-              <a:avLst/>
-              <a:gdLst/>
-              <a:ahLst/>
-              <a:cxnLst/>
-              <a:rect l="0" t="0" r="0" b="0"/>
-              <a:pathLst>
-                <a:path w="13445" h="13445" fill="none" extrusionOk="0">
-                  <a:moveTo>
-                    <a:pt x="6722" y="13445"/>
-                  </a:moveTo>
-                  <a:lnTo>
-                    <a:pt x="6722" y="13445"/>
-                  </a:lnTo>
-                  <a:lnTo>
-                    <a:pt x="6381" y="13420"/>
-                  </a:lnTo>
-                  <a:lnTo>
-                    <a:pt x="6040" y="13396"/>
-                  </a:lnTo>
-                  <a:lnTo>
-                    <a:pt x="5699" y="13347"/>
-                  </a:lnTo>
-                  <a:lnTo>
-                    <a:pt x="5383" y="13299"/>
-                  </a:lnTo>
-                  <a:lnTo>
-                    <a:pt x="5042" y="13226"/>
-                  </a:lnTo>
-                  <a:lnTo>
-                    <a:pt x="4725" y="13128"/>
-                  </a:lnTo>
-                  <a:lnTo>
-                    <a:pt x="4408" y="13031"/>
-                  </a:lnTo>
-                  <a:lnTo>
-                    <a:pt x="4116" y="12909"/>
-                  </a:lnTo>
-                  <a:lnTo>
-                    <a:pt x="3824" y="12763"/>
-                  </a:lnTo>
-                  <a:lnTo>
-                    <a:pt x="3532" y="12617"/>
-                  </a:lnTo>
-                  <a:lnTo>
-                    <a:pt x="3239" y="12471"/>
-                  </a:lnTo>
-                  <a:lnTo>
-                    <a:pt x="2971" y="12276"/>
-                  </a:lnTo>
-                  <a:lnTo>
-                    <a:pt x="2703" y="12105"/>
-                  </a:lnTo>
-                  <a:lnTo>
-                    <a:pt x="2460" y="11910"/>
-                  </a:lnTo>
-                  <a:lnTo>
-                    <a:pt x="2216" y="11691"/>
-                  </a:lnTo>
-                  <a:lnTo>
-                    <a:pt x="1973" y="11472"/>
-                  </a:lnTo>
-                  <a:lnTo>
-                    <a:pt x="1754" y="11228"/>
-                  </a:lnTo>
-                  <a:lnTo>
-                    <a:pt x="1534" y="10985"/>
-                  </a:lnTo>
-                  <a:lnTo>
-                    <a:pt x="1340" y="10741"/>
-                  </a:lnTo>
-                  <a:lnTo>
-                    <a:pt x="1169" y="10473"/>
-                  </a:lnTo>
-                  <a:lnTo>
-                    <a:pt x="974" y="10206"/>
-                  </a:lnTo>
-                  <a:lnTo>
-                    <a:pt x="828" y="9913"/>
-                  </a:lnTo>
-                  <a:lnTo>
-                    <a:pt x="682" y="9621"/>
-                  </a:lnTo>
-                  <a:lnTo>
-                    <a:pt x="536" y="9329"/>
-                  </a:lnTo>
-                  <a:lnTo>
-                    <a:pt x="414" y="9036"/>
-                  </a:lnTo>
-                  <a:lnTo>
-                    <a:pt x="317" y="8720"/>
-                  </a:lnTo>
-                  <a:lnTo>
-                    <a:pt x="219" y="8403"/>
-                  </a:lnTo>
-                  <a:lnTo>
-                    <a:pt x="146" y="8062"/>
-                  </a:lnTo>
-                  <a:lnTo>
-                    <a:pt x="98" y="7746"/>
-                  </a:lnTo>
-                  <a:lnTo>
-                    <a:pt x="49" y="7405"/>
-                  </a:lnTo>
-                  <a:lnTo>
-                    <a:pt x="24" y="7064"/>
-                  </a:lnTo>
-                  <a:lnTo>
-                    <a:pt x="0" y="6723"/>
-                  </a:lnTo>
-                  <a:lnTo>
-                    <a:pt x="0" y="6723"/>
-                  </a:lnTo>
-                  <a:lnTo>
-                    <a:pt x="24" y="6382"/>
-                  </a:lnTo>
-                  <a:lnTo>
-                    <a:pt x="49" y="6041"/>
-                  </a:lnTo>
-                  <a:lnTo>
-                    <a:pt x="98" y="5700"/>
-                  </a:lnTo>
-                  <a:lnTo>
-                    <a:pt x="146" y="5383"/>
-                  </a:lnTo>
-                  <a:lnTo>
-                    <a:pt x="219" y="5042"/>
-                  </a:lnTo>
-                  <a:lnTo>
-                    <a:pt x="317" y="4726"/>
-                  </a:lnTo>
-                  <a:lnTo>
-                    <a:pt x="414" y="4409"/>
-                  </a:lnTo>
-                  <a:lnTo>
-                    <a:pt x="536" y="4117"/>
-                  </a:lnTo>
-                  <a:lnTo>
-                    <a:pt x="682" y="3825"/>
-                  </a:lnTo>
-                  <a:lnTo>
-                    <a:pt x="828" y="3532"/>
-                  </a:lnTo>
-                  <a:lnTo>
-                    <a:pt x="974" y="3240"/>
-                  </a:lnTo>
-                  <a:lnTo>
-                    <a:pt x="1169" y="2972"/>
-                  </a:lnTo>
-                  <a:lnTo>
-                    <a:pt x="1340" y="2704"/>
-                  </a:lnTo>
-                  <a:lnTo>
-                    <a:pt x="1534" y="2461"/>
-                  </a:lnTo>
-                  <a:lnTo>
-                    <a:pt x="1754" y="2217"/>
-                  </a:lnTo>
-                  <a:lnTo>
-                    <a:pt x="1973" y="1974"/>
-                  </a:lnTo>
-                  <a:lnTo>
-                    <a:pt x="2216" y="1754"/>
-                  </a:lnTo>
-                  <a:lnTo>
-                    <a:pt x="2460" y="1535"/>
-                  </a:lnTo>
-                  <a:lnTo>
-                    <a:pt x="2703" y="1340"/>
-                  </a:lnTo>
-                  <a:lnTo>
-                    <a:pt x="2971" y="1170"/>
-                  </a:lnTo>
-                  <a:lnTo>
-                    <a:pt x="3239" y="975"/>
-                  </a:lnTo>
-                  <a:lnTo>
-                    <a:pt x="3532" y="829"/>
-                  </a:lnTo>
-                  <a:lnTo>
-                    <a:pt x="3824" y="683"/>
-                  </a:lnTo>
-                  <a:lnTo>
-                    <a:pt x="4116" y="537"/>
-                  </a:lnTo>
-                  <a:lnTo>
-                    <a:pt x="4408" y="415"/>
-                  </a:lnTo>
-                  <a:lnTo>
-                    <a:pt x="4725" y="317"/>
-                  </a:lnTo>
-                  <a:lnTo>
-                    <a:pt x="5042" y="220"/>
-                  </a:lnTo>
-                  <a:lnTo>
-                    <a:pt x="5383" y="147"/>
-                  </a:lnTo>
-                  <a:lnTo>
-                    <a:pt x="5699" y="98"/>
-                  </a:lnTo>
-                  <a:lnTo>
-                    <a:pt x="6040" y="49"/>
-                  </a:lnTo>
-                  <a:lnTo>
-                    <a:pt x="6381" y="25"/>
-                  </a:lnTo>
-                  <a:lnTo>
-                    <a:pt x="6722" y="1"/>
-                  </a:lnTo>
-                  <a:lnTo>
-                    <a:pt x="6722" y="1"/>
-                  </a:lnTo>
-                  <a:lnTo>
-                    <a:pt x="7063" y="25"/>
-                  </a:lnTo>
-                  <a:lnTo>
-                    <a:pt x="7404" y="49"/>
-                  </a:lnTo>
-                  <a:lnTo>
-                    <a:pt x="7745" y="98"/>
-                  </a:lnTo>
-                  <a:lnTo>
-                    <a:pt x="8062" y="147"/>
-                  </a:lnTo>
-                  <a:lnTo>
-                    <a:pt x="8403" y="220"/>
-                  </a:lnTo>
-                  <a:lnTo>
-                    <a:pt x="8719" y="317"/>
-                  </a:lnTo>
-                  <a:lnTo>
-                    <a:pt x="9036" y="415"/>
-                  </a:lnTo>
-                  <a:lnTo>
-                    <a:pt x="9328" y="537"/>
-                  </a:lnTo>
-                  <a:lnTo>
-                    <a:pt x="9620" y="683"/>
-                  </a:lnTo>
-                  <a:lnTo>
-                    <a:pt x="9913" y="829"/>
-                  </a:lnTo>
-                  <a:lnTo>
-                    <a:pt x="10205" y="975"/>
-                  </a:lnTo>
-                  <a:lnTo>
-                    <a:pt x="10473" y="1170"/>
-                  </a:lnTo>
-                  <a:lnTo>
-                    <a:pt x="10741" y="1340"/>
-                  </a:lnTo>
-                  <a:lnTo>
-                    <a:pt x="10984" y="1535"/>
-                  </a:lnTo>
-                  <a:lnTo>
-                    <a:pt x="11228" y="1754"/>
-                  </a:lnTo>
-                  <a:lnTo>
-                    <a:pt x="11471" y="1974"/>
-                  </a:lnTo>
-                  <a:lnTo>
-                    <a:pt x="11690" y="2217"/>
-                  </a:lnTo>
-                  <a:lnTo>
-                    <a:pt x="11910" y="2461"/>
-                  </a:lnTo>
-                  <a:lnTo>
-                    <a:pt x="12105" y="2704"/>
-                  </a:lnTo>
-                  <a:lnTo>
-                    <a:pt x="12275" y="2972"/>
-                  </a:lnTo>
-                  <a:lnTo>
-                    <a:pt x="12470" y="3240"/>
-                  </a:lnTo>
-                  <a:lnTo>
-                    <a:pt x="12616" y="3532"/>
-                  </a:lnTo>
-                  <a:lnTo>
-                    <a:pt x="12762" y="3825"/>
-                  </a:lnTo>
-                  <a:lnTo>
-                    <a:pt x="12908" y="4117"/>
-                  </a:lnTo>
-                  <a:lnTo>
-                    <a:pt x="13030" y="4409"/>
-                  </a:lnTo>
-                  <a:lnTo>
-                    <a:pt x="13127" y="4726"/>
-                  </a:lnTo>
-                  <a:lnTo>
-                    <a:pt x="13225" y="5042"/>
-                  </a:lnTo>
-                  <a:lnTo>
-                    <a:pt x="13298" y="5383"/>
-                  </a:lnTo>
-                  <a:lnTo>
-                    <a:pt x="13347" y="5700"/>
-                  </a:lnTo>
-                  <a:lnTo>
-                    <a:pt x="13395" y="6041"/>
-                  </a:lnTo>
-                  <a:lnTo>
-                    <a:pt x="13420" y="6382"/>
-                  </a:lnTo>
-                  <a:lnTo>
-                    <a:pt x="13444" y="6723"/>
-                  </a:lnTo>
-                  <a:lnTo>
-                    <a:pt x="13444" y="6723"/>
-                  </a:lnTo>
-                  <a:lnTo>
-                    <a:pt x="13420" y="7064"/>
-                  </a:lnTo>
-                  <a:lnTo>
-                    <a:pt x="13395" y="7405"/>
-                  </a:lnTo>
-                  <a:lnTo>
-                    <a:pt x="13347" y="7746"/>
-                  </a:lnTo>
-                  <a:lnTo>
-                    <a:pt x="13298" y="8062"/>
-                  </a:lnTo>
-                  <a:lnTo>
-                    <a:pt x="13225" y="8403"/>
-                  </a:lnTo>
-                  <a:lnTo>
-                    <a:pt x="13127" y="8720"/>
-                  </a:lnTo>
-                  <a:lnTo>
-                    <a:pt x="13030" y="9036"/>
-                  </a:lnTo>
-                  <a:lnTo>
-                    <a:pt x="12908" y="9329"/>
-                  </a:lnTo>
-                  <a:lnTo>
-                    <a:pt x="12762" y="9621"/>
-                  </a:lnTo>
-                  <a:lnTo>
-                    <a:pt x="12616" y="9913"/>
-                  </a:lnTo>
-                  <a:lnTo>
-                    <a:pt x="12470" y="10206"/>
-                  </a:lnTo>
-                  <a:lnTo>
-                    <a:pt x="12275" y="10473"/>
-                  </a:lnTo>
-                  <a:lnTo>
-                    <a:pt x="12105" y="10741"/>
-                  </a:lnTo>
-                  <a:lnTo>
-                    <a:pt x="11910" y="10985"/>
-                  </a:lnTo>
-                  <a:lnTo>
-                    <a:pt x="11690" y="11228"/>
-                  </a:lnTo>
-                  <a:lnTo>
-                    <a:pt x="11471" y="11472"/>
-                  </a:lnTo>
-                  <a:lnTo>
-                    <a:pt x="11228" y="11691"/>
-                  </a:lnTo>
-                  <a:lnTo>
-                    <a:pt x="10984" y="11910"/>
-                  </a:lnTo>
-                  <a:lnTo>
-                    <a:pt x="10741" y="12105"/>
-                  </a:lnTo>
-                  <a:lnTo>
-                    <a:pt x="10473" y="12276"/>
-                  </a:lnTo>
-                  <a:lnTo>
-                    <a:pt x="10205" y="12471"/>
-                  </a:lnTo>
-                  <a:lnTo>
-                    <a:pt x="9913" y="12617"/>
-                  </a:lnTo>
-                  <a:lnTo>
-                    <a:pt x="9620" y="12763"/>
-                  </a:lnTo>
-                  <a:lnTo>
-                    <a:pt x="9328" y="12909"/>
-                  </a:lnTo>
-                  <a:lnTo>
-                    <a:pt x="9036" y="13031"/>
-                  </a:lnTo>
-                  <a:lnTo>
-                    <a:pt x="8719" y="13128"/>
-                  </a:lnTo>
-                  <a:lnTo>
-                    <a:pt x="8403" y="13226"/>
-                  </a:lnTo>
-                  <a:lnTo>
-                    <a:pt x="8062" y="13299"/>
-                  </a:lnTo>
-                  <a:lnTo>
-                    <a:pt x="7745" y="13347"/>
-                  </a:lnTo>
-                  <a:lnTo>
-                    <a:pt x="7404" y="13396"/>
-                  </a:lnTo>
-                  <a:lnTo>
-                    <a:pt x="7063" y="13420"/>
-                  </a:lnTo>
-                  <a:lnTo>
-                    <a:pt x="6722" y="13445"/>
-                  </a:lnTo>
-                  <a:lnTo>
-                    <a:pt x="6722" y="13445"/>
-                  </a:lnTo>
-                  <a:close/>
-                </a:path>
-              </a:pathLst>
-            </a:custGeom>
-            <a:noFill/>
-            <a:ln w="38100" cap="rnd" cmpd="sng">
-              <a:solidFill>
-                <a:srgbClr val="FFFF00"/>
-              </a:solidFill>
-              <a:prstDash val="solid"/>
-              <a:round/>
-              <a:headEnd type="none" w="med" len="med"/>
-              <a:tailEnd type="none" w="med" len="med"/>
-            </a:ln>
-          </p:spPr>
-          <p:txBody>
-            <a:bodyPr lIns="91425" tIns="91425" rIns="91425" bIns="91425" anchor="ctr" anchorCtr="0">
-              <a:noAutofit/>
-            </a:bodyPr>
-            <a:lstStyle/>
-            <a:p>
-              <a:pPr lvl="0">
-                <a:spcBef>
-                  <a:spcPts val="0"/>
-                </a:spcBef>
-                <a:buNone/>
-              </a:pPr>
-              <a:endParaRPr/>
-            </a:p>
-          </p:txBody>
-        </p:sp>
-      </p:grpSp>
+          </a:ln>
+        </p:spPr>
+      </p:pic>
       <p:sp>
         <p:nvSpPr>
-          <p:cNvPr id="8" name="Shape 767"/>
-          <p:cNvSpPr/>
-          <p:nvPr/>
+          <p:cNvPr id="302" name="Shape 302"/>
+          <p:cNvSpPr txBox="1">
+            <a:spLocks noGrp="1"/>
+          </p:cNvSpPr>
+          <p:nvPr>
+            <p:ph type="ctrTitle" idx="4294967295"/>
+          </p:nvPr>
         </p:nvSpPr>
         <p:spPr>
           <a:xfrm>
-            <a:off x="665643" y="594121"/>
-            <a:ext cx="402263" cy="227229"/>
+            <a:off x="0" y="0"/>
+            <a:ext cx="8620050" cy="1159799"/>
           </a:xfrm>
-          <a:custGeom>
+          <a:prstGeom prst="rect">
             <a:avLst/>
-            <a:gdLst/>
-            <a:ahLst/>
-            <a:cxnLst/>
-            <a:rect l="0" t="0" r="0" b="0"/>
-            <a:pathLst>
-              <a:path w="19144" h="10814" fill="none" extrusionOk="0">
-                <a:moveTo>
-                  <a:pt x="16124" y="4774"/>
-                </a:moveTo>
-                <a:lnTo>
-                  <a:pt x="15369" y="4774"/>
-                </a:lnTo>
-                <a:lnTo>
-                  <a:pt x="15369" y="4774"/>
-                </a:lnTo>
-                <a:lnTo>
-                  <a:pt x="15393" y="4482"/>
-                </a:lnTo>
-                <a:lnTo>
-                  <a:pt x="15393" y="4482"/>
-                </a:lnTo>
-                <a:lnTo>
-                  <a:pt x="15369" y="4189"/>
-                </a:lnTo>
-                <a:lnTo>
-                  <a:pt x="15344" y="3921"/>
-                </a:lnTo>
-                <a:lnTo>
-                  <a:pt x="15271" y="3654"/>
-                </a:lnTo>
-                <a:lnTo>
-                  <a:pt x="15174" y="3410"/>
-                </a:lnTo>
-                <a:lnTo>
-                  <a:pt x="15052" y="3166"/>
-                </a:lnTo>
-                <a:lnTo>
-                  <a:pt x="14930" y="2947"/>
-                </a:lnTo>
-                <a:lnTo>
-                  <a:pt x="14760" y="2728"/>
-                </a:lnTo>
-                <a:lnTo>
-                  <a:pt x="14589" y="2533"/>
-                </a:lnTo>
-                <a:lnTo>
-                  <a:pt x="14394" y="2363"/>
-                </a:lnTo>
-                <a:lnTo>
-                  <a:pt x="14175" y="2192"/>
-                </a:lnTo>
-                <a:lnTo>
-                  <a:pt x="13956" y="2070"/>
-                </a:lnTo>
-                <a:lnTo>
-                  <a:pt x="13712" y="1949"/>
-                </a:lnTo>
-                <a:lnTo>
-                  <a:pt x="13469" y="1851"/>
-                </a:lnTo>
-                <a:lnTo>
-                  <a:pt x="13201" y="1778"/>
-                </a:lnTo>
-                <a:lnTo>
-                  <a:pt x="12933" y="1754"/>
-                </a:lnTo>
-                <a:lnTo>
-                  <a:pt x="12641" y="1729"/>
-                </a:lnTo>
-                <a:lnTo>
-                  <a:pt x="12641" y="1729"/>
-                </a:lnTo>
-                <a:lnTo>
-                  <a:pt x="12300" y="1754"/>
-                </a:lnTo>
-                <a:lnTo>
-                  <a:pt x="11959" y="1827"/>
-                </a:lnTo>
-                <a:lnTo>
-                  <a:pt x="11618" y="1924"/>
-                </a:lnTo>
-                <a:lnTo>
-                  <a:pt x="11326" y="2070"/>
-                </a:lnTo>
-                <a:lnTo>
-                  <a:pt x="11326" y="2070"/>
-                </a:lnTo>
-                <a:lnTo>
-                  <a:pt x="11155" y="1851"/>
-                </a:lnTo>
-                <a:lnTo>
-                  <a:pt x="10985" y="1632"/>
-                </a:lnTo>
-                <a:lnTo>
-                  <a:pt x="10814" y="1413"/>
-                </a:lnTo>
-                <a:lnTo>
-                  <a:pt x="10619" y="1218"/>
-                </a:lnTo>
-                <a:lnTo>
-                  <a:pt x="10425" y="1048"/>
-                </a:lnTo>
-                <a:lnTo>
-                  <a:pt x="10205" y="877"/>
-                </a:lnTo>
-                <a:lnTo>
-                  <a:pt x="9962" y="707"/>
-                </a:lnTo>
-                <a:lnTo>
-                  <a:pt x="9718" y="560"/>
-                </a:lnTo>
-                <a:lnTo>
-                  <a:pt x="9475" y="439"/>
-                </a:lnTo>
-                <a:lnTo>
-                  <a:pt x="9231" y="317"/>
-                </a:lnTo>
-                <a:lnTo>
-                  <a:pt x="8963" y="219"/>
-                </a:lnTo>
-                <a:lnTo>
-                  <a:pt x="8695" y="146"/>
-                </a:lnTo>
-                <a:lnTo>
-                  <a:pt x="8403" y="73"/>
-                </a:lnTo>
-                <a:lnTo>
-                  <a:pt x="8135" y="25"/>
-                </a:lnTo>
-                <a:lnTo>
-                  <a:pt x="7843" y="0"/>
-                </a:lnTo>
-                <a:lnTo>
-                  <a:pt x="7551" y="0"/>
-                </a:lnTo>
-                <a:lnTo>
-                  <a:pt x="7551" y="0"/>
-                </a:lnTo>
-                <a:lnTo>
-                  <a:pt x="7088" y="25"/>
-                </a:lnTo>
-                <a:lnTo>
-                  <a:pt x="6650" y="98"/>
-                </a:lnTo>
-                <a:lnTo>
-                  <a:pt x="6211" y="195"/>
-                </a:lnTo>
-                <a:lnTo>
-                  <a:pt x="5797" y="341"/>
-                </a:lnTo>
-                <a:lnTo>
-                  <a:pt x="5407" y="536"/>
-                </a:lnTo>
-                <a:lnTo>
-                  <a:pt x="5042" y="755"/>
-                </a:lnTo>
-                <a:lnTo>
-                  <a:pt x="4701" y="1023"/>
-                </a:lnTo>
-                <a:lnTo>
-                  <a:pt x="4385" y="1315"/>
-                </a:lnTo>
-                <a:lnTo>
-                  <a:pt x="4092" y="1632"/>
-                </a:lnTo>
-                <a:lnTo>
-                  <a:pt x="3824" y="1973"/>
-                </a:lnTo>
-                <a:lnTo>
-                  <a:pt x="3605" y="2338"/>
-                </a:lnTo>
-                <a:lnTo>
-                  <a:pt x="3410" y="2728"/>
-                </a:lnTo>
-                <a:lnTo>
-                  <a:pt x="3264" y="3142"/>
-                </a:lnTo>
-                <a:lnTo>
-                  <a:pt x="3142" y="3580"/>
-                </a:lnTo>
-                <a:lnTo>
-                  <a:pt x="3094" y="4019"/>
-                </a:lnTo>
-                <a:lnTo>
-                  <a:pt x="3069" y="4482"/>
-                </a:lnTo>
-                <a:lnTo>
-                  <a:pt x="3069" y="4482"/>
-                </a:lnTo>
-                <a:lnTo>
-                  <a:pt x="3069" y="4774"/>
-                </a:lnTo>
-                <a:lnTo>
-                  <a:pt x="3021" y="4774"/>
-                </a:lnTo>
-                <a:lnTo>
-                  <a:pt x="3021" y="4774"/>
-                </a:lnTo>
-                <a:lnTo>
-                  <a:pt x="2704" y="4774"/>
-                </a:lnTo>
-                <a:lnTo>
-                  <a:pt x="2412" y="4823"/>
-                </a:lnTo>
-                <a:lnTo>
-                  <a:pt x="2120" y="4896"/>
-                </a:lnTo>
-                <a:lnTo>
-                  <a:pt x="1827" y="5017"/>
-                </a:lnTo>
-                <a:lnTo>
-                  <a:pt x="1584" y="5139"/>
-                </a:lnTo>
-                <a:lnTo>
-                  <a:pt x="1316" y="5285"/>
-                </a:lnTo>
-                <a:lnTo>
-                  <a:pt x="1097" y="5456"/>
-                </a:lnTo>
-                <a:lnTo>
-                  <a:pt x="877" y="5651"/>
-                </a:lnTo>
-                <a:lnTo>
-                  <a:pt x="683" y="5870"/>
-                </a:lnTo>
-                <a:lnTo>
-                  <a:pt x="512" y="6113"/>
-                </a:lnTo>
-                <a:lnTo>
-                  <a:pt x="366" y="6357"/>
-                </a:lnTo>
-                <a:lnTo>
-                  <a:pt x="220" y="6625"/>
-                </a:lnTo>
-                <a:lnTo>
-                  <a:pt x="122" y="6893"/>
-                </a:lnTo>
-                <a:lnTo>
-                  <a:pt x="49" y="7185"/>
-                </a:lnTo>
-                <a:lnTo>
-                  <a:pt x="1" y="7477"/>
-                </a:lnTo>
-                <a:lnTo>
-                  <a:pt x="1" y="7794"/>
-                </a:lnTo>
-                <a:lnTo>
-                  <a:pt x="1" y="7794"/>
-                </a:lnTo>
-                <a:lnTo>
-                  <a:pt x="1" y="8110"/>
-                </a:lnTo>
-                <a:lnTo>
-                  <a:pt x="49" y="8403"/>
-                </a:lnTo>
-                <a:lnTo>
-                  <a:pt x="122" y="8695"/>
-                </a:lnTo>
-                <a:lnTo>
-                  <a:pt x="220" y="8963"/>
-                </a:lnTo>
-                <a:lnTo>
-                  <a:pt x="366" y="9231"/>
-                </a:lnTo>
-                <a:lnTo>
-                  <a:pt x="512" y="9474"/>
-                </a:lnTo>
-                <a:lnTo>
-                  <a:pt x="683" y="9718"/>
-                </a:lnTo>
-                <a:lnTo>
-                  <a:pt x="877" y="9937"/>
-                </a:lnTo>
-                <a:lnTo>
-                  <a:pt x="1097" y="10132"/>
-                </a:lnTo>
-                <a:lnTo>
-                  <a:pt x="1316" y="10302"/>
-                </a:lnTo>
-                <a:lnTo>
-                  <a:pt x="1584" y="10449"/>
-                </a:lnTo>
-                <a:lnTo>
-                  <a:pt x="1827" y="10570"/>
-                </a:lnTo>
-                <a:lnTo>
-                  <a:pt x="2120" y="10692"/>
-                </a:lnTo>
-                <a:lnTo>
-                  <a:pt x="2412" y="10765"/>
-                </a:lnTo>
-                <a:lnTo>
-                  <a:pt x="2704" y="10814"/>
-                </a:lnTo>
-                <a:lnTo>
-                  <a:pt x="3021" y="10814"/>
-                </a:lnTo>
-                <a:lnTo>
-                  <a:pt x="16124" y="10814"/>
-                </a:lnTo>
-                <a:lnTo>
-                  <a:pt x="16124" y="10814"/>
-                </a:lnTo>
-                <a:lnTo>
-                  <a:pt x="16440" y="10814"/>
-                </a:lnTo>
-                <a:lnTo>
-                  <a:pt x="16732" y="10765"/>
-                </a:lnTo>
-                <a:lnTo>
-                  <a:pt x="17025" y="10692"/>
-                </a:lnTo>
-                <a:lnTo>
-                  <a:pt x="17317" y="10570"/>
-                </a:lnTo>
-                <a:lnTo>
-                  <a:pt x="17561" y="10449"/>
-                </a:lnTo>
-                <a:lnTo>
-                  <a:pt x="17828" y="10302"/>
-                </a:lnTo>
-                <a:lnTo>
-                  <a:pt x="18048" y="10132"/>
-                </a:lnTo>
-                <a:lnTo>
-                  <a:pt x="18267" y="9937"/>
-                </a:lnTo>
-                <a:lnTo>
-                  <a:pt x="18462" y="9718"/>
-                </a:lnTo>
-                <a:lnTo>
-                  <a:pt x="18632" y="9474"/>
-                </a:lnTo>
-                <a:lnTo>
-                  <a:pt x="18778" y="9231"/>
-                </a:lnTo>
-                <a:lnTo>
-                  <a:pt x="18924" y="8963"/>
-                </a:lnTo>
-                <a:lnTo>
-                  <a:pt x="19022" y="8695"/>
-                </a:lnTo>
-                <a:lnTo>
-                  <a:pt x="19095" y="8403"/>
-                </a:lnTo>
-                <a:lnTo>
-                  <a:pt x="19144" y="8110"/>
-                </a:lnTo>
-                <a:lnTo>
-                  <a:pt x="19144" y="7794"/>
-                </a:lnTo>
-                <a:lnTo>
-                  <a:pt x="19144" y="7794"/>
-                </a:lnTo>
-                <a:lnTo>
-                  <a:pt x="19144" y="7477"/>
-                </a:lnTo>
-                <a:lnTo>
-                  <a:pt x="19095" y="7185"/>
-                </a:lnTo>
-                <a:lnTo>
-                  <a:pt x="19022" y="6893"/>
-                </a:lnTo>
-                <a:lnTo>
-                  <a:pt x="18924" y="6625"/>
-                </a:lnTo>
-                <a:lnTo>
-                  <a:pt x="18778" y="6357"/>
-                </a:lnTo>
-                <a:lnTo>
-                  <a:pt x="18632" y="6113"/>
-                </a:lnTo>
-                <a:lnTo>
-                  <a:pt x="18462" y="5870"/>
-                </a:lnTo>
-                <a:lnTo>
-                  <a:pt x="18267" y="5651"/>
-                </a:lnTo>
-                <a:lnTo>
-                  <a:pt x="18048" y="5456"/>
-                </a:lnTo>
-                <a:lnTo>
-                  <a:pt x="17828" y="5285"/>
-                </a:lnTo>
-                <a:lnTo>
-                  <a:pt x="17561" y="5139"/>
-                </a:lnTo>
-                <a:lnTo>
-                  <a:pt x="17317" y="5017"/>
-                </a:lnTo>
-                <a:lnTo>
-                  <a:pt x="17025" y="4896"/>
-                </a:lnTo>
-                <a:lnTo>
-                  <a:pt x="16732" y="4823"/>
-                </a:lnTo>
-                <a:lnTo>
-                  <a:pt x="16440" y="4774"/>
-                </a:lnTo>
-                <a:lnTo>
-                  <a:pt x="16124" y="4774"/>
-                </a:lnTo>
-                <a:lnTo>
-                  <a:pt x="16124" y="4774"/>
-                </a:lnTo>
-                <a:close/>
-              </a:path>
-            </a:pathLst>
-          </a:custGeom>
+          </a:prstGeom>
           <a:noFill/>
-          <a:ln w="38100" cap="rnd" cmpd="sng">
-            <a:solidFill>
-              <a:srgbClr val="FFFFFF"/>
-            </a:solidFill>
-            <a:prstDash val="solid"/>
-            <a:round/>
-            <a:headEnd type="none" w="med" len="med"/>
-            <a:tailEnd type="none" w="med" len="med"/>
+          <a:ln>
+            <a:noFill/>
           </a:ln>
         </p:spPr>
         <p:txBody>
-          <a:bodyPr lIns="91425" tIns="91425" rIns="91425" bIns="91425" anchor="ctr" anchorCtr="0">
+          <a:bodyPr lIns="91425" tIns="91425" rIns="91425" bIns="91425" anchor="t" anchorCtr="0">
             <a:noAutofit/>
           </a:bodyPr>
           <a:lstStyle/>
           <a:p>
-            <a:pPr lvl="0">
+            <a:pPr lvl="0" rtl="0">
               <a:spcBef>
                 <a:spcPts val="0"/>
               </a:spcBef>
               <a:buNone/>
             </a:pPr>
-            <a:endParaRPr/>
+            <a:r>
+              <a:rPr lang="en" sz="5400" dirty="0" smtClean="0"/>
+              <a:t>YOLO</a:t>
+            </a:r>
+            <a:endParaRPr lang="en" sz="5400" dirty="0"/>
           </a:p>
         </p:txBody>
       </p:sp>
+      <p:sp>
+        <p:nvSpPr>
+          <p:cNvPr id="303" name="Shape 303"/>
+          <p:cNvSpPr txBox="1">
+            <a:spLocks noGrp="1"/>
+          </p:cNvSpPr>
+          <p:nvPr>
+            <p:ph type="subTitle" idx="4294967295"/>
+          </p:nvPr>
+        </p:nvSpPr>
+        <p:spPr>
+          <a:xfrm>
+            <a:off x="0" y="872836"/>
+            <a:ext cx="9144000" cy="4270663"/>
+          </a:xfrm>
+          <a:prstGeom prst="rect">
+            <a:avLst/>
+          </a:prstGeom>
+          <a:noFill/>
+          <a:ln>
+            <a:noFill/>
+          </a:ln>
+        </p:spPr>
+        <p:txBody>
+          <a:bodyPr lIns="91425" tIns="91425" rIns="91425" bIns="91425" anchor="t" anchorCtr="0">
+            <a:noAutofit/>
+          </a:bodyPr>
+          <a:lstStyle/>
+          <a:p>
+            <a:pPr marL="457200" indent="-457200">
+              <a:spcBef>
+                <a:spcPts val="0"/>
+              </a:spcBef>
+            </a:pPr>
+            <a:r>
+              <a:rPr lang="en-US" sz="2000" dirty="0" smtClean="0">
+                <a:latin typeface="Montserrat" panose="020B0604020202020204" charset="0"/>
+              </a:rPr>
+              <a:t>Our system divides the input image into a S</a:t>
+            </a:r>
+            <a:r>
+              <a:rPr lang="en-US" altLang="zh-CN" sz="2000" dirty="0" smtClean="0">
+                <a:latin typeface="Montserrat" panose="020B0604020202020204" charset="0"/>
+              </a:rPr>
+              <a:t>×</a:t>
+            </a:r>
+            <a:r>
+              <a:rPr lang="en-US" sz="2000" dirty="0">
+                <a:latin typeface="Montserrat" panose="020B0604020202020204" charset="0"/>
+              </a:rPr>
+              <a:t>S grid. If the center of an object falls into a grid cell, that grid cell is responsible for detecting that object. </a:t>
+            </a:r>
+            <a:endParaRPr lang="en-US" sz="2000" dirty="0" smtClean="0">
+              <a:latin typeface="Montserrat" panose="020B0604020202020204" charset="0"/>
+            </a:endParaRPr>
+          </a:p>
+          <a:p>
+            <a:pPr marL="457200" indent="-457200">
+              <a:spcBef>
+                <a:spcPts val="0"/>
+              </a:spcBef>
+            </a:pPr>
+            <a:r>
+              <a:rPr lang="en-US" sz="2000" dirty="0" smtClean="0">
+                <a:latin typeface="Montserrat" panose="020B0604020202020204" charset="0"/>
+              </a:rPr>
+              <a:t>Each </a:t>
+            </a:r>
+            <a:r>
+              <a:rPr lang="en-US" sz="2000" dirty="0">
+                <a:latin typeface="Montserrat" panose="020B0604020202020204" charset="0"/>
+              </a:rPr>
+              <a:t>grid cell predicts B bounding boxes and </a:t>
+            </a:r>
+            <a:r>
+              <a:rPr lang="en-US" sz="2000" dirty="0" smtClean="0">
+                <a:latin typeface="Montserrat" panose="020B0604020202020204" charset="0"/>
+              </a:rPr>
+              <a:t>confidence scores </a:t>
+            </a:r>
+            <a:r>
+              <a:rPr lang="en-US" sz="2000" dirty="0">
+                <a:latin typeface="Montserrat" panose="020B0604020202020204" charset="0"/>
+              </a:rPr>
+              <a:t>for those boxes</a:t>
+            </a:r>
+          </a:p>
+          <a:p>
+            <a:pPr marL="457200" indent="-457200">
+              <a:spcBef>
+                <a:spcPts val="0"/>
+              </a:spcBef>
+            </a:pPr>
+            <a:r>
+              <a:rPr lang="en-US" sz="2000" dirty="0" smtClean="0">
+                <a:latin typeface="Montserrat" panose="020B0604020202020204" charset="0"/>
+              </a:rPr>
+              <a:t>Each </a:t>
+            </a:r>
+            <a:r>
+              <a:rPr lang="en-US" sz="2000" dirty="0">
+                <a:latin typeface="Montserrat" panose="020B0604020202020204" charset="0"/>
+              </a:rPr>
+              <a:t>bounding box consists of 5 predictions: x, y, w, </a:t>
+            </a:r>
+            <a:r>
+              <a:rPr lang="en-US" sz="2000" dirty="0" smtClean="0">
+                <a:latin typeface="Montserrat" panose="020B0604020202020204" charset="0"/>
+              </a:rPr>
+              <a:t>h, confidence</a:t>
+            </a:r>
+          </a:p>
+          <a:p>
+            <a:pPr marL="457200" indent="-457200">
+              <a:spcBef>
+                <a:spcPts val="0"/>
+              </a:spcBef>
+            </a:pPr>
+            <a:endParaRPr lang="en-US" sz="2000" dirty="0">
+              <a:latin typeface="Montserrat" panose="020B0604020202020204" charset="0"/>
+            </a:endParaRPr>
+          </a:p>
+          <a:p>
+            <a:pPr marL="457200" indent="-457200">
+              <a:spcBef>
+                <a:spcPts val="0"/>
+              </a:spcBef>
+            </a:pPr>
+            <a:r>
+              <a:rPr lang="en-US" sz="2000" dirty="0">
+                <a:latin typeface="Montserrat" panose="020B0604020202020204" charset="0"/>
+              </a:rPr>
+              <a:t>Each grid cell also predicts C conditional class </a:t>
+            </a:r>
+            <a:r>
+              <a:rPr lang="en-US" sz="2000" dirty="0" smtClean="0">
+                <a:latin typeface="Montserrat" panose="020B0604020202020204" charset="0"/>
+              </a:rPr>
+              <a:t>probabilities </a:t>
+            </a:r>
+          </a:p>
+          <a:p>
+            <a:pPr marL="457200" indent="-457200">
+              <a:spcBef>
+                <a:spcPts val="0"/>
+              </a:spcBef>
+            </a:pPr>
+            <a:endParaRPr lang="en-US" sz="2000" dirty="0">
+              <a:latin typeface="Montserrat" panose="020B0604020202020204" charset="0"/>
+            </a:endParaRPr>
+          </a:p>
+          <a:p>
+            <a:pPr marL="457200" indent="-457200">
+              <a:spcBef>
+                <a:spcPts val="0"/>
+              </a:spcBef>
+            </a:pPr>
+            <a:r>
+              <a:rPr lang="en-US" sz="2000" dirty="0">
+                <a:latin typeface="Montserrat" panose="020B0604020202020204" charset="0"/>
+              </a:rPr>
+              <a:t>At test time we multiply the conditional class </a:t>
+            </a:r>
+            <a:r>
+              <a:rPr lang="en-US" sz="2000" dirty="0" smtClean="0">
+                <a:latin typeface="Montserrat" panose="020B0604020202020204" charset="0"/>
+              </a:rPr>
+              <a:t>probabilities and </a:t>
+            </a:r>
+            <a:r>
+              <a:rPr lang="en-US" sz="2000" dirty="0">
+                <a:latin typeface="Montserrat" panose="020B0604020202020204" charset="0"/>
+              </a:rPr>
+              <a:t>the individual box confidence predictions</a:t>
+            </a:r>
+          </a:p>
+        </p:txBody>
+      </p:sp>
+      <p:pic>
+        <p:nvPicPr>
+          <p:cNvPr id="8" name="图片 7"/>
+          <p:cNvPicPr>
+            <a:picLocks noChangeAspect="1"/>
+          </p:cNvPicPr>
+          <p:nvPr/>
+        </p:nvPicPr>
+        <p:blipFill>
+          <a:blip r:embed="rId4"/>
+          <a:stretch>
+            <a:fillRect/>
+          </a:stretch>
+        </p:blipFill>
+        <p:spPr>
+          <a:xfrm>
+            <a:off x="571500" y="2767012"/>
+            <a:ext cx="3046137" cy="388234"/>
+          </a:xfrm>
+          <a:prstGeom prst="rect">
+            <a:avLst/>
+          </a:prstGeom>
+        </p:spPr>
+      </p:pic>
+      <p:pic>
+        <p:nvPicPr>
+          <p:cNvPr id="10" name="图片 9"/>
+          <p:cNvPicPr>
+            <a:picLocks noChangeAspect="1"/>
+          </p:cNvPicPr>
+          <p:nvPr/>
+        </p:nvPicPr>
+        <p:blipFill>
+          <a:blip r:embed="rId5"/>
+          <a:stretch>
+            <a:fillRect/>
+          </a:stretch>
+        </p:blipFill>
+        <p:spPr>
+          <a:xfrm>
+            <a:off x="571500" y="3441257"/>
+            <a:ext cx="1459197" cy="315209"/>
+          </a:xfrm>
+          <a:prstGeom prst="rect">
+            <a:avLst/>
+          </a:prstGeom>
+        </p:spPr>
+      </p:pic>
+      <p:pic>
+        <p:nvPicPr>
+          <p:cNvPr id="13" name="图片 12"/>
+          <p:cNvPicPr>
+            <a:picLocks noChangeAspect="1"/>
+          </p:cNvPicPr>
+          <p:nvPr/>
+        </p:nvPicPr>
+        <p:blipFill>
+          <a:blip r:embed="rId6"/>
+          <a:stretch>
+            <a:fillRect/>
+          </a:stretch>
+        </p:blipFill>
+        <p:spPr>
+          <a:xfrm>
+            <a:off x="571500" y="4352720"/>
+            <a:ext cx="4457526" cy="328611"/>
+          </a:xfrm>
+          <a:prstGeom prst="rect">
+            <a:avLst/>
+          </a:prstGeom>
+        </p:spPr>
+      </p:pic>
     </p:spTree>
+    <p:extLst>
+      <p:ext uri="{BB962C8B-B14F-4D97-AF65-F5344CB8AC3E}">
+        <p14:creationId xmlns:p14="http://schemas.microsoft.com/office/powerpoint/2010/main" val="3386869249"/>
+      </p:ext>
+    </p:extLst>
+  </p:cSld>
+  <p:clrMapOvr>
+    <a:masterClrMapping/>
+  </p:clrMapOvr>
+  <p:transition spd="slow">
+    <p:cut/>
+  </p:transition>
+  <p:timing>
+    <p:tnLst>
+      <p:par>
+        <p:cTn id="1" dur="indefinite" restart="never" nodeType="tmRoot"/>
+      </p:par>
+    </p:tnLst>
+  </p:timing>
+</p:sld>
+</file>
+
+<file path=ppt/slides/slide9.xml><?xml version="1.0" encoding="utf-8"?>
+<p:sld xmlns:a="http://schemas.openxmlformats.org/drawingml/2006/main" xmlns:r="http://schemas.openxmlformats.org/officeDocument/2006/relationships" xmlns:p="http://schemas.openxmlformats.org/presentationml/2006/main">
+  <p:cSld>
+    <p:spTree>
+      <p:nvGrpSpPr>
+        <p:cNvPr id="1" name="Shape 300"/>
+        <p:cNvGrpSpPr/>
+        <p:nvPr/>
+      </p:nvGrpSpPr>
+      <p:grpSpPr>
+        <a:xfrm>
+          <a:off x="0" y="0"/>
+          <a:ext cx="0" cy="0"/>
+          <a:chOff x="0" y="0"/>
+          <a:chExt cx="0" cy="0"/>
+        </a:xfrm>
+      </p:grpSpPr>
+      <p:pic>
+        <p:nvPicPr>
+          <p:cNvPr id="301" name="Shape 301"/>
+          <p:cNvPicPr preferRelativeResize="0"/>
+          <p:nvPr/>
+        </p:nvPicPr>
+        <p:blipFill rotWithShape="1">
+          <a:blip r:embed="rId3">
+            <a:alphaModFix amt="11000"/>
+          </a:blip>
+          <a:srcRect t="28895" b="14855"/>
+          <a:stretch/>
+        </p:blipFill>
+        <p:spPr>
+          <a:xfrm>
+            <a:off x="0" y="0"/>
+            <a:ext cx="9144000" cy="5143500"/>
+          </a:xfrm>
+          <a:prstGeom prst="rect">
+            <a:avLst/>
+          </a:prstGeom>
+          <a:gradFill>
+            <a:gsLst>
+              <a:gs pos="0">
+                <a:schemeClr val="accent1">
+                  <a:lumMod val="5000"/>
+                  <a:lumOff val="95000"/>
+                </a:schemeClr>
+              </a:gs>
+              <a:gs pos="74000">
+                <a:schemeClr val="accent1">
+                  <a:lumMod val="45000"/>
+                  <a:lumOff val="55000"/>
+                </a:schemeClr>
+              </a:gs>
+              <a:gs pos="83000">
+                <a:schemeClr val="accent1">
+                  <a:lumMod val="45000"/>
+                  <a:lumOff val="55000"/>
+                </a:schemeClr>
+              </a:gs>
+              <a:gs pos="100000">
+                <a:schemeClr val="accent1">
+                  <a:lumMod val="30000"/>
+                  <a:lumOff val="70000"/>
+                </a:schemeClr>
+              </a:gs>
+            </a:gsLst>
+            <a:lin ang="5400000" scaled="1"/>
+          </a:gradFill>
+          <a:ln>
+            <a:noFill/>
+          </a:ln>
+        </p:spPr>
+      </p:pic>
+      <p:sp>
+        <p:nvSpPr>
+          <p:cNvPr id="302" name="Shape 302"/>
+          <p:cNvSpPr txBox="1">
+            <a:spLocks noGrp="1"/>
+          </p:cNvSpPr>
+          <p:nvPr>
+            <p:ph type="ctrTitle" idx="4294967295"/>
+          </p:nvPr>
+        </p:nvSpPr>
+        <p:spPr>
+          <a:xfrm>
+            <a:off x="0" y="0"/>
+            <a:ext cx="8620050" cy="1159799"/>
+          </a:xfrm>
+          <a:prstGeom prst="rect">
+            <a:avLst/>
+          </a:prstGeom>
+          <a:noFill/>
+          <a:ln>
+            <a:noFill/>
+          </a:ln>
+        </p:spPr>
+        <p:txBody>
+          <a:bodyPr lIns="91425" tIns="91425" rIns="91425" bIns="91425" anchor="t" anchorCtr="0">
+            <a:noAutofit/>
+          </a:bodyPr>
+          <a:lstStyle/>
+          <a:p>
+            <a:pPr lvl="0" rtl="0">
+              <a:spcBef>
+                <a:spcPts val="0"/>
+              </a:spcBef>
+              <a:buNone/>
+            </a:pPr>
+            <a:r>
+              <a:rPr lang="en" sz="5400" dirty="0" smtClean="0"/>
+              <a:t>YOLO</a:t>
+            </a:r>
+            <a:endParaRPr lang="en" sz="5400" dirty="0"/>
+          </a:p>
+        </p:txBody>
+      </p:sp>
+      <p:sp>
+        <p:nvSpPr>
+          <p:cNvPr id="303" name="Shape 303"/>
+          <p:cNvSpPr txBox="1">
+            <a:spLocks noGrp="1"/>
+          </p:cNvSpPr>
+          <p:nvPr>
+            <p:ph type="subTitle" idx="4294967295"/>
+          </p:nvPr>
+        </p:nvSpPr>
+        <p:spPr>
+          <a:xfrm>
+            <a:off x="0" y="872836"/>
+            <a:ext cx="3076575" cy="4270663"/>
+          </a:xfrm>
+          <a:prstGeom prst="rect">
+            <a:avLst/>
+          </a:prstGeom>
+          <a:noFill/>
+          <a:ln>
+            <a:noFill/>
+          </a:ln>
+        </p:spPr>
+        <p:txBody>
+          <a:bodyPr lIns="91425" tIns="91425" rIns="91425" bIns="91425" anchor="t" anchorCtr="0">
+            <a:noAutofit/>
+          </a:bodyPr>
+          <a:lstStyle/>
+          <a:p>
+            <a:pPr marL="457200" indent="-457200">
+              <a:spcBef>
+                <a:spcPts val="0"/>
+              </a:spcBef>
+            </a:pPr>
+            <a:r>
+              <a:rPr lang="en-US" altLang="zh-CN" sz="2000" dirty="0" smtClean="0">
+                <a:latin typeface="Montserrat" panose="020B0604020202020204" charset="0"/>
+              </a:rPr>
+              <a:t>For Pascal VOC </a:t>
+            </a:r>
+            <a:r>
+              <a:rPr lang="en" sz="2000" dirty="0" smtClean="0">
+                <a:latin typeface="Montserrat" panose="020B0604020202020204" charset="0"/>
+              </a:rPr>
+              <a:t>S=7, B=2, C=20</a:t>
+            </a:r>
+          </a:p>
+          <a:p>
+            <a:pPr marL="457200" indent="-457200">
+              <a:spcBef>
+                <a:spcPts val="0"/>
+              </a:spcBef>
+            </a:pPr>
+            <a:endParaRPr lang="en" sz="2000" dirty="0" smtClean="0">
+              <a:latin typeface="Montserrat" panose="020B0604020202020204" charset="0"/>
+            </a:endParaRPr>
+          </a:p>
+          <a:p>
+            <a:pPr marL="457200" indent="-457200">
+              <a:spcBef>
+                <a:spcPts val="0"/>
+              </a:spcBef>
+            </a:pPr>
+            <a:r>
+              <a:rPr lang="en" sz="2000" dirty="0" smtClean="0">
+                <a:latin typeface="Montserrat" panose="020B0604020202020204" charset="0"/>
+              </a:rPr>
+              <a:t>Final prediction is a 7</a:t>
+            </a:r>
+            <a:r>
+              <a:rPr lang="en-US" altLang="zh-CN" sz="2000" dirty="0" smtClean="0">
+                <a:latin typeface="Montserrat" panose="020B0604020202020204" charset="0"/>
+              </a:rPr>
+              <a:t>×7×30 tensor</a:t>
+            </a:r>
+          </a:p>
+          <a:p>
+            <a:pPr marL="457200" indent="-457200">
+              <a:spcBef>
+                <a:spcPts val="0"/>
+              </a:spcBef>
+            </a:pPr>
+            <a:endParaRPr lang="en-US" sz="2000" dirty="0">
+              <a:latin typeface="Montserrat" panose="020B0604020202020204" charset="0"/>
+            </a:endParaRPr>
+          </a:p>
+          <a:p>
+            <a:pPr marL="457200" indent="-457200">
+              <a:spcBef>
+                <a:spcPts val="0"/>
+              </a:spcBef>
+            </a:pPr>
+            <a:r>
+              <a:rPr lang="en-US" altLang="zh-CN" sz="2000" dirty="0" smtClean="0">
+                <a:latin typeface="Montserrat" panose="020B0604020202020204" charset="0"/>
+              </a:rPr>
+              <a:t>The input image is 224×224, so the CNN has 5 down-sampling layers</a:t>
+            </a:r>
+            <a:endParaRPr lang="en" sz="2000" dirty="0" smtClean="0">
+              <a:latin typeface="Montserrat" panose="020B0604020202020204" charset="0"/>
+            </a:endParaRPr>
+          </a:p>
+        </p:txBody>
+      </p:sp>
+      <p:pic>
+        <p:nvPicPr>
+          <p:cNvPr id="3" name="图片 2"/>
+          <p:cNvPicPr>
+            <a:picLocks noChangeAspect="1"/>
+          </p:cNvPicPr>
+          <p:nvPr/>
+        </p:nvPicPr>
+        <p:blipFill>
+          <a:blip r:embed="rId4"/>
+          <a:stretch>
+            <a:fillRect/>
+          </a:stretch>
+        </p:blipFill>
+        <p:spPr>
+          <a:xfrm>
+            <a:off x="3076575" y="26270"/>
+            <a:ext cx="6067425" cy="3690784"/>
+          </a:xfrm>
+          <a:prstGeom prst="rect">
+            <a:avLst/>
+          </a:prstGeom>
+        </p:spPr>
+      </p:pic>
+      <p:pic>
+        <p:nvPicPr>
+          <p:cNvPr id="4" name="图片 3"/>
+          <p:cNvPicPr>
+            <a:picLocks noChangeAspect="1"/>
+          </p:cNvPicPr>
+          <p:nvPr/>
+        </p:nvPicPr>
+        <p:blipFill>
+          <a:blip r:embed="rId5"/>
+          <a:stretch>
+            <a:fillRect/>
+          </a:stretch>
+        </p:blipFill>
+        <p:spPr>
+          <a:xfrm>
+            <a:off x="3076575" y="3717054"/>
+            <a:ext cx="6067425" cy="1400175"/>
+          </a:xfrm>
+          <a:prstGeom prst="rect">
+            <a:avLst/>
+          </a:prstGeom>
+        </p:spPr>
+      </p:pic>
+    </p:spTree>
+    <p:extLst>
+      <p:ext uri="{BB962C8B-B14F-4D97-AF65-F5344CB8AC3E}">
+        <p14:creationId xmlns:p14="http://schemas.microsoft.com/office/powerpoint/2010/main" val="632159906"/>
+      </p:ext>
+    </p:extLst>
   </p:cSld>
   <p:clrMapOvr>
     <a:masterClrMapping/>
